--- a/bioinfoDS-Partial_Project.pptx
+++ b/bioinfoDS-Partial_Project.pptx
@@ -5,18 +5,20 @@
     <p:sldMasterId id="2147483660" r:id="rId1"/>
   </p:sldMasterIdLst>
   <p:notesMasterIdLst>
-    <p:notesMasterId r:id="rId11"/>
+    <p:notesMasterId r:id="rId13"/>
   </p:notesMasterIdLst>
   <p:sldIdLst>
     <p:sldId id="256" r:id="rId2"/>
     <p:sldId id="257" r:id="rId3"/>
     <p:sldId id="268" r:id="rId4"/>
     <p:sldId id="265" r:id="rId5"/>
-    <p:sldId id="269" r:id="rId6"/>
-    <p:sldId id="263" r:id="rId7"/>
-    <p:sldId id="261" r:id="rId8"/>
-    <p:sldId id="262" r:id="rId9"/>
-    <p:sldId id="271" r:id="rId10"/>
+    <p:sldId id="272" r:id="rId6"/>
+    <p:sldId id="269" r:id="rId7"/>
+    <p:sldId id="273" r:id="rId8"/>
+    <p:sldId id="263" r:id="rId9"/>
+    <p:sldId id="261" r:id="rId10"/>
+    <p:sldId id="262" r:id="rId11"/>
+    <p:sldId id="271" r:id="rId12"/>
   </p:sldIdLst>
   <p:sldSz cx="9144000" cy="6858000" type="screen4x3"/>
   <p:notesSz cx="6858000" cy="9144000"/>
@@ -3548,6 +3550,328 @@
 </p:sld>
 </file>
 
+<file path=ppt/slides/slide10.xml><?xml version="1.0" encoding="utf-8"?>
+<p:sld xmlns:a="http://schemas.openxmlformats.org/drawingml/2006/main" xmlns:r="http://schemas.openxmlformats.org/officeDocument/2006/relationships" xmlns:p="http://schemas.openxmlformats.org/presentationml/2006/main">
+  <p:cSld>
+    <p:spTree>
+      <p:nvGrpSpPr>
+        <p:cNvPr id="1" name=""/>
+        <p:cNvGrpSpPr/>
+        <p:nvPr/>
+      </p:nvGrpSpPr>
+      <p:grpSpPr>
+        <a:xfrm>
+          <a:off x="0" y="0"/>
+          <a:ext cx="0" cy="0"/>
+          <a:chOff x="0" y="0"/>
+          <a:chExt cx="0" cy="0"/>
+        </a:xfrm>
+      </p:grpSpPr>
+      <p:sp>
+        <p:nvSpPr>
+          <p:cNvPr id="2" name="标题 1"/>
+          <p:cNvSpPr>
+            <a:spLocks noGrp="1"/>
+          </p:cNvSpPr>
+          <p:nvPr>
+            <p:ph type="title"/>
+          </p:nvPr>
+        </p:nvSpPr>
+        <p:spPr/>
+        <p:txBody>
+          <a:bodyPr>
+            <a:normAutofit/>
+          </a:bodyPr>
+          <a:lstStyle/>
+          <a:p>
+            <a:r>
+              <a:rPr kumimoji="1" lang="en-US" altLang="zh-CN" sz="3200" b="1" dirty="0">
+                <a:solidFill>
+                  <a:srgbClr val="92D050"/>
+                </a:solidFill>
+                <a:latin typeface="Microsoft YaHei" charset="-122"/>
+                <a:ea typeface="Microsoft YaHei" charset="-122"/>
+                <a:cs typeface="Microsoft YaHei" charset="-122"/>
+              </a:rPr>
+              <a:t>Expected</a:t>
+            </a:r>
+            <a:r>
+              <a:rPr kumimoji="1" lang="zh-CN" altLang="en-US" sz="3200" b="1" dirty="0">
+                <a:solidFill>
+                  <a:srgbClr val="92D050"/>
+                </a:solidFill>
+                <a:latin typeface="Microsoft YaHei" charset="-122"/>
+                <a:ea typeface="Microsoft YaHei" charset="-122"/>
+                <a:cs typeface="Microsoft YaHei" charset="-122"/>
+              </a:rPr>
+              <a:t> </a:t>
+            </a:r>
+            <a:r>
+              <a:rPr kumimoji="1" lang="en-US" altLang="zh-CN" sz="3200" b="1" dirty="0">
+                <a:solidFill>
+                  <a:srgbClr val="92D050"/>
+                </a:solidFill>
+                <a:latin typeface="Microsoft YaHei" charset="-122"/>
+                <a:ea typeface="Microsoft YaHei" charset="-122"/>
+                <a:cs typeface="Microsoft YaHei" charset="-122"/>
+              </a:rPr>
+              <a:t>Results:</a:t>
+            </a:r>
+            <a:r>
+              <a:rPr kumimoji="1" lang="zh-CN" altLang="en-US" sz="3200" b="1" dirty="0">
+                <a:solidFill>
+                  <a:srgbClr val="92D050"/>
+                </a:solidFill>
+                <a:latin typeface="Microsoft YaHei" charset="-122"/>
+                <a:ea typeface="Microsoft YaHei" charset="-122"/>
+                <a:cs typeface="Microsoft YaHei" charset="-122"/>
+              </a:rPr>
+              <a:t> </a:t>
+            </a:r>
+            <a:r>
+              <a:rPr kumimoji="1" lang="en-US" altLang="zh-CN" sz="3200" b="1" dirty="0">
+                <a:solidFill>
+                  <a:srgbClr val="92D050"/>
+                </a:solidFill>
+                <a:latin typeface="Microsoft YaHei" charset="-122"/>
+                <a:ea typeface="Microsoft YaHei" charset="-122"/>
+                <a:cs typeface="Microsoft YaHei" charset="-122"/>
+              </a:rPr>
+              <a:t>Predictive</a:t>
+            </a:r>
+            <a:r>
+              <a:rPr kumimoji="1" lang="zh-CN" altLang="en-US" sz="3200" b="1" dirty="0">
+                <a:solidFill>
+                  <a:srgbClr val="92D050"/>
+                </a:solidFill>
+                <a:latin typeface="Microsoft YaHei" charset="-122"/>
+                <a:ea typeface="Microsoft YaHei" charset="-122"/>
+                <a:cs typeface="Microsoft YaHei" charset="-122"/>
+              </a:rPr>
+              <a:t> </a:t>
+            </a:r>
+            <a:r>
+              <a:rPr kumimoji="1" lang="en-US" altLang="zh-CN" sz="3200" b="1" dirty="0">
+                <a:solidFill>
+                  <a:srgbClr val="92D050"/>
+                </a:solidFill>
+                <a:latin typeface="Microsoft YaHei" charset="-122"/>
+                <a:ea typeface="Microsoft YaHei" charset="-122"/>
+                <a:cs typeface="Microsoft YaHei" charset="-122"/>
+              </a:rPr>
+              <a:t>Analytics</a:t>
+            </a:r>
+            <a:endParaRPr kumimoji="1" lang="zh-CN" altLang="en-US" sz="3200" b="1" dirty="0">
+              <a:solidFill>
+                <a:srgbClr val="92D050"/>
+              </a:solidFill>
+              <a:latin typeface="Microsoft YaHei" charset="-122"/>
+              <a:ea typeface="Microsoft YaHei" charset="-122"/>
+              <a:cs typeface="Microsoft YaHei" charset="-122"/>
+            </a:endParaRPr>
+          </a:p>
+        </p:txBody>
+      </p:sp>
+      <p:sp>
+        <p:nvSpPr>
+          <p:cNvPr id="3" name="内容占位符 2"/>
+          <p:cNvSpPr>
+            <a:spLocks noGrp="1"/>
+          </p:cNvSpPr>
+          <p:nvPr>
+            <p:ph idx="1"/>
+          </p:nvPr>
+        </p:nvSpPr>
+        <p:spPr/>
+        <p:txBody>
+          <a:bodyPr>
+            <a:normAutofit/>
+          </a:bodyPr>
+          <a:lstStyle/>
+          <a:p>
+            <a:r>
+              <a:rPr kumimoji="1" lang="en-US" altLang="zh-CN" sz="2400" dirty="0"/>
+              <a:t>Construct a phylogenetic tree from homologous genes and update the tree with new data.</a:t>
+            </a:r>
+          </a:p>
+          <a:p>
+            <a:endParaRPr kumimoji="1" lang="en-US" altLang="zh-CN" sz="2400" dirty="0"/>
+          </a:p>
+          <a:p>
+            <a:r>
+              <a:rPr kumimoji="1" lang="en-US" altLang="zh-CN" sz="2400" dirty="0"/>
+              <a:t>Predict amino acid which have higher chances of being conserved across generations.</a:t>
+            </a:r>
+            <a:endParaRPr kumimoji="1" lang="pt-BR" altLang="zh-CN" sz="2400" dirty="0"/>
+          </a:p>
+        </p:txBody>
+      </p:sp>
+    </p:spTree>
+    <p:extLst>
+      <p:ext uri="{BB962C8B-B14F-4D97-AF65-F5344CB8AC3E}">
+        <p14:creationId xmlns:p14="http://schemas.microsoft.com/office/powerpoint/2010/main" val="1390960048"/>
+      </p:ext>
+    </p:extLst>
+  </p:cSld>
+  <p:clrMapOvr>
+    <a:masterClrMapping/>
+  </p:clrMapOvr>
+</p:sld>
+</file>
+
+<file path=ppt/slides/slide11.xml><?xml version="1.0" encoding="utf-8"?>
+<p:sld xmlns:a="http://schemas.openxmlformats.org/drawingml/2006/main" xmlns:r="http://schemas.openxmlformats.org/officeDocument/2006/relationships" xmlns:p="http://schemas.openxmlformats.org/presentationml/2006/main">
+  <p:cSld>
+    <p:spTree>
+      <p:nvGrpSpPr>
+        <p:cNvPr id="1" name=""/>
+        <p:cNvGrpSpPr/>
+        <p:nvPr/>
+      </p:nvGrpSpPr>
+      <p:grpSpPr>
+        <a:xfrm>
+          <a:off x="0" y="0"/>
+          <a:ext cx="0" cy="0"/>
+          <a:chOff x="0" y="0"/>
+          <a:chExt cx="0" cy="0"/>
+        </a:xfrm>
+      </p:grpSpPr>
+      <p:sp>
+        <p:nvSpPr>
+          <p:cNvPr id="2" name="标题 1"/>
+          <p:cNvSpPr>
+            <a:spLocks noGrp="1"/>
+          </p:cNvSpPr>
+          <p:nvPr>
+            <p:ph type="title"/>
+          </p:nvPr>
+        </p:nvSpPr>
+        <p:spPr/>
+        <p:txBody>
+          <a:bodyPr>
+            <a:normAutofit/>
+          </a:bodyPr>
+          <a:lstStyle/>
+          <a:p>
+            <a:r>
+              <a:rPr kumimoji="1" lang="pt-BR" altLang="zh-CN" sz="3200" b="1" dirty="0" err="1" smtClean="0">
+                <a:solidFill>
+                  <a:srgbClr val="92D050"/>
+                </a:solidFill>
+                <a:latin typeface="Microsoft YaHei" charset="-122"/>
+                <a:ea typeface="Microsoft YaHei" charset="-122"/>
+                <a:cs typeface="Microsoft YaHei" charset="-122"/>
+              </a:rPr>
+              <a:t>References</a:t>
+            </a:r>
+            <a:endParaRPr kumimoji="1" lang="zh-CN" altLang="en-US" sz="3200" b="1" dirty="0">
+              <a:solidFill>
+                <a:srgbClr val="92D050"/>
+              </a:solidFill>
+              <a:latin typeface="Microsoft YaHei" charset="-122"/>
+              <a:ea typeface="Microsoft YaHei" charset="-122"/>
+              <a:cs typeface="Microsoft YaHei" charset="-122"/>
+            </a:endParaRPr>
+          </a:p>
+        </p:txBody>
+      </p:sp>
+      <p:sp>
+        <p:nvSpPr>
+          <p:cNvPr id="3" name="内容占位符 2"/>
+          <p:cNvSpPr>
+            <a:spLocks noGrp="1"/>
+          </p:cNvSpPr>
+          <p:nvPr>
+            <p:ph idx="1"/>
+          </p:nvPr>
+        </p:nvSpPr>
+        <p:spPr>
+          <a:xfrm>
+            <a:off x="628650" y="1825625"/>
+            <a:ext cx="7886700" cy="1075517"/>
+          </a:xfrm>
+        </p:spPr>
+        <p:txBody>
+          <a:bodyPr>
+            <a:normAutofit/>
+          </a:bodyPr>
+          <a:lstStyle/>
+          <a:p>
+            <a:r>
+              <a:rPr lang="en-US" b="1" dirty="0"/>
+              <a:t>The Phylogenetic Handbook: </a:t>
+            </a:r>
+            <a:r>
+              <a:rPr lang="en-US" dirty="0"/>
+              <a:t>A Practical Approach to Phylogenetic Analysis and Hypothesis </a:t>
+            </a:r>
+            <a:r>
+              <a:rPr lang="en-US" dirty="0" smtClean="0"/>
+              <a:t>Testing.</a:t>
+            </a:r>
+          </a:p>
+          <a:p>
+            <a:endParaRPr lang="en-US" b="1" dirty="0"/>
+          </a:p>
+          <a:p>
+            <a:endParaRPr kumimoji="1" lang="pt-BR" altLang="zh-CN" sz="2400" dirty="0"/>
+          </a:p>
+        </p:txBody>
+      </p:sp>
+      <p:pic>
+        <p:nvPicPr>
+          <p:cNvPr id="1028" name="Picture 4" descr="Resultado de imagem para phylogenetic handbook"/>
+          <p:cNvPicPr>
+            <a:picLocks noChangeAspect="1" noChangeArrowheads="1"/>
+          </p:cNvPicPr>
+          <p:nvPr/>
+        </p:nvPicPr>
+        <p:blipFill>
+          <a:blip r:embed="rId2">
+            <a:extLst>
+              <a:ext uri="{28A0092B-C50C-407E-A947-70E740481C1C}">
+                <a14:useLocalDpi xmlns:a14="http://schemas.microsoft.com/office/drawing/2010/main" val="0"/>
+              </a:ext>
+            </a:extLst>
+          </a:blip>
+          <a:srcRect/>
+          <a:stretch>
+            <a:fillRect/>
+          </a:stretch>
+        </p:blipFill>
+        <p:spPr bwMode="auto">
+          <a:xfrm>
+            <a:off x="3315063" y="2751513"/>
+            <a:ext cx="2513874" cy="3596005"/>
+          </a:xfrm>
+          <a:prstGeom prst="rect">
+            <a:avLst/>
+          </a:prstGeom>
+          <a:noFill/>
+          <a:extLst>
+            <a:ext uri="{909E8E84-426E-40DD-AFC4-6F175D3DCCD1}">
+              <a14:hiddenFill xmlns:a14="http://schemas.microsoft.com/office/drawing/2010/main">
+                <a:solidFill>
+                  <a:srgbClr val="FFFFFF"/>
+                </a:solidFill>
+              </a14:hiddenFill>
+            </a:ext>
+          </a:extLst>
+        </p:spPr>
+      </p:pic>
+    </p:spTree>
+    <p:extLst>
+      <p:ext uri="{BB962C8B-B14F-4D97-AF65-F5344CB8AC3E}">
+        <p14:creationId xmlns:p14="http://schemas.microsoft.com/office/powerpoint/2010/main" val="1689992994"/>
+      </p:ext>
+    </p:extLst>
+  </p:cSld>
+  <p:clrMapOvr>
+    <a:masterClrMapping/>
+  </p:clrMapOvr>
+</p:sld>
+</file>
+
 <file path=ppt/slides/slide2.xml><?xml version="1.0" encoding="utf-8"?>
 <p:sld xmlns:a="http://schemas.openxmlformats.org/drawingml/2006/main" xmlns:r="http://schemas.openxmlformats.org/officeDocument/2006/relationships" xmlns:p="http://schemas.openxmlformats.org/presentationml/2006/main">
   <p:cSld>
@@ -4077,141 +4401,38 @@
         </p:nvSpPr>
         <p:spPr>
           <a:xfrm>
-            <a:off x="628651" y="2055815"/>
-            <a:ext cx="3775612" cy="4121148"/>
+            <a:off x="628651" y="1126273"/>
+            <a:ext cx="3775612" cy="5050690"/>
           </a:xfrm>
         </p:spPr>
         <p:txBody>
           <a:bodyPr>
-            <a:normAutofit fontScale="92500" lnSpcReduction="10000"/>
+            <a:normAutofit/>
           </a:bodyPr>
           <a:lstStyle/>
           <a:p>
-            <a:r>
-              <a:rPr kumimoji="1" lang="en-US" altLang="zh-CN" sz="2400" dirty="0">
+            <a:pPr marL="0" indent="0">
+              <a:buNone/>
+            </a:pPr>
+            <a:r>
+              <a:rPr kumimoji="1" lang="en-US" altLang="zh-CN" sz="2400" dirty="0" smtClean="0">
                 <a:ea typeface="Microsoft YaHei" charset="-122"/>
                 <a:cs typeface="Microsoft YaHei" charset="-122"/>
               </a:rPr>
-              <a:t>How large us your data?</a:t>
-            </a:r>
-          </a:p>
-          <a:p>
-            <a:pPr lvl="1"/>
-            <a:r>
-              <a:rPr kumimoji="1" lang="en-US" altLang="zh-CN" sz="2000" dirty="0">
+              <a:t> </a:t>
+            </a:r>
+          </a:p>
+          <a:p>
+            <a:r>
+              <a:rPr kumimoji="1" lang="en-US" altLang="zh-CN" sz="2400" dirty="0" smtClean="0">
                 <a:ea typeface="Microsoft YaHei" charset="-122"/>
                 <a:cs typeface="Microsoft YaHei" charset="-122"/>
               </a:rPr>
-              <a:t>2,74 GB</a:t>
-            </a:r>
-          </a:p>
-          <a:p>
-            <a:pPr marL="0" indent="0">
-              <a:buNone/>
-            </a:pPr>
-            <a:r>
-              <a:rPr kumimoji="1" lang="en-US" altLang="zh-CN" sz="2400" dirty="0">
-                <a:ea typeface="Microsoft YaHei" charset="-122"/>
-                <a:cs typeface="Microsoft YaHei" charset="-122"/>
-              </a:rPr>
-              <a:t> </a:t>
-            </a:r>
-          </a:p>
-          <a:p>
-            <a:r>
-              <a:rPr kumimoji="1" lang="en-US" altLang="zh-CN" sz="2400" dirty="0">
-                <a:ea typeface="Microsoft YaHei" charset="-122"/>
-                <a:cs typeface="Microsoft YaHei" charset="-122"/>
-              </a:rPr>
               <a:t>What is it describing?</a:t>
             </a:r>
           </a:p>
-          <a:p>
-            <a:pPr lvl="1"/>
-            <a:r>
-              <a:rPr kumimoji="1" lang="en-US" altLang="zh-CN" sz="2000" dirty="0">
-                <a:ea typeface="Microsoft YaHei" charset="-122"/>
-                <a:cs typeface="Microsoft YaHei" charset="-122"/>
-              </a:rPr>
-              <a:t>The TRIM5α gene is a retroviral restriction factor that protects most old world monkey cells against HIV infection.</a:t>
-            </a:r>
-          </a:p>
-          <a:p>
-            <a:pPr marL="0" indent="0">
-              <a:buNone/>
-            </a:pPr>
-            <a:endParaRPr kumimoji="1" lang="en-US" altLang="zh-CN" sz="2400" dirty="0">
-              <a:ea typeface="Microsoft YaHei" charset="-122"/>
-              <a:cs typeface="Microsoft YaHei" charset="-122"/>
-            </a:endParaRPr>
-          </a:p>
-          <a:p>
-            <a:r>
-              <a:rPr kumimoji="1" lang="en-US" altLang="zh-CN" sz="2400" dirty="0">
-                <a:ea typeface="Microsoft YaHei" charset="-122"/>
-                <a:cs typeface="Microsoft YaHei" charset="-122"/>
-              </a:rPr>
-              <a:t>Where did you get it?</a:t>
-            </a:r>
-          </a:p>
-          <a:p>
-            <a:pPr lvl="1"/>
-            <a:r>
-              <a:rPr lang="pt-BR" sz="2200" dirty="0" err="1"/>
-              <a:t>National</a:t>
-            </a:r>
-            <a:r>
-              <a:rPr lang="pt-BR" sz="2200" dirty="0"/>
-              <a:t> Center for </a:t>
-            </a:r>
-            <a:r>
-              <a:rPr lang="pt-BR" sz="2200" dirty="0" err="1"/>
-              <a:t>Biotechnology</a:t>
-            </a:r>
-            <a:r>
-              <a:rPr lang="pt-BR" sz="2200" dirty="0"/>
-              <a:t> </a:t>
-            </a:r>
-            <a:r>
-              <a:rPr lang="pt-BR" sz="2200" dirty="0" err="1"/>
-              <a:t>Information</a:t>
-            </a:r>
-            <a:endParaRPr kumimoji="1" lang="zh-CN" altLang="en-US" sz="1900" dirty="0">
-              <a:ea typeface="Microsoft YaHei" charset="-122"/>
-              <a:cs typeface="Microsoft YaHei" charset="-122"/>
-            </a:endParaRPr>
-          </a:p>
-        </p:txBody>
-      </p:sp>
-      <p:pic>
-        <p:nvPicPr>
-          <p:cNvPr id="8" name="Imagem 7">
-            <a:extLst>
-              <a:ext uri="{FF2B5EF4-FFF2-40B4-BE49-F238E27FC236}">
-                <a16:creationId xmlns:a16="http://schemas.microsoft.com/office/drawing/2014/main" id="{677D8E00-9E60-4048-B3BF-7A0422BF450B}"/>
-              </a:ext>
-            </a:extLst>
-          </p:cNvPr>
-          <p:cNvPicPr>
-            <a:picLocks noChangeAspect="1"/>
-          </p:cNvPicPr>
-          <p:nvPr/>
-        </p:nvPicPr>
-        <p:blipFill rotWithShape="1">
-          <a:blip r:embed="rId2"/>
-          <a:srcRect l="1125" t="1780" b="1689"/>
-          <a:stretch/>
-        </p:blipFill>
-        <p:spPr>
-          <a:xfrm>
-            <a:off x="4404262" y="1746533"/>
-            <a:ext cx="4611981" cy="4486274"/>
-          </a:xfrm>
-          <a:prstGeom prst="rect">
-            <a:avLst/>
-          </a:prstGeom>
-        </p:spPr>
-      </p:pic>
+        </p:txBody>
+      </p:sp>
       <p:sp>
         <p:nvSpPr>
           <p:cNvPr id="9" name="CaixaDeTexto 8">
@@ -4226,8 +4447,8 @@
         </p:nvSpPr>
         <p:spPr>
           <a:xfrm>
-            <a:off x="6037194" y="6288652"/>
-            <a:ext cx="2478156" cy="307777"/>
+            <a:off x="5260962" y="6196848"/>
+            <a:ext cx="3185067" cy="276999"/>
           </a:xfrm>
           <a:prstGeom prst="rect">
             <a:avLst/>
@@ -4240,22 +4461,46 @@
           </a:bodyPr>
           <a:lstStyle/>
           <a:p>
-            <a:r>
-              <a:rPr lang="pt-BR" sz="1400" b="1" dirty="0" err="1"/>
+            <a:pPr algn="ctr"/>
+            <a:r>
+              <a:rPr lang="pt-BR" sz="1200" b="1" dirty="0" err="1"/>
               <a:t>Image</a:t>
             </a:r>
             <a:r>
-              <a:rPr lang="pt-BR" sz="1400" b="1" dirty="0"/>
+              <a:rPr lang="pt-BR" sz="1200" b="1" dirty="0"/>
               <a:t>: </a:t>
             </a:r>
             <a:r>
-              <a:rPr lang="pt-BR" sz="1400" dirty="0" err="1"/>
-              <a:t>primatesAA</a:t>
-            </a:r>
-            <a:endParaRPr lang="pt-BR" sz="1400" dirty="0"/>
-          </a:p>
-        </p:txBody>
-      </p:sp>
+              <a:rPr lang="pt-BR" sz="1200" dirty="0" smtClean="0"/>
+              <a:t>TRIM5alpha_complet_PopSet</a:t>
+            </a:r>
+            <a:endParaRPr lang="pt-BR" sz="1200" dirty="0"/>
+          </a:p>
+        </p:txBody>
+      </p:sp>
+      <p:pic>
+        <p:nvPicPr>
+          <p:cNvPr id="4" name="Imagem 3"/>
+          <p:cNvPicPr>
+            <a:picLocks noChangeAspect="1"/>
+          </p:cNvPicPr>
+          <p:nvPr/>
+        </p:nvPicPr>
+        <p:blipFill rotWithShape="1">
+          <a:blip r:embed="rId2"/>
+          <a:srcRect l="563"/>
+          <a:stretch/>
+        </p:blipFill>
+        <p:spPr>
+          <a:xfrm>
+            <a:off x="4728118" y="618843"/>
+            <a:ext cx="4250756" cy="5558120"/>
+          </a:xfrm>
+          <a:prstGeom prst="rect">
+            <a:avLst/>
+          </a:prstGeom>
+        </p:spPr>
+      </p:pic>
     </p:spTree>
     <p:extLst>
       <p:ext uri="{BB962C8B-B14F-4D97-AF65-F5344CB8AC3E}">
@@ -4304,7 +4549,7 @@
           <a:lstStyle/>
           <a:p>
             <a:r>
-              <a:rPr kumimoji="1" lang="pt-BR" altLang="zh-CN" sz="3200" b="1" dirty="0" err="1" smtClean="0">
+              <a:rPr kumimoji="1" lang="en-US" altLang="zh-CN" sz="3200" b="1" dirty="0" smtClean="0">
                 <a:solidFill>
                   <a:srgbClr val="92D050"/>
                 </a:solidFill>
@@ -4312,8 +4557,29 @@
                 <a:ea typeface="Microsoft YaHei" charset="-122"/>
                 <a:cs typeface="Microsoft YaHei" charset="-122"/>
               </a:rPr>
-              <a:t>ClustalW</a:t>
-            </a:r>
+              <a:t>Data</a:t>
+            </a:r>
+            <a:r>
+              <a:rPr kumimoji="1" lang="en-US" altLang="zh-CN" sz="3200" b="1" dirty="0">
+                <a:solidFill>
+                  <a:srgbClr val="92D050"/>
+                </a:solidFill>
+                <a:latin typeface="Microsoft YaHei" charset="-122"/>
+                <a:ea typeface="Microsoft YaHei" charset="-122"/>
+                <a:cs typeface="Microsoft YaHei" charset="-122"/>
+              </a:rPr>
+              <a:t/>
+            </a:r>
+            <a:br>
+              <a:rPr kumimoji="1" lang="en-US" altLang="zh-CN" sz="3200" b="1" dirty="0">
+                <a:solidFill>
+                  <a:srgbClr val="92D050"/>
+                </a:solidFill>
+                <a:latin typeface="Microsoft YaHei" charset="-122"/>
+                <a:ea typeface="Microsoft YaHei" charset="-122"/>
+                <a:cs typeface="Microsoft YaHei" charset="-122"/>
+              </a:rPr>
+            </a:br>
             <a:endParaRPr kumimoji="1" lang="zh-CN" altLang="en-US" sz="3200" b="1" dirty="0">
               <a:solidFill>
                 <a:srgbClr val="92D050"/>
@@ -4337,133 +4603,806 @@
         </p:nvSpPr>
         <p:spPr>
           <a:xfrm>
-            <a:off x="628650" y="1825625"/>
-            <a:ext cx="7886700" cy="3618571"/>
+            <a:off x="628651" y="1126273"/>
+            <a:ext cx="3775612" cy="5050690"/>
           </a:xfrm>
         </p:spPr>
         <p:txBody>
           <a:bodyPr>
-            <a:normAutofit/>
+            <a:normAutofit fontScale="55000" lnSpcReduction="20000"/>
           </a:bodyPr>
           <a:lstStyle/>
           <a:p>
-            <a:r>
-              <a:rPr kumimoji="1" lang="en-US" altLang="zh-CN" sz="2400" dirty="0" err="1">
-                <a:ea typeface="Microsoft YaHei" charset="-122"/>
-                <a:cs typeface="Microsoft YaHei" charset="-122"/>
-              </a:rPr>
-              <a:t>Clustal</a:t>
-            </a:r>
-            <a:r>
-              <a:rPr kumimoji="1" lang="en-US" altLang="zh-CN" sz="2400" dirty="0">
-                <a:ea typeface="Microsoft YaHei" charset="-122"/>
-                <a:cs typeface="Microsoft YaHei" charset="-122"/>
-              </a:rPr>
-              <a:t> is a series of widely used computer programs used in Bioinformatics for multiple sequence alignment</a:t>
-            </a:r>
-            <a:r>
-              <a:rPr kumimoji="1" lang="en-US" altLang="zh-CN" sz="2400" dirty="0" smtClean="0">
-                <a:ea typeface="Microsoft YaHei" charset="-122"/>
-                <a:cs typeface="Microsoft YaHei" charset="-122"/>
-              </a:rPr>
-              <a:t>.</a:t>
-            </a:r>
-            <a:endParaRPr kumimoji="1" lang="en-US" altLang="zh-CN" sz="2400" dirty="0">
+            <a:pPr marL="0" indent="0">
+              <a:buNone/>
+            </a:pPr>
+            <a:r>
+              <a:rPr lang="pt-BR" altLang="pt-BR" sz="2500" dirty="0">
+                <a:solidFill>
+                  <a:srgbClr val="212121"/>
+                </a:solidFill>
+                <a:latin typeface="Arial Unicode MS"/>
+              </a:rPr>
+              <a:t>[TRIM5alpha (TRIM5) gene, complete </a:t>
+            </a:r>
+            <a:r>
+              <a:rPr lang="pt-BR" altLang="pt-BR" sz="2500" dirty="0" err="1">
+                <a:solidFill>
+                  <a:srgbClr val="212121"/>
+                </a:solidFill>
+                <a:latin typeface="Arial Unicode MS"/>
+              </a:rPr>
+              <a:t>cds</a:t>
+            </a:r>
+            <a:r>
+              <a:rPr lang="pt-BR" altLang="pt-BR" sz="2500" dirty="0">
+                <a:solidFill>
+                  <a:srgbClr val="212121"/>
+                </a:solidFill>
+                <a:latin typeface="Arial Unicode MS"/>
+              </a:rPr>
+              <a:t>']</a:t>
+            </a:r>
+            <a:endParaRPr lang="pt-BR" altLang="pt-BR" sz="4400" dirty="0">
+              <a:latin typeface="Arial" panose="020B0604020202020204" pitchFamily="34" charset="0"/>
+            </a:endParaRPr>
+          </a:p>
+          <a:p>
+            <a:pPr marL="0" indent="0">
+              <a:buNone/>
+            </a:pPr>
+            <a:r>
+              <a:rPr lang="pt-BR" altLang="pt-BR" sz="2500" dirty="0" err="1" smtClean="0">
+                <a:solidFill>
+                  <a:srgbClr val="212121"/>
+                </a:solidFill>
+                <a:latin typeface="Arial Unicode MS"/>
+              </a:rPr>
+              <a:t>Chlorocebus</a:t>
+            </a:r>
+            <a:r>
+              <a:rPr lang="pt-BR" altLang="pt-BR" sz="2500" dirty="0" smtClean="0">
+                <a:solidFill>
+                  <a:srgbClr val="212121"/>
+                </a:solidFill>
+                <a:latin typeface="Arial Unicode MS"/>
+              </a:rPr>
+              <a:t> </a:t>
+            </a:r>
+          </a:p>
+          <a:p>
+            <a:pPr marL="0" indent="0">
+              <a:buNone/>
+            </a:pPr>
+            <a:r>
+              <a:rPr lang="pt-BR" altLang="pt-BR" sz="2500" dirty="0" err="1" smtClean="0">
+                <a:solidFill>
+                  <a:srgbClr val="212121"/>
+                </a:solidFill>
+                <a:latin typeface="Arial Unicode MS"/>
+              </a:rPr>
+              <a:t>Papio</a:t>
+            </a:r>
+            <a:r>
+              <a:rPr lang="pt-BR" altLang="pt-BR" sz="2500" dirty="0" smtClean="0">
+                <a:solidFill>
+                  <a:srgbClr val="212121"/>
+                </a:solidFill>
+                <a:latin typeface="Arial Unicode MS"/>
+              </a:rPr>
+              <a:t> </a:t>
+            </a:r>
+            <a:r>
+              <a:rPr lang="pt-BR" altLang="pt-BR" sz="2500" dirty="0" err="1">
+                <a:solidFill>
+                  <a:srgbClr val="212121"/>
+                </a:solidFill>
+                <a:latin typeface="Arial Unicode MS"/>
+              </a:rPr>
+              <a:t>anubis</a:t>
+            </a:r>
+            <a:r>
+              <a:rPr lang="pt-BR" altLang="pt-BR" sz="2500" dirty="0">
+                <a:solidFill>
+                  <a:srgbClr val="212121"/>
+                </a:solidFill>
+                <a:latin typeface="Arial Unicode MS"/>
+              </a:rPr>
+              <a:t> </a:t>
+            </a:r>
+            <a:endParaRPr lang="pt-BR" altLang="pt-BR" sz="2500" dirty="0" smtClean="0">
+              <a:solidFill>
+                <a:srgbClr val="212121"/>
+              </a:solidFill>
+              <a:latin typeface="Arial Unicode MS"/>
+            </a:endParaRPr>
+          </a:p>
+          <a:p>
+            <a:pPr marL="0" indent="0">
+              <a:buNone/>
+            </a:pPr>
+            <a:r>
+              <a:rPr lang="pt-BR" altLang="pt-BR" sz="2500" dirty="0" smtClean="0">
+                <a:solidFill>
+                  <a:srgbClr val="212121"/>
+                </a:solidFill>
+                <a:latin typeface="Arial Unicode MS"/>
+              </a:rPr>
+              <a:t>Pan </a:t>
+            </a:r>
+            <a:r>
+              <a:rPr lang="pt-BR" altLang="pt-BR" sz="2500" dirty="0" err="1">
+                <a:solidFill>
+                  <a:srgbClr val="212121"/>
+                </a:solidFill>
+                <a:latin typeface="Arial Unicode MS"/>
+              </a:rPr>
+              <a:t>troglodytes</a:t>
+            </a:r>
+            <a:r>
+              <a:rPr lang="pt-BR" altLang="pt-BR" sz="2500" dirty="0">
+                <a:solidFill>
+                  <a:srgbClr val="212121"/>
+                </a:solidFill>
+                <a:latin typeface="Arial Unicode MS"/>
+              </a:rPr>
+              <a:t> </a:t>
+            </a:r>
+            <a:endParaRPr lang="pt-BR" altLang="pt-BR" sz="2500" dirty="0" smtClean="0">
+              <a:solidFill>
+                <a:srgbClr val="212121"/>
+              </a:solidFill>
+              <a:latin typeface="Arial Unicode MS"/>
+            </a:endParaRPr>
+          </a:p>
+          <a:p>
+            <a:pPr marL="0" indent="0">
+              <a:buNone/>
+            </a:pPr>
+            <a:r>
+              <a:rPr lang="pt-BR" altLang="pt-BR" sz="2500" dirty="0" err="1" smtClean="0">
+                <a:solidFill>
+                  <a:srgbClr val="212121"/>
+                </a:solidFill>
+                <a:latin typeface="Arial Unicode MS"/>
+              </a:rPr>
+              <a:t>Colobus</a:t>
+            </a:r>
+            <a:r>
+              <a:rPr lang="pt-BR" altLang="pt-BR" sz="2500" dirty="0" smtClean="0">
+                <a:solidFill>
+                  <a:srgbClr val="212121"/>
+                </a:solidFill>
+                <a:latin typeface="Arial Unicode MS"/>
+              </a:rPr>
+              <a:t> </a:t>
+            </a:r>
+            <a:r>
+              <a:rPr lang="pt-BR" altLang="pt-BR" sz="2500" dirty="0" err="1">
+                <a:solidFill>
+                  <a:srgbClr val="212121"/>
+                </a:solidFill>
+                <a:latin typeface="Arial Unicode MS"/>
+              </a:rPr>
+              <a:t>guereza</a:t>
+            </a:r>
+            <a:r>
+              <a:rPr lang="pt-BR" altLang="pt-BR" sz="2500" dirty="0">
+                <a:solidFill>
+                  <a:srgbClr val="212121"/>
+                </a:solidFill>
+                <a:latin typeface="Arial Unicode MS"/>
+              </a:rPr>
+              <a:t> </a:t>
+            </a:r>
+            <a:endParaRPr lang="pt-BR" altLang="pt-BR" sz="2500" dirty="0" smtClean="0">
+              <a:solidFill>
+                <a:srgbClr val="212121"/>
+              </a:solidFill>
+              <a:latin typeface="Arial Unicode MS"/>
+            </a:endParaRPr>
+          </a:p>
+          <a:p>
+            <a:pPr marL="0" indent="0">
+              <a:buNone/>
+            </a:pPr>
+            <a:r>
+              <a:rPr lang="pt-BR" altLang="pt-BR" sz="2500" dirty="0" err="1" smtClean="0">
+                <a:solidFill>
+                  <a:srgbClr val="212121"/>
+                </a:solidFill>
+                <a:latin typeface="Arial Unicode MS"/>
+              </a:rPr>
+              <a:t>Pygathrix</a:t>
+            </a:r>
+            <a:r>
+              <a:rPr lang="pt-BR" altLang="pt-BR" sz="2500" dirty="0" smtClean="0">
+                <a:solidFill>
+                  <a:srgbClr val="212121"/>
+                </a:solidFill>
+                <a:latin typeface="Arial Unicode MS"/>
+              </a:rPr>
+              <a:t> </a:t>
+            </a:r>
+            <a:r>
+              <a:rPr lang="pt-BR" altLang="pt-BR" sz="2500" dirty="0" err="1">
+                <a:solidFill>
+                  <a:srgbClr val="212121"/>
+                </a:solidFill>
+                <a:latin typeface="Arial Unicode MS"/>
+              </a:rPr>
+              <a:t>nemaeus</a:t>
+            </a:r>
+            <a:r>
+              <a:rPr lang="pt-BR" altLang="pt-BR" sz="2500" dirty="0">
+                <a:solidFill>
+                  <a:srgbClr val="212121"/>
+                </a:solidFill>
+                <a:latin typeface="Arial Unicode MS"/>
+              </a:rPr>
+              <a:t> </a:t>
+            </a:r>
+            <a:endParaRPr lang="pt-BR" altLang="pt-BR" sz="2500" dirty="0" smtClean="0">
+              <a:solidFill>
+                <a:srgbClr val="212121"/>
+              </a:solidFill>
+              <a:latin typeface="Arial Unicode MS"/>
+            </a:endParaRPr>
+          </a:p>
+          <a:p>
+            <a:pPr marL="0" indent="0">
+              <a:buNone/>
+            </a:pPr>
+            <a:r>
+              <a:rPr lang="pt-BR" altLang="pt-BR" sz="2500" dirty="0" err="1" smtClean="0">
+                <a:solidFill>
+                  <a:srgbClr val="212121"/>
+                </a:solidFill>
+                <a:latin typeface="Arial Unicode MS"/>
+              </a:rPr>
+              <a:t>Symphalangus</a:t>
+            </a:r>
+            <a:r>
+              <a:rPr lang="pt-BR" altLang="pt-BR" sz="2500" dirty="0" smtClean="0">
+                <a:solidFill>
+                  <a:srgbClr val="212121"/>
+                </a:solidFill>
+                <a:latin typeface="Arial Unicode MS"/>
+              </a:rPr>
+              <a:t> </a:t>
+            </a:r>
+            <a:r>
+              <a:rPr lang="pt-BR" altLang="pt-BR" sz="2500" dirty="0" err="1">
+                <a:solidFill>
+                  <a:srgbClr val="212121"/>
+                </a:solidFill>
+                <a:latin typeface="Arial Unicode MS"/>
+              </a:rPr>
+              <a:t>syndactylus</a:t>
+            </a:r>
+            <a:r>
+              <a:rPr lang="pt-BR" altLang="pt-BR" sz="2500" dirty="0">
+                <a:solidFill>
+                  <a:srgbClr val="212121"/>
+                </a:solidFill>
+                <a:latin typeface="Arial Unicode MS"/>
+              </a:rPr>
+              <a:t> </a:t>
+            </a:r>
+            <a:endParaRPr lang="pt-BR" altLang="pt-BR" sz="2500" dirty="0" smtClean="0">
+              <a:solidFill>
+                <a:srgbClr val="212121"/>
+              </a:solidFill>
+              <a:latin typeface="Arial Unicode MS"/>
+            </a:endParaRPr>
+          </a:p>
+          <a:p>
+            <a:pPr marL="0" indent="0">
+              <a:buNone/>
+            </a:pPr>
+            <a:r>
+              <a:rPr lang="pt-BR" altLang="pt-BR" sz="2500" dirty="0" err="1" smtClean="0">
+                <a:solidFill>
+                  <a:srgbClr val="212121"/>
+                </a:solidFill>
+                <a:latin typeface="Arial Unicode MS"/>
+              </a:rPr>
+              <a:t>Gorilla</a:t>
+            </a:r>
+            <a:r>
+              <a:rPr lang="pt-BR" altLang="pt-BR" sz="2500" dirty="0" smtClean="0">
+                <a:solidFill>
+                  <a:srgbClr val="212121"/>
+                </a:solidFill>
+                <a:latin typeface="Arial Unicode MS"/>
+              </a:rPr>
+              <a:t> </a:t>
+            </a:r>
+            <a:r>
+              <a:rPr lang="pt-BR" altLang="pt-BR" sz="2500" dirty="0" err="1">
+                <a:solidFill>
+                  <a:srgbClr val="212121"/>
+                </a:solidFill>
+                <a:latin typeface="Arial Unicode MS"/>
+              </a:rPr>
+              <a:t>gorilla</a:t>
+            </a:r>
+            <a:r>
+              <a:rPr lang="pt-BR" altLang="pt-BR" sz="2500" dirty="0">
+                <a:solidFill>
+                  <a:srgbClr val="212121"/>
+                </a:solidFill>
+                <a:latin typeface="Arial Unicode MS"/>
+              </a:rPr>
+              <a:t> </a:t>
+            </a:r>
+            <a:endParaRPr lang="pt-BR" altLang="pt-BR" sz="2500" dirty="0" smtClean="0">
+              <a:solidFill>
+                <a:srgbClr val="212121"/>
+              </a:solidFill>
+              <a:latin typeface="Arial Unicode MS"/>
+            </a:endParaRPr>
+          </a:p>
+          <a:p>
+            <a:pPr marL="0" indent="0">
+              <a:buNone/>
+            </a:pPr>
+            <a:r>
+              <a:rPr lang="pt-BR" altLang="pt-BR" sz="2500" dirty="0" err="1" smtClean="0">
+                <a:solidFill>
+                  <a:srgbClr val="212121"/>
+                </a:solidFill>
+                <a:latin typeface="Arial Unicode MS"/>
+              </a:rPr>
+              <a:t>Alouatta</a:t>
+            </a:r>
+            <a:r>
+              <a:rPr lang="pt-BR" altLang="pt-BR" sz="2500" dirty="0" smtClean="0">
+                <a:solidFill>
+                  <a:srgbClr val="212121"/>
+                </a:solidFill>
+                <a:latin typeface="Arial Unicode MS"/>
+              </a:rPr>
+              <a:t> </a:t>
+            </a:r>
+            <a:r>
+              <a:rPr lang="pt-BR" altLang="pt-BR" sz="2500" dirty="0">
+                <a:solidFill>
+                  <a:srgbClr val="212121"/>
+                </a:solidFill>
+                <a:latin typeface="Arial Unicode MS"/>
+              </a:rPr>
+              <a:t>sara </a:t>
+            </a:r>
+            <a:endParaRPr lang="pt-BR" altLang="pt-BR" sz="2500" dirty="0" smtClean="0">
+              <a:solidFill>
+                <a:srgbClr val="212121"/>
+              </a:solidFill>
+              <a:latin typeface="Arial Unicode MS"/>
+            </a:endParaRPr>
+          </a:p>
+          <a:p>
+            <a:pPr marL="0" indent="0">
+              <a:buNone/>
+            </a:pPr>
+            <a:r>
+              <a:rPr lang="pt-BR" altLang="pt-BR" sz="2500" dirty="0" err="1" smtClean="0">
+                <a:solidFill>
+                  <a:srgbClr val="212121"/>
+                </a:solidFill>
+                <a:latin typeface="Arial Unicode MS"/>
+              </a:rPr>
+              <a:t>Callithrix</a:t>
+            </a:r>
+            <a:r>
+              <a:rPr lang="pt-BR" altLang="pt-BR" sz="2500" dirty="0" smtClean="0">
+                <a:solidFill>
+                  <a:srgbClr val="212121"/>
+                </a:solidFill>
+                <a:latin typeface="Arial Unicode MS"/>
+              </a:rPr>
+              <a:t> </a:t>
+            </a:r>
+            <a:r>
+              <a:rPr lang="pt-BR" altLang="pt-BR" sz="2500" dirty="0" err="1">
+                <a:solidFill>
+                  <a:srgbClr val="212121"/>
+                </a:solidFill>
+                <a:latin typeface="Arial Unicode MS"/>
+              </a:rPr>
+              <a:t>pygmaea</a:t>
+            </a:r>
+            <a:r>
+              <a:rPr lang="pt-BR" altLang="pt-BR" sz="2500" dirty="0">
+                <a:solidFill>
+                  <a:srgbClr val="212121"/>
+                </a:solidFill>
+                <a:latin typeface="Arial Unicode MS"/>
+              </a:rPr>
+              <a:t> </a:t>
+            </a:r>
+            <a:endParaRPr lang="pt-BR" altLang="pt-BR" sz="2500" dirty="0" smtClean="0">
+              <a:solidFill>
+                <a:srgbClr val="212121"/>
+              </a:solidFill>
+              <a:latin typeface="Arial Unicode MS"/>
+            </a:endParaRPr>
+          </a:p>
+          <a:p>
+            <a:pPr marL="0" indent="0">
+              <a:buNone/>
+            </a:pPr>
+            <a:r>
+              <a:rPr lang="pt-BR" altLang="pt-BR" sz="2500" dirty="0" smtClean="0">
+                <a:solidFill>
+                  <a:srgbClr val="212121"/>
+                </a:solidFill>
+                <a:latin typeface="Arial Unicode MS"/>
+              </a:rPr>
+              <a:t>Pongo </a:t>
+            </a:r>
+            <a:r>
+              <a:rPr lang="pt-BR" altLang="pt-BR" sz="2500" dirty="0" err="1">
+                <a:solidFill>
+                  <a:srgbClr val="212121"/>
+                </a:solidFill>
+                <a:latin typeface="Arial Unicode MS"/>
+              </a:rPr>
+              <a:t>pygmaeus</a:t>
+            </a:r>
+            <a:r>
+              <a:rPr lang="pt-BR" altLang="pt-BR" sz="2500" dirty="0">
+                <a:solidFill>
+                  <a:srgbClr val="212121"/>
+                </a:solidFill>
+                <a:latin typeface="Arial Unicode MS"/>
+              </a:rPr>
+              <a:t> </a:t>
+            </a:r>
+            <a:endParaRPr lang="pt-BR" altLang="pt-BR" sz="2500" dirty="0" smtClean="0">
+              <a:solidFill>
+                <a:srgbClr val="212121"/>
+              </a:solidFill>
+              <a:latin typeface="Arial Unicode MS"/>
+            </a:endParaRPr>
+          </a:p>
+          <a:p>
+            <a:pPr marL="0" indent="0">
+              <a:buNone/>
+            </a:pPr>
+            <a:r>
+              <a:rPr lang="pt-BR" altLang="pt-BR" sz="2500" dirty="0" err="1" smtClean="0">
+                <a:solidFill>
+                  <a:srgbClr val="212121"/>
+                </a:solidFill>
+                <a:latin typeface="Arial Unicode MS"/>
+              </a:rPr>
+              <a:t>Erythrocebus</a:t>
+            </a:r>
+            <a:r>
+              <a:rPr lang="pt-BR" altLang="pt-BR" sz="2500" dirty="0" smtClean="0">
+                <a:solidFill>
+                  <a:srgbClr val="212121"/>
+                </a:solidFill>
+                <a:latin typeface="Arial Unicode MS"/>
+              </a:rPr>
+              <a:t> </a:t>
+            </a:r>
+            <a:r>
+              <a:rPr lang="pt-BR" altLang="pt-BR" sz="2500" dirty="0">
+                <a:solidFill>
+                  <a:srgbClr val="212121"/>
+                </a:solidFill>
+                <a:latin typeface="Arial Unicode MS"/>
+              </a:rPr>
+              <a:t>patas </a:t>
+            </a:r>
+            <a:endParaRPr lang="pt-BR" altLang="pt-BR" sz="2500" dirty="0" smtClean="0">
+              <a:solidFill>
+                <a:srgbClr val="212121"/>
+              </a:solidFill>
+              <a:latin typeface="Arial Unicode MS"/>
+            </a:endParaRPr>
+          </a:p>
+          <a:p>
+            <a:pPr marL="0" indent="0">
+              <a:buNone/>
+            </a:pPr>
+            <a:r>
+              <a:rPr lang="pt-BR" altLang="pt-BR" sz="2500" dirty="0" err="1" smtClean="0">
+                <a:solidFill>
+                  <a:srgbClr val="212121"/>
+                </a:solidFill>
+                <a:latin typeface="Arial Unicode MS"/>
+              </a:rPr>
+              <a:t>Pithecia</a:t>
+            </a:r>
+            <a:r>
+              <a:rPr lang="pt-BR" altLang="pt-BR" sz="2500" dirty="0" smtClean="0">
+                <a:solidFill>
+                  <a:srgbClr val="212121"/>
+                </a:solidFill>
+                <a:latin typeface="Arial Unicode MS"/>
+              </a:rPr>
+              <a:t> </a:t>
+            </a:r>
+            <a:r>
+              <a:rPr lang="pt-BR" altLang="pt-BR" sz="2500" dirty="0" err="1">
+                <a:solidFill>
+                  <a:srgbClr val="212121"/>
+                </a:solidFill>
+                <a:latin typeface="Arial Unicode MS"/>
+              </a:rPr>
+              <a:t>pithecia</a:t>
+            </a:r>
+            <a:r>
+              <a:rPr lang="pt-BR" altLang="pt-BR" sz="2500" dirty="0">
+                <a:solidFill>
+                  <a:srgbClr val="212121"/>
+                </a:solidFill>
+                <a:latin typeface="Arial Unicode MS"/>
+              </a:rPr>
+              <a:t> </a:t>
+            </a:r>
+            <a:endParaRPr lang="pt-BR" altLang="pt-BR" sz="2500" dirty="0" smtClean="0">
+              <a:solidFill>
+                <a:srgbClr val="212121"/>
+              </a:solidFill>
+              <a:latin typeface="Arial Unicode MS"/>
+            </a:endParaRPr>
+          </a:p>
+          <a:p>
+            <a:pPr marL="0" indent="0">
+              <a:buNone/>
+            </a:pPr>
+            <a:r>
+              <a:rPr lang="pt-BR" altLang="pt-BR" sz="2500" dirty="0" err="1" smtClean="0">
+                <a:solidFill>
+                  <a:srgbClr val="212121"/>
+                </a:solidFill>
+                <a:latin typeface="Arial Unicode MS"/>
+              </a:rPr>
+              <a:t>Ateles</a:t>
+            </a:r>
+            <a:r>
+              <a:rPr lang="pt-BR" altLang="pt-BR" sz="2500" dirty="0" smtClean="0">
+                <a:solidFill>
+                  <a:srgbClr val="212121"/>
+                </a:solidFill>
+                <a:latin typeface="Arial Unicode MS"/>
+              </a:rPr>
+              <a:t> </a:t>
+            </a:r>
+            <a:r>
+              <a:rPr lang="pt-BR" altLang="pt-BR" sz="2500" dirty="0" err="1">
+                <a:solidFill>
+                  <a:srgbClr val="212121"/>
+                </a:solidFill>
+                <a:latin typeface="Arial Unicode MS"/>
+              </a:rPr>
+              <a:t>geoffroyi</a:t>
+            </a:r>
+            <a:r>
+              <a:rPr lang="pt-BR" altLang="pt-BR" sz="2500" dirty="0">
+                <a:solidFill>
+                  <a:srgbClr val="212121"/>
+                </a:solidFill>
+                <a:latin typeface="Arial Unicode MS"/>
+              </a:rPr>
+              <a:t> </a:t>
+            </a:r>
+            <a:endParaRPr lang="pt-BR" altLang="pt-BR" sz="2500" dirty="0" smtClean="0">
+              <a:solidFill>
+                <a:srgbClr val="212121"/>
+              </a:solidFill>
+              <a:latin typeface="Arial Unicode MS"/>
+            </a:endParaRPr>
+          </a:p>
+          <a:p>
+            <a:pPr marL="0" indent="0">
+              <a:buNone/>
+            </a:pPr>
+            <a:r>
+              <a:rPr lang="pt-BR" altLang="pt-BR" sz="2500" dirty="0" err="1" smtClean="0">
+                <a:solidFill>
+                  <a:srgbClr val="212121"/>
+                </a:solidFill>
+                <a:latin typeface="Arial Unicode MS"/>
+              </a:rPr>
+              <a:t>Saimiri</a:t>
+            </a:r>
+            <a:r>
+              <a:rPr lang="pt-BR" altLang="pt-BR" sz="2500" dirty="0" smtClean="0">
+                <a:solidFill>
+                  <a:srgbClr val="212121"/>
+                </a:solidFill>
+                <a:latin typeface="Arial Unicode MS"/>
+              </a:rPr>
+              <a:t> </a:t>
+            </a:r>
+            <a:r>
+              <a:rPr lang="pt-BR" altLang="pt-BR" sz="2500" dirty="0" err="1">
+                <a:solidFill>
+                  <a:srgbClr val="212121"/>
+                </a:solidFill>
+                <a:latin typeface="Arial Unicode MS"/>
+              </a:rPr>
+              <a:t>sciureus</a:t>
+            </a:r>
+            <a:r>
+              <a:rPr lang="pt-BR" altLang="pt-BR" sz="2500" dirty="0">
+                <a:solidFill>
+                  <a:srgbClr val="212121"/>
+                </a:solidFill>
+                <a:latin typeface="Arial Unicode MS"/>
+              </a:rPr>
+              <a:t> </a:t>
+            </a:r>
+            <a:endParaRPr lang="pt-BR" altLang="pt-BR" sz="2500" dirty="0" smtClean="0">
+              <a:solidFill>
+                <a:srgbClr val="212121"/>
+              </a:solidFill>
+              <a:latin typeface="Arial Unicode MS"/>
+            </a:endParaRPr>
+          </a:p>
+          <a:p>
+            <a:pPr marL="0" indent="0">
+              <a:buNone/>
+            </a:pPr>
+            <a:r>
+              <a:rPr lang="pt-BR" altLang="pt-BR" sz="2500" dirty="0" err="1" smtClean="0">
+                <a:solidFill>
+                  <a:srgbClr val="212121"/>
+                </a:solidFill>
+                <a:latin typeface="Arial Unicode MS"/>
+              </a:rPr>
+              <a:t>Saguinus</a:t>
+            </a:r>
+            <a:r>
+              <a:rPr lang="pt-BR" altLang="pt-BR" sz="2500" dirty="0" smtClean="0">
+                <a:solidFill>
+                  <a:srgbClr val="212121"/>
+                </a:solidFill>
+                <a:latin typeface="Arial Unicode MS"/>
+              </a:rPr>
+              <a:t> </a:t>
+            </a:r>
+            <a:r>
+              <a:rPr lang="pt-BR" altLang="pt-BR" sz="2500" dirty="0" err="1">
+                <a:solidFill>
+                  <a:srgbClr val="212121"/>
+                </a:solidFill>
+                <a:latin typeface="Arial Unicode MS"/>
+              </a:rPr>
+              <a:t>labiatus</a:t>
+            </a:r>
+            <a:r>
+              <a:rPr lang="pt-BR" altLang="pt-BR" sz="2500" dirty="0">
+                <a:solidFill>
+                  <a:srgbClr val="212121"/>
+                </a:solidFill>
+                <a:latin typeface="Arial Unicode MS"/>
+              </a:rPr>
+              <a:t> </a:t>
+            </a:r>
+            <a:endParaRPr lang="pt-BR" altLang="pt-BR" sz="2500" dirty="0" smtClean="0">
+              <a:solidFill>
+                <a:srgbClr val="212121"/>
+              </a:solidFill>
+              <a:latin typeface="Arial Unicode MS"/>
+            </a:endParaRPr>
+          </a:p>
+          <a:p>
+            <a:pPr marL="0" indent="0">
+              <a:buNone/>
+            </a:pPr>
+            <a:r>
+              <a:rPr lang="pt-BR" altLang="pt-BR" sz="2500" dirty="0" err="1" smtClean="0">
+                <a:solidFill>
+                  <a:srgbClr val="212121"/>
+                </a:solidFill>
+                <a:latin typeface="Arial Unicode MS"/>
+              </a:rPr>
+              <a:t>Callicebus</a:t>
+            </a:r>
+            <a:r>
+              <a:rPr lang="pt-BR" altLang="pt-BR" sz="2500" dirty="0" smtClean="0">
+                <a:solidFill>
+                  <a:srgbClr val="212121"/>
+                </a:solidFill>
+                <a:latin typeface="Arial Unicode MS"/>
+              </a:rPr>
+              <a:t> </a:t>
+            </a:r>
+            <a:r>
+              <a:rPr lang="pt-BR" altLang="pt-BR" sz="2500" dirty="0" err="1">
+                <a:solidFill>
+                  <a:srgbClr val="212121"/>
+                </a:solidFill>
+                <a:latin typeface="Arial Unicode MS"/>
+              </a:rPr>
+              <a:t>donacophilus</a:t>
+            </a:r>
+            <a:r>
+              <a:rPr lang="pt-BR" altLang="pt-BR" sz="2500" dirty="0">
+                <a:solidFill>
+                  <a:srgbClr val="212121"/>
+                </a:solidFill>
+                <a:latin typeface="Arial Unicode MS"/>
+              </a:rPr>
+              <a:t> </a:t>
+            </a:r>
+            <a:endParaRPr lang="pt-BR" altLang="pt-BR" sz="2500" dirty="0" smtClean="0">
+              <a:solidFill>
+                <a:srgbClr val="212121"/>
+              </a:solidFill>
+              <a:latin typeface="Arial Unicode MS"/>
+            </a:endParaRPr>
+          </a:p>
+          <a:p>
+            <a:pPr marL="0" indent="0">
+              <a:buNone/>
+            </a:pPr>
+            <a:r>
+              <a:rPr lang="pt-BR" altLang="pt-BR" sz="2500" dirty="0" err="1" smtClean="0">
+                <a:solidFill>
+                  <a:srgbClr val="212121"/>
+                </a:solidFill>
+                <a:latin typeface="Arial Unicode MS"/>
+              </a:rPr>
+              <a:t>Lagothrix</a:t>
+            </a:r>
+            <a:r>
+              <a:rPr lang="pt-BR" altLang="pt-BR" sz="2500" dirty="0" smtClean="0">
+                <a:solidFill>
+                  <a:srgbClr val="212121"/>
+                </a:solidFill>
+                <a:latin typeface="Arial Unicode MS"/>
+              </a:rPr>
+              <a:t> </a:t>
+            </a:r>
+            <a:r>
+              <a:rPr lang="pt-BR" altLang="pt-BR" sz="2500" dirty="0" err="1">
+                <a:solidFill>
+                  <a:srgbClr val="212121"/>
+                </a:solidFill>
+                <a:latin typeface="Arial Unicode MS"/>
+              </a:rPr>
+              <a:t>lagotricha</a:t>
+            </a:r>
+            <a:r>
+              <a:rPr lang="pt-BR" altLang="pt-BR" sz="2500" dirty="0">
+                <a:solidFill>
+                  <a:srgbClr val="212121"/>
+                </a:solidFill>
+                <a:latin typeface="Arial Unicode MS"/>
+              </a:rPr>
+              <a:t> </a:t>
+            </a:r>
+            <a:endParaRPr lang="pt-BR" altLang="pt-BR" sz="2500" dirty="0" smtClean="0">
+              <a:solidFill>
+                <a:srgbClr val="212121"/>
+              </a:solidFill>
+              <a:latin typeface="Arial Unicode MS"/>
+            </a:endParaRPr>
+          </a:p>
+          <a:p>
+            <a:pPr marL="0" indent="0">
+              <a:buNone/>
+            </a:pPr>
+            <a:endParaRPr kumimoji="1" lang="en-US" altLang="zh-CN" sz="2400" dirty="0" smtClean="0">
               <a:ea typeface="Microsoft YaHei" charset="-122"/>
               <a:cs typeface="Microsoft YaHei" charset="-122"/>
             </a:endParaRPr>
           </a:p>
-          <a:p>
-            <a:r>
-              <a:rPr lang="en-US" sz="2400" dirty="0" err="1" smtClean="0"/>
-              <a:t>ClustalW</a:t>
-            </a:r>
-            <a:r>
-              <a:rPr lang="en-US" sz="2400" dirty="0" smtClean="0"/>
-              <a:t> </a:t>
-            </a:r>
-            <a:r>
-              <a:rPr lang="en-US" sz="2400" dirty="0"/>
-              <a:t>uses progressive alignment methods, which align the most similar sequences first and work their way down to the least similar sequences until a global alignment is created. </a:t>
-            </a:r>
-            <a:endParaRPr lang="en-US" sz="2400" dirty="0" smtClean="0"/>
-          </a:p>
-          <a:p>
-            <a:r>
-              <a:rPr lang="en-US" sz="2400" dirty="0" smtClean="0"/>
-              <a:t> Time complexity of O(N²) because of its use of the neighbor-</a:t>
-            </a:r>
-            <a:r>
-              <a:rPr lang="en-US" sz="2400" dirty="0" err="1" smtClean="0"/>
-              <a:t>joing</a:t>
-            </a:r>
-            <a:r>
-              <a:rPr lang="en-US" sz="2400" dirty="0" smtClean="0"/>
-              <a:t> method.</a:t>
-            </a:r>
-          </a:p>
-          <a:p>
-            <a:endParaRPr kumimoji="1" lang="en-US" altLang="zh-CN" sz="2400" dirty="0">
-              <a:ea typeface="Microsoft YaHei" charset="-122"/>
-              <a:cs typeface="Microsoft YaHei" charset="-122"/>
-            </a:endParaRPr>
-          </a:p>
-          <a:p>
-            <a:endParaRPr kumimoji="1" lang="en-US" altLang="zh-CN" sz="2400" dirty="0">
-              <a:ea typeface="Microsoft YaHei" charset="-122"/>
-              <a:cs typeface="Microsoft YaHei" charset="-122"/>
-            </a:endParaRPr>
-          </a:p>
-          <a:p>
-            <a:endParaRPr kumimoji="1" lang="en-US" altLang="zh-CN" sz="2400" dirty="0">
-              <a:ea typeface="Microsoft YaHei" charset="-122"/>
-              <a:cs typeface="Microsoft YaHei" charset="-122"/>
-            </a:endParaRPr>
-          </a:p>
-          <a:p>
-            <a:endParaRPr kumimoji="1" lang="en-US" altLang="zh-CN" sz="2400" dirty="0">
-              <a:ea typeface="Microsoft YaHei" charset="-122"/>
-              <a:cs typeface="Microsoft YaHei" charset="-122"/>
-            </a:endParaRPr>
-          </a:p>
-          <a:p>
-            <a:endParaRPr kumimoji="1" lang="en-US" altLang="zh-CN" sz="2400" dirty="0">
-              <a:ea typeface="Microsoft YaHei" charset="-122"/>
-              <a:cs typeface="Microsoft YaHei" charset="-122"/>
-            </a:endParaRPr>
-          </a:p>
-          <a:p>
-            <a:endParaRPr kumimoji="1" lang="en-US" altLang="zh-CN" sz="2400" dirty="0">
-              <a:ea typeface="Microsoft YaHei" charset="-122"/>
-              <a:cs typeface="Microsoft YaHei" charset="-122"/>
-            </a:endParaRPr>
-          </a:p>
-          <a:p>
-            <a:endParaRPr kumimoji="1" lang="en-US" altLang="zh-CN" sz="2400" dirty="0">
-              <a:ea typeface="Microsoft YaHei" charset="-122"/>
-              <a:cs typeface="Microsoft YaHei" charset="-122"/>
-            </a:endParaRPr>
-          </a:p>
-          <a:p>
-            <a:endParaRPr kumimoji="1" lang="en-US" altLang="zh-CN" sz="2400" dirty="0">
-              <a:ea typeface="Microsoft YaHei" charset="-122"/>
-              <a:cs typeface="Microsoft YaHei" charset="-122"/>
-            </a:endParaRPr>
-          </a:p>
-          <a:p>
-            <a:endParaRPr kumimoji="1" lang="en-US" altLang="zh-CN" sz="2400" dirty="0">
-              <a:ea typeface="Microsoft YaHei" charset="-122"/>
-              <a:cs typeface="Microsoft YaHei" charset="-122"/>
-            </a:endParaRPr>
-          </a:p>
-        </p:txBody>
-      </p:sp>
-      <p:sp>
-        <p:nvSpPr>
-          <p:cNvPr id="4" name="CaixaDeTexto 3">
+        </p:txBody>
+      </p:sp>
+      <p:sp>
+        <p:nvSpPr>
+          <p:cNvPr id="9" name="CaixaDeTexto 8">
             <a:extLst>
               <a:ext uri="{FF2B5EF4-FFF2-40B4-BE49-F238E27FC236}">
-                <a16:creationId xmlns:a16="http://schemas.microsoft.com/office/drawing/2014/main" id="{A8A5C975-5B01-46E0-AC86-EB75EF76AB8B}"/>
+                <a16:creationId xmlns:a16="http://schemas.microsoft.com/office/drawing/2014/main" id="{5D3AC729-8782-469A-AA45-E9693900FE78}"/>
               </a:ext>
             </a:extLst>
           </p:cNvPr>
@@ -4472,55 +5411,147 @@
         </p:nvSpPr>
         <p:spPr>
           <a:xfrm>
-            <a:off x="1249826" y="5963134"/>
-            <a:ext cx="6644347" cy="646331"/>
+            <a:off x="5260962" y="6196848"/>
+            <a:ext cx="3185067" cy="276999"/>
+          </a:xfrm>
+          <a:prstGeom prst="rect">
+            <a:avLst/>
+          </a:prstGeom>
+          <a:noFill/>
+        </p:spPr>
+        <p:txBody>
+          <a:bodyPr wrap="square" rtlCol="0">
+            <a:spAutoFit/>
+          </a:bodyPr>
+          <a:lstStyle/>
+          <a:p>
+            <a:pPr algn="ctr"/>
+            <a:r>
+              <a:rPr lang="pt-BR" sz="1200" b="1" dirty="0" err="1"/>
+              <a:t>Image</a:t>
+            </a:r>
+            <a:r>
+              <a:rPr lang="pt-BR" sz="1200" b="1" dirty="0"/>
+              <a:t>: </a:t>
+            </a:r>
+            <a:r>
+              <a:rPr lang="pt-BR" sz="1200" dirty="0" smtClean="0"/>
+              <a:t>TRIM5alpha_complet_PopSet</a:t>
+            </a:r>
+            <a:endParaRPr lang="pt-BR" sz="1200" dirty="0"/>
+          </a:p>
+        </p:txBody>
+      </p:sp>
+      <p:pic>
+        <p:nvPicPr>
+          <p:cNvPr id="4" name="Imagem 3"/>
+          <p:cNvPicPr>
+            <a:picLocks noChangeAspect="1"/>
+          </p:cNvPicPr>
+          <p:nvPr/>
+        </p:nvPicPr>
+        <p:blipFill rotWithShape="1">
+          <a:blip r:embed="rId2"/>
+          <a:srcRect l="563"/>
+          <a:stretch/>
+        </p:blipFill>
+        <p:spPr>
+          <a:xfrm>
+            <a:off x="4712910" y="618842"/>
+            <a:ext cx="4265964" cy="5578005"/>
+          </a:xfrm>
+          <a:prstGeom prst="rect">
+            <a:avLst/>
+          </a:prstGeom>
+        </p:spPr>
+      </p:pic>
+      <p:sp>
+        <p:nvSpPr>
+          <p:cNvPr id="6" name="Rectangle 2"/>
+          <p:cNvSpPr>
+            <a:spLocks noChangeArrowheads="1"/>
+          </p:cNvSpPr>
+          <p:nvPr/>
+        </p:nvSpPr>
+        <p:spPr bwMode="auto">
+          <a:xfrm>
+            <a:off x="0" y="43934"/>
+            <a:ext cx="184731" cy="369332"/>
           </a:xfrm>
           <a:prstGeom prst="rect">
             <a:avLst/>
           </a:prstGeom>
           <a:solidFill>
-            <a:schemeClr val="accent6">
-              <a:lumMod val="20000"/>
-              <a:lumOff val="80000"/>
-            </a:schemeClr>
+            <a:srgbClr val="FFFFFF"/>
           </a:solidFill>
-          <a:ln w="38100">
-            <a:solidFill>
-              <a:srgbClr val="00B050"/>
-            </a:solidFill>
+          <a:ln>
+            <a:noFill/>
           </a:ln>
+          <a:effectLst/>
+          <a:extLst>
+            <a:ext uri="{91240B29-F687-4F45-9708-019B960494DF}">
+              <a14:hiddenLine xmlns:a14="http://schemas.microsoft.com/office/drawing/2010/main" w="9525">
+                <a:solidFill>
+                  <a:schemeClr val="tx1"/>
+                </a:solidFill>
+                <a:miter lim="800000"/>
+                <a:headEnd/>
+                <a:tailEnd/>
+              </a14:hiddenLine>
+            </a:ext>
+            <a:ext uri="{AF507438-7753-43E0-B8FC-AC1667EBCBE1}">
+              <a14:hiddenEffects xmlns:a14="http://schemas.microsoft.com/office/drawing/2010/main">
+                <a:effectLst>
+                  <a:outerShdw dist="35921" dir="2700000" algn="ctr" rotWithShape="0">
+                    <a:schemeClr val="bg2"/>
+                  </a:outerShdw>
+                </a:effectLst>
+              </a14:hiddenEffects>
+            </a:ext>
+          </a:extLst>
         </p:spPr>
         <p:txBody>
-          <a:bodyPr wrap="square" rtlCol="0">
+          <a:bodyPr vert="horz" wrap="none" lIns="91440" tIns="45720" rIns="91440" bIns="45720" numCol="1" anchor="ctr" anchorCtr="0" compatLnSpc="1">
+            <a:prstTxWarp prst="textNoShape">
+              <a:avLst/>
+            </a:prstTxWarp>
             <a:spAutoFit/>
           </a:bodyPr>
           <a:lstStyle/>
           <a:p>
-            <a:pPr algn="just"/>
-            <a:r>
-              <a:rPr lang="en-US" b="1" dirty="0"/>
-              <a:t>[1] </a:t>
-            </a:r>
-            <a:r>
-              <a:rPr lang="en-US" dirty="0"/>
-              <a:t>Two genes are </a:t>
-            </a:r>
-            <a:r>
-              <a:rPr lang="en-US" b="1" dirty="0"/>
-              <a:t>homologous</a:t>
-            </a:r>
-            <a:r>
-              <a:rPr lang="en-US" dirty="0"/>
-              <a:t> when their DNA sequence derives from a common origin, and may or may not have the same function</a:t>
-            </a:r>
-            <a:endParaRPr lang="pt-BR" dirty="0"/>
+            <a:pPr marL="0" marR="0" lvl="0" indent="0" algn="l" defTabSz="914400" rtl="0" eaLnBrk="0" fontAlgn="base" latinLnBrk="0" hangingPunct="0">
+              <a:lnSpc>
+                <a:spcPct val="100000"/>
+              </a:lnSpc>
+              <a:spcBef>
+                <a:spcPct val="0"/>
+              </a:spcBef>
+              <a:spcAft>
+                <a:spcPct val="0"/>
+              </a:spcAft>
+              <a:buClrTx/>
+              <a:buSzTx/>
+              <a:buFontTx/>
+              <a:buNone/>
+              <a:tabLst/>
+            </a:pPr>
+            <a:endParaRPr kumimoji="0" lang="pt-BR" altLang="pt-BR" sz="1800" b="0" i="0" u="none" strike="noStrike" cap="none" normalizeH="0" baseline="0" dirty="0" smtClean="0">
+              <a:ln>
+                <a:noFill/>
+              </a:ln>
+              <a:solidFill>
+                <a:schemeClr val="tx1"/>
+              </a:solidFill>
+              <a:effectLst/>
+              <a:latin typeface="Arial" panose="020B0604020202020204" pitchFamily="34" charset="0"/>
+            </a:endParaRPr>
           </a:p>
         </p:txBody>
       </p:sp>
     </p:spTree>
     <p:extLst>
       <p:ext uri="{BB962C8B-B14F-4D97-AF65-F5344CB8AC3E}">
-        <p14:creationId xmlns:p14="http://schemas.microsoft.com/office/powerpoint/2010/main" val="3315002922"/>
+        <p14:creationId xmlns:p14="http://schemas.microsoft.com/office/powerpoint/2010/main" val="1515060183"/>
       </p:ext>
     </p:extLst>
   </p:cSld>
@@ -4565,6 +5596,539 @@
           <a:lstStyle/>
           <a:p>
             <a:r>
+              <a:rPr kumimoji="1" lang="pt-BR" altLang="zh-CN" sz="3200" b="1" dirty="0" smtClean="0">
+                <a:solidFill>
+                  <a:srgbClr val="92D050"/>
+                </a:solidFill>
+                <a:latin typeface="Microsoft YaHei" charset="-122"/>
+                <a:ea typeface="Microsoft YaHei" charset="-122"/>
+                <a:cs typeface="Microsoft YaHei" charset="-122"/>
+              </a:rPr>
+              <a:t>Fasta </a:t>
+            </a:r>
+            <a:r>
+              <a:rPr kumimoji="1" lang="pt-BR" altLang="zh-CN" sz="3200" b="1" dirty="0" err="1" smtClean="0">
+                <a:solidFill>
+                  <a:srgbClr val="92D050"/>
+                </a:solidFill>
+                <a:latin typeface="Microsoft YaHei" charset="-122"/>
+                <a:ea typeface="Microsoft YaHei" charset="-122"/>
+                <a:cs typeface="Microsoft YaHei" charset="-122"/>
+              </a:rPr>
+              <a:t>format</a:t>
+            </a:r>
+            <a:endParaRPr kumimoji="1" lang="zh-CN" altLang="en-US" sz="3200" b="1" dirty="0">
+              <a:solidFill>
+                <a:srgbClr val="92D050"/>
+              </a:solidFill>
+              <a:latin typeface="Microsoft YaHei" charset="-122"/>
+              <a:ea typeface="Microsoft YaHei" charset="-122"/>
+              <a:cs typeface="Microsoft YaHei" charset="-122"/>
+            </a:endParaRPr>
+          </a:p>
+        </p:txBody>
+      </p:sp>
+      <p:sp>
+        <p:nvSpPr>
+          <p:cNvPr id="3" name="内容占位符 2"/>
+          <p:cNvSpPr>
+            <a:spLocks noGrp="1"/>
+          </p:cNvSpPr>
+          <p:nvPr>
+            <p:ph idx="1"/>
+          </p:nvPr>
+        </p:nvSpPr>
+        <p:spPr>
+          <a:xfrm>
+            <a:off x="628650" y="1825625"/>
+            <a:ext cx="7886700" cy="3618571"/>
+          </a:xfrm>
+        </p:spPr>
+        <p:txBody>
+          <a:bodyPr>
+            <a:normAutofit/>
+          </a:bodyPr>
+          <a:lstStyle/>
+          <a:p>
+            <a:r>
+              <a:rPr kumimoji="1" lang="en-US" altLang="zh-CN" sz="2400" dirty="0" err="1">
+                <a:ea typeface="Microsoft YaHei" charset="-122"/>
+                <a:cs typeface="Microsoft YaHei" charset="-122"/>
+              </a:rPr>
+              <a:t>Clustal</a:t>
+            </a:r>
+            <a:r>
+              <a:rPr kumimoji="1" lang="en-US" altLang="zh-CN" sz="2400" dirty="0">
+                <a:ea typeface="Microsoft YaHei" charset="-122"/>
+                <a:cs typeface="Microsoft YaHei" charset="-122"/>
+              </a:rPr>
+              <a:t> is a series of widely used computer programs used in Bioinformatics for multiple sequence alignment</a:t>
+            </a:r>
+            <a:r>
+              <a:rPr kumimoji="1" lang="en-US" altLang="zh-CN" sz="2400" dirty="0" smtClean="0">
+                <a:ea typeface="Microsoft YaHei" charset="-122"/>
+                <a:cs typeface="Microsoft YaHei" charset="-122"/>
+              </a:rPr>
+              <a:t>.</a:t>
+            </a:r>
+            <a:endParaRPr kumimoji="1" lang="en-US" altLang="zh-CN" sz="2400" dirty="0">
+              <a:ea typeface="Microsoft YaHei" charset="-122"/>
+              <a:cs typeface="Microsoft YaHei" charset="-122"/>
+            </a:endParaRPr>
+          </a:p>
+          <a:p>
+            <a:r>
+              <a:rPr lang="en-US" sz="2400" dirty="0" err="1" smtClean="0"/>
+              <a:t>ClustalW</a:t>
+            </a:r>
+            <a:r>
+              <a:rPr lang="en-US" sz="2400" dirty="0" smtClean="0"/>
+              <a:t> </a:t>
+            </a:r>
+            <a:r>
+              <a:rPr lang="en-US" sz="2400" dirty="0"/>
+              <a:t>uses progressive alignment methods, which align the most similar sequences first and work their way down to the least similar sequences until a global alignment is created. </a:t>
+            </a:r>
+            <a:endParaRPr lang="en-US" sz="2400" dirty="0" smtClean="0"/>
+          </a:p>
+          <a:p>
+            <a:r>
+              <a:rPr lang="en-US" sz="2400" dirty="0" smtClean="0"/>
+              <a:t> Time complexity of O(N²) because of its use of the neighbor-</a:t>
+            </a:r>
+            <a:r>
+              <a:rPr lang="en-US" sz="2400" dirty="0" err="1" smtClean="0"/>
+              <a:t>joing</a:t>
+            </a:r>
+            <a:r>
+              <a:rPr lang="en-US" sz="2400" dirty="0" smtClean="0"/>
+              <a:t> method.</a:t>
+            </a:r>
+          </a:p>
+          <a:p>
+            <a:endParaRPr kumimoji="1" lang="en-US" altLang="zh-CN" sz="2400" dirty="0">
+              <a:ea typeface="Microsoft YaHei" charset="-122"/>
+              <a:cs typeface="Microsoft YaHei" charset="-122"/>
+            </a:endParaRPr>
+          </a:p>
+          <a:p>
+            <a:endParaRPr kumimoji="1" lang="en-US" altLang="zh-CN" sz="2400" dirty="0">
+              <a:ea typeface="Microsoft YaHei" charset="-122"/>
+              <a:cs typeface="Microsoft YaHei" charset="-122"/>
+            </a:endParaRPr>
+          </a:p>
+          <a:p>
+            <a:endParaRPr kumimoji="1" lang="en-US" altLang="zh-CN" sz="2400" dirty="0">
+              <a:ea typeface="Microsoft YaHei" charset="-122"/>
+              <a:cs typeface="Microsoft YaHei" charset="-122"/>
+            </a:endParaRPr>
+          </a:p>
+          <a:p>
+            <a:endParaRPr kumimoji="1" lang="en-US" altLang="zh-CN" sz="2400" dirty="0">
+              <a:ea typeface="Microsoft YaHei" charset="-122"/>
+              <a:cs typeface="Microsoft YaHei" charset="-122"/>
+            </a:endParaRPr>
+          </a:p>
+          <a:p>
+            <a:endParaRPr kumimoji="1" lang="en-US" altLang="zh-CN" sz="2400" dirty="0">
+              <a:ea typeface="Microsoft YaHei" charset="-122"/>
+              <a:cs typeface="Microsoft YaHei" charset="-122"/>
+            </a:endParaRPr>
+          </a:p>
+          <a:p>
+            <a:endParaRPr kumimoji="1" lang="en-US" altLang="zh-CN" sz="2400" dirty="0">
+              <a:ea typeface="Microsoft YaHei" charset="-122"/>
+              <a:cs typeface="Microsoft YaHei" charset="-122"/>
+            </a:endParaRPr>
+          </a:p>
+          <a:p>
+            <a:endParaRPr kumimoji="1" lang="en-US" altLang="zh-CN" sz="2400" dirty="0">
+              <a:ea typeface="Microsoft YaHei" charset="-122"/>
+              <a:cs typeface="Microsoft YaHei" charset="-122"/>
+            </a:endParaRPr>
+          </a:p>
+          <a:p>
+            <a:endParaRPr kumimoji="1" lang="en-US" altLang="zh-CN" sz="2400" dirty="0">
+              <a:ea typeface="Microsoft YaHei" charset="-122"/>
+              <a:cs typeface="Microsoft YaHei" charset="-122"/>
+            </a:endParaRPr>
+          </a:p>
+          <a:p>
+            <a:endParaRPr kumimoji="1" lang="en-US" altLang="zh-CN" sz="2400" dirty="0">
+              <a:ea typeface="Microsoft YaHei" charset="-122"/>
+              <a:cs typeface="Microsoft YaHei" charset="-122"/>
+            </a:endParaRPr>
+          </a:p>
+        </p:txBody>
+      </p:sp>
+      <p:sp>
+        <p:nvSpPr>
+          <p:cNvPr id="4" name="CaixaDeTexto 3">
+            <a:extLst>
+              <a:ext uri="{FF2B5EF4-FFF2-40B4-BE49-F238E27FC236}">
+                <a16:creationId xmlns:a16="http://schemas.microsoft.com/office/drawing/2014/main" id="{A8A5C975-5B01-46E0-AC86-EB75EF76AB8B}"/>
+              </a:ext>
+            </a:extLst>
+          </p:cNvPr>
+          <p:cNvSpPr txBox="1"/>
+          <p:nvPr/>
+        </p:nvSpPr>
+        <p:spPr>
+          <a:xfrm>
+            <a:off x="1249826" y="5963134"/>
+            <a:ext cx="6644347" cy="646331"/>
+          </a:xfrm>
+          <a:prstGeom prst="rect">
+            <a:avLst/>
+          </a:prstGeom>
+          <a:solidFill>
+            <a:schemeClr val="accent6">
+              <a:lumMod val="20000"/>
+              <a:lumOff val="80000"/>
+            </a:schemeClr>
+          </a:solidFill>
+          <a:ln w="38100">
+            <a:solidFill>
+              <a:srgbClr val="00B050"/>
+            </a:solidFill>
+          </a:ln>
+        </p:spPr>
+        <p:txBody>
+          <a:bodyPr wrap="square" rtlCol="0">
+            <a:spAutoFit/>
+          </a:bodyPr>
+          <a:lstStyle/>
+          <a:p>
+            <a:pPr algn="just"/>
+            <a:r>
+              <a:rPr lang="en-US" b="1" dirty="0"/>
+              <a:t>[1] </a:t>
+            </a:r>
+            <a:r>
+              <a:rPr lang="en-US" dirty="0"/>
+              <a:t>Two genes are </a:t>
+            </a:r>
+            <a:r>
+              <a:rPr lang="en-US" b="1" dirty="0"/>
+              <a:t>homologous</a:t>
+            </a:r>
+            <a:r>
+              <a:rPr lang="en-US" dirty="0"/>
+              <a:t> when their DNA sequence derives from a common origin, and may or may not have the same function</a:t>
+            </a:r>
+            <a:endParaRPr lang="pt-BR" dirty="0"/>
+          </a:p>
+        </p:txBody>
+      </p:sp>
+    </p:spTree>
+    <p:extLst>
+      <p:ext uri="{BB962C8B-B14F-4D97-AF65-F5344CB8AC3E}">
+        <p14:creationId xmlns:p14="http://schemas.microsoft.com/office/powerpoint/2010/main" val="3315002922"/>
+      </p:ext>
+    </p:extLst>
+  </p:cSld>
+  <p:clrMapOvr>
+    <a:masterClrMapping/>
+  </p:clrMapOvr>
+</p:sld>
+</file>
+
+<file path=ppt/slides/slide7.xml><?xml version="1.0" encoding="utf-8"?>
+<p:sld xmlns:a="http://schemas.openxmlformats.org/drawingml/2006/main" xmlns:r="http://schemas.openxmlformats.org/officeDocument/2006/relationships" xmlns:p="http://schemas.openxmlformats.org/presentationml/2006/main">
+  <p:cSld>
+    <p:spTree>
+      <p:nvGrpSpPr>
+        <p:cNvPr id="1" name=""/>
+        <p:cNvGrpSpPr/>
+        <p:nvPr/>
+      </p:nvGrpSpPr>
+      <p:grpSpPr>
+        <a:xfrm>
+          <a:off x="0" y="0"/>
+          <a:ext cx="0" cy="0"/>
+          <a:chOff x="0" y="0"/>
+          <a:chExt cx="0" cy="0"/>
+        </a:xfrm>
+      </p:grpSpPr>
+      <p:sp>
+        <p:nvSpPr>
+          <p:cNvPr id="2" name="标题 1"/>
+          <p:cNvSpPr>
+            <a:spLocks noGrp="1"/>
+          </p:cNvSpPr>
+          <p:nvPr>
+            <p:ph type="title"/>
+          </p:nvPr>
+        </p:nvSpPr>
+        <p:spPr/>
+        <p:txBody>
+          <a:bodyPr>
+            <a:normAutofit/>
+          </a:bodyPr>
+          <a:lstStyle/>
+          <a:p>
+            <a:r>
+              <a:rPr kumimoji="1" lang="pt-BR" altLang="zh-CN" sz="3200" b="1" dirty="0" err="1" smtClean="0">
+                <a:solidFill>
+                  <a:srgbClr val="92D050"/>
+                </a:solidFill>
+                <a:latin typeface="Microsoft YaHei" charset="-122"/>
+                <a:ea typeface="Microsoft YaHei" charset="-122"/>
+                <a:cs typeface="Microsoft YaHei" charset="-122"/>
+              </a:rPr>
+              <a:t>ClustalW</a:t>
+            </a:r>
+            <a:endParaRPr kumimoji="1" lang="zh-CN" altLang="en-US" sz="3200" b="1" dirty="0">
+              <a:solidFill>
+                <a:srgbClr val="92D050"/>
+              </a:solidFill>
+              <a:latin typeface="Microsoft YaHei" charset="-122"/>
+              <a:ea typeface="Microsoft YaHei" charset="-122"/>
+              <a:cs typeface="Microsoft YaHei" charset="-122"/>
+            </a:endParaRPr>
+          </a:p>
+        </p:txBody>
+      </p:sp>
+      <p:sp>
+        <p:nvSpPr>
+          <p:cNvPr id="3" name="内容占位符 2"/>
+          <p:cNvSpPr>
+            <a:spLocks noGrp="1"/>
+          </p:cNvSpPr>
+          <p:nvPr>
+            <p:ph idx="1"/>
+          </p:nvPr>
+        </p:nvSpPr>
+        <p:spPr>
+          <a:xfrm>
+            <a:off x="628650" y="1825625"/>
+            <a:ext cx="7886700" cy="3618571"/>
+          </a:xfrm>
+        </p:spPr>
+        <p:txBody>
+          <a:bodyPr>
+            <a:normAutofit/>
+          </a:bodyPr>
+          <a:lstStyle/>
+          <a:p>
+            <a:r>
+              <a:rPr kumimoji="1" lang="en-US" altLang="zh-CN" sz="2400" dirty="0" err="1">
+                <a:ea typeface="Microsoft YaHei" charset="-122"/>
+                <a:cs typeface="Microsoft YaHei" charset="-122"/>
+              </a:rPr>
+              <a:t>Clustal</a:t>
+            </a:r>
+            <a:r>
+              <a:rPr kumimoji="1" lang="en-US" altLang="zh-CN" sz="2400" dirty="0">
+                <a:ea typeface="Microsoft YaHei" charset="-122"/>
+                <a:cs typeface="Microsoft YaHei" charset="-122"/>
+              </a:rPr>
+              <a:t> is a series of widely used computer programs used in Bioinformatics for multiple sequence alignment</a:t>
+            </a:r>
+            <a:r>
+              <a:rPr kumimoji="1" lang="en-US" altLang="zh-CN" sz="2400" dirty="0" smtClean="0">
+                <a:ea typeface="Microsoft YaHei" charset="-122"/>
+                <a:cs typeface="Microsoft YaHei" charset="-122"/>
+              </a:rPr>
+              <a:t>.</a:t>
+            </a:r>
+            <a:endParaRPr kumimoji="1" lang="en-US" altLang="zh-CN" sz="2400" dirty="0">
+              <a:ea typeface="Microsoft YaHei" charset="-122"/>
+              <a:cs typeface="Microsoft YaHei" charset="-122"/>
+            </a:endParaRPr>
+          </a:p>
+          <a:p>
+            <a:r>
+              <a:rPr lang="en-US" sz="2400" dirty="0" err="1" smtClean="0"/>
+              <a:t>ClustalW</a:t>
+            </a:r>
+            <a:r>
+              <a:rPr lang="en-US" sz="2400" dirty="0" smtClean="0"/>
+              <a:t> </a:t>
+            </a:r>
+            <a:r>
+              <a:rPr lang="en-US" sz="2400" dirty="0"/>
+              <a:t>uses progressive alignment methods, which align the most similar sequences first and work their way down to the least similar sequences until a global alignment is created. </a:t>
+            </a:r>
+            <a:endParaRPr lang="en-US" sz="2400" dirty="0" smtClean="0"/>
+          </a:p>
+          <a:p>
+            <a:r>
+              <a:rPr lang="en-US" sz="2400" dirty="0" smtClean="0"/>
+              <a:t> Time complexity of O(N²) because of its use of the neighbor-</a:t>
+            </a:r>
+            <a:r>
+              <a:rPr lang="en-US" sz="2400" dirty="0" err="1" smtClean="0"/>
+              <a:t>joing</a:t>
+            </a:r>
+            <a:r>
+              <a:rPr lang="en-US" sz="2400" dirty="0" smtClean="0"/>
+              <a:t> method.</a:t>
+            </a:r>
+          </a:p>
+          <a:p>
+            <a:endParaRPr kumimoji="1" lang="en-US" altLang="zh-CN" sz="2400" dirty="0">
+              <a:ea typeface="Microsoft YaHei" charset="-122"/>
+              <a:cs typeface="Microsoft YaHei" charset="-122"/>
+            </a:endParaRPr>
+          </a:p>
+          <a:p>
+            <a:endParaRPr kumimoji="1" lang="en-US" altLang="zh-CN" sz="2400" dirty="0">
+              <a:ea typeface="Microsoft YaHei" charset="-122"/>
+              <a:cs typeface="Microsoft YaHei" charset="-122"/>
+            </a:endParaRPr>
+          </a:p>
+          <a:p>
+            <a:endParaRPr kumimoji="1" lang="en-US" altLang="zh-CN" sz="2400" dirty="0">
+              <a:ea typeface="Microsoft YaHei" charset="-122"/>
+              <a:cs typeface="Microsoft YaHei" charset="-122"/>
+            </a:endParaRPr>
+          </a:p>
+          <a:p>
+            <a:endParaRPr kumimoji="1" lang="en-US" altLang="zh-CN" sz="2400" dirty="0">
+              <a:ea typeface="Microsoft YaHei" charset="-122"/>
+              <a:cs typeface="Microsoft YaHei" charset="-122"/>
+            </a:endParaRPr>
+          </a:p>
+          <a:p>
+            <a:endParaRPr kumimoji="1" lang="en-US" altLang="zh-CN" sz="2400" dirty="0">
+              <a:ea typeface="Microsoft YaHei" charset="-122"/>
+              <a:cs typeface="Microsoft YaHei" charset="-122"/>
+            </a:endParaRPr>
+          </a:p>
+          <a:p>
+            <a:endParaRPr kumimoji="1" lang="en-US" altLang="zh-CN" sz="2400" dirty="0">
+              <a:ea typeface="Microsoft YaHei" charset="-122"/>
+              <a:cs typeface="Microsoft YaHei" charset="-122"/>
+            </a:endParaRPr>
+          </a:p>
+          <a:p>
+            <a:endParaRPr kumimoji="1" lang="en-US" altLang="zh-CN" sz="2400" dirty="0">
+              <a:ea typeface="Microsoft YaHei" charset="-122"/>
+              <a:cs typeface="Microsoft YaHei" charset="-122"/>
+            </a:endParaRPr>
+          </a:p>
+          <a:p>
+            <a:endParaRPr kumimoji="1" lang="en-US" altLang="zh-CN" sz="2400" dirty="0">
+              <a:ea typeface="Microsoft YaHei" charset="-122"/>
+              <a:cs typeface="Microsoft YaHei" charset="-122"/>
+            </a:endParaRPr>
+          </a:p>
+          <a:p>
+            <a:endParaRPr kumimoji="1" lang="en-US" altLang="zh-CN" sz="2400" dirty="0">
+              <a:ea typeface="Microsoft YaHei" charset="-122"/>
+              <a:cs typeface="Microsoft YaHei" charset="-122"/>
+            </a:endParaRPr>
+          </a:p>
+        </p:txBody>
+      </p:sp>
+      <p:sp>
+        <p:nvSpPr>
+          <p:cNvPr id="4" name="CaixaDeTexto 3">
+            <a:extLst>
+              <a:ext uri="{FF2B5EF4-FFF2-40B4-BE49-F238E27FC236}">
+                <a16:creationId xmlns:a16="http://schemas.microsoft.com/office/drawing/2014/main" id="{A8A5C975-5B01-46E0-AC86-EB75EF76AB8B}"/>
+              </a:ext>
+            </a:extLst>
+          </p:cNvPr>
+          <p:cNvSpPr txBox="1"/>
+          <p:nvPr/>
+        </p:nvSpPr>
+        <p:spPr>
+          <a:xfrm>
+            <a:off x="1249826" y="5963134"/>
+            <a:ext cx="6644347" cy="646331"/>
+          </a:xfrm>
+          <a:prstGeom prst="rect">
+            <a:avLst/>
+          </a:prstGeom>
+          <a:solidFill>
+            <a:schemeClr val="accent6">
+              <a:lumMod val="20000"/>
+              <a:lumOff val="80000"/>
+            </a:schemeClr>
+          </a:solidFill>
+          <a:ln w="38100">
+            <a:solidFill>
+              <a:srgbClr val="00B050"/>
+            </a:solidFill>
+          </a:ln>
+        </p:spPr>
+        <p:txBody>
+          <a:bodyPr wrap="square" rtlCol="0">
+            <a:spAutoFit/>
+          </a:bodyPr>
+          <a:lstStyle/>
+          <a:p>
+            <a:pPr algn="just"/>
+            <a:r>
+              <a:rPr lang="en-US" b="1" dirty="0"/>
+              <a:t>[1] </a:t>
+            </a:r>
+            <a:r>
+              <a:rPr lang="en-US" dirty="0"/>
+              <a:t>Two genes are </a:t>
+            </a:r>
+            <a:r>
+              <a:rPr lang="en-US" b="1" dirty="0"/>
+              <a:t>homologous</a:t>
+            </a:r>
+            <a:r>
+              <a:rPr lang="en-US" dirty="0"/>
+              <a:t> when their DNA sequence derives from a common origin, and may or may not have the same function</a:t>
+            </a:r>
+            <a:endParaRPr lang="pt-BR" dirty="0"/>
+          </a:p>
+        </p:txBody>
+      </p:sp>
+    </p:spTree>
+    <p:extLst>
+      <p:ext uri="{BB962C8B-B14F-4D97-AF65-F5344CB8AC3E}">
+        <p14:creationId xmlns:p14="http://schemas.microsoft.com/office/powerpoint/2010/main" val="2634577196"/>
+      </p:ext>
+    </p:extLst>
+  </p:cSld>
+  <p:clrMapOvr>
+    <a:masterClrMapping/>
+  </p:clrMapOvr>
+</p:sld>
+</file>
+
+<file path=ppt/slides/slide8.xml><?xml version="1.0" encoding="utf-8"?>
+<p:sld xmlns:a="http://schemas.openxmlformats.org/drawingml/2006/main" xmlns:r="http://schemas.openxmlformats.org/officeDocument/2006/relationships" xmlns:p="http://schemas.openxmlformats.org/presentationml/2006/main">
+  <p:cSld>
+    <p:spTree>
+      <p:nvGrpSpPr>
+        <p:cNvPr id="1" name=""/>
+        <p:cNvGrpSpPr/>
+        <p:nvPr/>
+      </p:nvGrpSpPr>
+      <p:grpSpPr>
+        <a:xfrm>
+          <a:off x="0" y="0"/>
+          <a:ext cx="0" cy="0"/>
+          <a:chOff x="0" y="0"/>
+          <a:chExt cx="0" cy="0"/>
+        </a:xfrm>
+      </p:grpSpPr>
+      <p:sp>
+        <p:nvSpPr>
+          <p:cNvPr id="2" name="标题 1"/>
+          <p:cNvSpPr>
+            <a:spLocks noGrp="1"/>
+          </p:cNvSpPr>
+          <p:nvPr>
+            <p:ph type="title"/>
+          </p:nvPr>
+        </p:nvSpPr>
+        <p:spPr/>
+        <p:txBody>
+          <a:bodyPr>
+            <a:normAutofit/>
+          </a:bodyPr>
+          <a:lstStyle/>
+          <a:p>
+            <a:r>
               <a:rPr kumimoji="1" lang="en-US" altLang="zh-CN" sz="3200" b="1" dirty="0">
                 <a:solidFill>
                   <a:srgbClr val="92D050"/>
@@ -4926,7 +6490,7 @@
 </p:sld>
 </file>
 
-<file path=ppt/slides/slide7.xml><?xml version="1.0" encoding="utf-8"?>
+<file path=ppt/slides/slide9.xml><?xml version="1.0" encoding="utf-8"?>
 <p:sld xmlns:a="http://schemas.openxmlformats.org/drawingml/2006/main" xmlns:r="http://schemas.openxmlformats.org/officeDocument/2006/relationships" xmlns:p="http://schemas.openxmlformats.org/presentationml/2006/main">
   <p:cSld>
     <p:spTree>
@@ -5229,328 +6793,6 @@
     <p:extLst>
       <p:ext uri="{BB962C8B-B14F-4D97-AF65-F5344CB8AC3E}">
         <p14:creationId xmlns:p14="http://schemas.microsoft.com/office/powerpoint/2010/main" val="910736488"/>
-      </p:ext>
-    </p:extLst>
-  </p:cSld>
-  <p:clrMapOvr>
-    <a:masterClrMapping/>
-  </p:clrMapOvr>
-</p:sld>
-</file>
-
-<file path=ppt/slides/slide8.xml><?xml version="1.0" encoding="utf-8"?>
-<p:sld xmlns:a="http://schemas.openxmlformats.org/drawingml/2006/main" xmlns:r="http://schemas.openxmlformats.org/officeDocument/2006/relationships" xmlns:p="http://schemas.openxmlformats.org/presentationml/2006/main">
-  <p:cSld>
-    <p:spTree>
-      <p:nvGrpSpPr>
-        <p:cNvPr id="1" name=""/>
-        <p:cNvGrpSpPr/>
-        <p:nvPr/>
-      </p:nvGrpSpPr>
-      <p:grpSpPr>
-        <a:xfrm>
-          <a:off x="0" y="0"/>
-          <a:ext cx="0" cy="0"/>
-          <a:chOff x="0" y="0"/>
-          <a:chExt cx="0" cy="0"/>
-        </a:xfrm>
-      </p:grpSpPr>
-      <p:sp>
-        <p:nvSpPr>
-          <p:cNvPr id="2" name="标题 1"/>
-          <p:cNvSpPr>
-            <a:spLocks noGrp="1"/>
-          </p:cNvSpPr>
-          <p:nvPr>
-            <p:ph type="title"/>
-          </p:nvPr>
-        </p:nvSpPr>
-        <p:spPr/>
-        <p:txBody>
-          <a:bodyPr>
-            <a:normAutofit/>
-          </a:bodyPr>
-          <a:lstStyle/>
-          <a:p>
-            <a:r>
-              <a:rPr kumimoji="1" lang="en-US" altLang="zh-CN" sz="3200" b="1" dirty="0">
-                <a:solidFill>
-                  <a:srgbClr val="92D050"/>
-                </a:solidFill>
-                <a:latin typeface="Microsoft YaHei" charset="-122"/>
-                <a:ea typeface="Microsoft YaHei" charset="-122"/>
-                <a:cs typeface="Microsoft YaHei" charset="-122"/>
-              </a:rPr>
-              <a:t>Expected</a:t>
-            </a:r>
-            <a:r>
-              <a:rPr kumimoji="1" lang="zh-CN" altLang="en-US" sz="3200" b="1" dirty="0">
-                <a:solidFill>
-                  <a:srgbClr val="92D050"/>
-                </a:solidFill>
-                <a:latin typeface="Microsoft YaHei" charset="-122"/>
-                <a:ea typeface="Microsoft YaHei" charset="-122"/>
-                <a:cs typeface="Microsoft YaHei" charset="-122"/>
-              </a:rPr>
-              <a:t> </a:t>
-            </a:r>
-            <a:r>
-              <a:rPr kumimoji="1" lang="en-US" altLang="zh-CN" sz="3200" b="1" dirty="0">
-                <a:solidFill>
-                  <a:srgbClr val="92D050"/>
-                </a:solidFill>
-                <a:latin typeface="Microsoft YaHei" charset="-122"/>
-                <a:ea typeface="Microsoft YaHei" charset="-122"/>
-                <a:cs typeface="Microsoft YaHei" charset="-122"/>
-              </a:rPr>
-              <a:t>Results:</a:t>
-            </a:r>
-            <a:r>
-              <a:rPr kumimoji="1" lang="zh-CN" altLang="en-US" sz="3200" b="1" dirty="0">
-                <a:solidFill>
-                  <a:srgbClr val="92D050"/>
-                </a:solidFill>
-                <a:latin typeface="Microsoft YaHei" charset="-122"/>
-                <a:ea typeface="Microsoft YaHei" charset="-122"/>
-                <a:cs typeface="Microsoft YaHei" charset="-122"/>
-              </a:rPr>
-              <a:t> </a:t>
-            </a:r>
-            <a:r>
-              <a:rPr kumimoji="1" lang="en-US" altLang="zh-CN" sz="3200" b="1" dirty="0">
-                <a:solidFill>
-                  <a:srgbClr val="92D050"/>
-                </a:solidFill>
-                <a:latin typeface="Microsoft YaHei" charset="-122"/>
-                <a:ea typeface="Microsoft YaHei" charset="-122"/>
-                <a:cs typeface="Microsoft YaHei" charset="-122"/>
-              </a:rPr>
-              <a:t>Predictive</a:t>
-            </a:r>
-            <a:r>
-              <a:rPr kumimoji="1" lang="zh-CN" altLang="en-US" sz="3200" b="1" dirty="0">
-                <a:solidFill>
-                  <a:srgbClr val="92D050"/>
-                </a:solidFill>
-                <a:latin typeface="Microsoft YaHei" charset="-122"/>
-                <a:ea typeface="Microsoft YaHei" charset="-122"/>
-                <a:cs typeface="Microsoft YaHei" charset="-122"/>
-              </a:rPr>
-              <a:t> </a:t>
-            </a:r>
-            <a:r>
-              <a:rPr kumimoji="1" lang="en-US" altLang="zh-CN" sz="3200" b="1" dirty="0">
-                <a:solidFill>
-                  <a:srgbClr val="92D050"/>
-                </a:solidFill>
-                <a:latin typeface="Microsoft YaHei" charset="-122"/>
-                <a:ea typeface="Microsoft YaHei" charset="-122"/>
-                <a:cs typeface="Microsoft YaHei" charset="-122"/>
-              </a:rPr>
-              <a:t>Analytics</a:t>
-            </a:r>
-            <a:endParaRPr kumimoji="1" lang="zh-CN" altLang="en-US" sz="3200" b="1" dirty="0">
-              <a:solidFill>
-                <a:srgbClr val="92D050"/>
-              </a:solidFill>
-              <a:latin typeface="Microsoft YaHei" charset="-122"/>
-              <a:ea typeface="Microsoft YaHei" charset="-122"/>
-              <a:cs typeface="Microsoft YaHei" charset="-122"/>
-            </a:endParaRPr>
-          </a:p>
-        </p:txBody>
-      </p:sp>
-      <p:sp>
-        <p:nvSpPr>
-          <p:cNvPr id="3" name="内容占位符 2"/>
-          <p:cNvSpPr>
-            <a:spLocks noGrp="1"/>
-          </p:cNvSpPr>
-          <p:nvPr>
-            <p:ph idx="1"/>
-          </p:nvPr>
-        </p:nvSpPr>
-        <p:spPr/>
-        <p:txBody>
-          <a:bodyPr>
-            <a:normAutofit/>
-          </a:bodyPr>
-          <a:lstStyle/>
-          <a:p>
-            <a:r>
-              <a:rPr kumimoji="1" lang="en-US" altLang="zh-CN" sz="2400" dirty="0"/>
-              <a:t>Construct a phylogenetic tree from homologous genes and update the tree with new data.</a:t>
-            </a:r>
-          </a:p>
-          <a:p>
-            <a:endParaRPr kumimoji="1" lang="en-US" altLang="zh-CN" sz="2400" dirty="0"/>
-          </a:p>
-          <a:p>
-            <a:r>
-              <a:rPr kumimoji="1" lang="en-US" altLang="zh-CN" sz="2400" dirty="0"/>
-              <a:t>Predict amino acid which have higher chances of being conserved across generations.</a:t>
-            </a:r>
-            <a:endParaRPr kumimoji="1" lang="pt-BR" altLang="zh-CN" sz="2400" dirty="0"/>
-          </a:p>
-        </p:txBody>
-      </p:sp>
-    </p:spTree>
-    <p:extLst>
-      <p:ext uri="{BB962C8B-B14F-4D97-AF65-F5344CB8AC3E}">
-        <p14:creationId xmlns:p14="http://schemas.microsoft.com/office/powerpoint/2010/main" val="1390960048"/>
-      </p:ext>
-    </p:extLst>
-  </p:cSld>
-  <p:clrMapOvr>
-    <a:masterClrMapping/>
-  </p:clrMapOvr>
-</p:sld>
-</file>
-
-<file path=ppt/slides/slide9.xml><?xml version="1.0" encoding="utf-8"?>
-<p:sld xmlns:a="http://schemas.openxmlformats.org/drawingml/2006/main" xmlns:r="http://schemas.openxmlformats.org/officeDocument/2006/relationships" xmlns:p="http://schemas.openxmlformats.org/presentationml/2006/main">
-  <p:cSld>
-    <p:spTree>
-      <p:nvGrpSpPr>
-        <p:cNvPr id="1" name=""/>
-        <p:cNvGrpSpPr/>
-        <p:nvPr/>
-      </p:nvGrpSpPr>
-      <p:grpSpPr>
-        <a:xfrm>
-          <a:off x="0" y="0"/>
-          <a:ext cx="0" cy="0"/>
-          <a:chOff x="0" y="0"/>
-          <a:chExt cx="0" cy="0"/>
-        </a:xfrm>
-      </p:grpSpPr>
-      <p:sp>
-        <p:nvSpPr>
-          <p:cNvPr id="2" name="标题 1"/>
-          <p:cNvSpPr>
-            <a:spLocks noGrp="1"/>
-          </p:cNvSpPr>
-          <p:nvPr>
-            <p:ph type="title"/>
-          </p:nvPr>
-        </p:nvSpPr>
-        <p:spPr/>
-        <p:txBody>
-          <a:bodyPr>
-            <a:normAutofit/>
-          </a:bodyPr>
-          <a:lstStyle/>
-          <a:p>
-            <a:r>
-              <a:rPr kumimoji="1" lang="pt-BR" altLang="zh-CN" sz="3200" b="1" dirty="0" err="1" smtClean="0">
-                <a:solidFill>
-                  <a:srgbClr val="92D050"/>
-                </a:solidFill>
-                <a:latin typeface="Microsoft YaHei" charset="-122"/>
-                <a:ea typeface="Microsoft YaHei" charset="-122"/>
-                <a:cs typeface="Microsoft YaHei" charset="-122"/>
-              </a:rPr>
-              <a:t>References</a:t>
-            </a:r>
-            <a:endParaRPr kumimoji="1" lang="zh-CN" altLang="en-US" sz="3200" b="1" dirty="0">
-              <a:solidFill>
-                <a:srgbClr val="92D050"/>
-              </a:solidFill>
-              <a:latin typeface="Microsoft YaHei" charset="-122"/>
-              <a:ea typeface="Microsoft YaHei" charset="-122"/>
-              <a:cs typeface="Microsoft YaHei" charset="-122"/>
-            </a:endParaRPr>
-          </a:p>
-        </p:txBody>
-      </p:sp>
-      <p:sp>
-        <p:nvSpPr>
-          <p:cNvPr id="3" name="内容占位符 2"/>
-          <p:cNvSpPr>
-            <a:spLocks noGrp="1"/>
-          </p:cNvSpPr>
-          <p:nvPr>
-            <p:ph idx="1"/>
-          </p:nvPr>
-        </p:nvSpPr>
-        <p:spPr>
-          <a:xfrm>
-            <a:off x="628650" y="1825625"/>
-            <a:ext cx="7886700" cy="1075517"/>
-          </a:xfrm>
-        </p:spPr>
-        <p:txBody>
-          <a:bodyPr>
-            <a:normAutofit/>
-          </a:bodyPr>
-          <a:lstStyle/>
-          <a:p>
-            <a:r>
-              <a:rPr lang="en-US" b="1" dirty="0"/>
-              <a:t>The Phylogenetic Handbook: </a:t>
-            </a:r>
-            <a:r>
-              <a:rPr lang="en-US" dirty="0"/>
-              <a:t>A Practical Approach to Phylogenetic Analysis and Hypothesis </a:t>
-            </a:r>
-            <a:r>
-              <a:rPr lang="en-US" dirty="0" smtClean="0"/>
-              <a:t>Testing.</a:t>
-            </a:r>
-          </a:p>
-          <a:p>
-            <a:endParaRPr lang="en-US" b="1" dirty="0"/>
-          </a:p>
-          <a:p>
-            <a:endParaRPr kumimoji="1" lang="pt-BR" altLang="zh-CN" sz="2400" dirty="0"/>
-          </a:p>
-        </p:txBody>
-      </p:sp>
-      <p:pic>
-        <p:nvPicPr>
-          <p:cNvPr id="1028" name="Picture 4" descr="Resultado de imagem para phylogenetic handbook"/>
-          <p:cNvPicPr>
-            <a:picLocks noChangeAspect="1" noChangeArrowheads="1"/>
-          </p:cNvPicPr>
-          <p:nvPr/>
-        </p:nvPicPr>
-        <p:blipFill>
-          <a:blip r:embed="rId2">
-            <a:extLst>
-              <a:ext uri="{28A0092B-C50C-407E-A947-70E740481C1C}">
-                <a14:useLocalDpi xmlns:a14="http://schemas.microsoft.com/office/drawing/2010/main" val="0"/>
-              </a:ext>
-            </a:extLst>
-          </a:blip>
-          <a:srcRect/>
-          <a:stretch>
-            <a:fillRect/>
-          </a:stretch>
-        </p:blipFill>
-        <p:spPr bwMode="auto">
-          <a:xfrm>
-            <a:off x="3315063" y="2751513"/>
-            <a:ext cx="2513874" cy="3596005"/>
-          </a:xfrm>
-          <a:prstGeom prst="rect">
-            <a:avLst/>
-          </a:prstGeom>
-          <a:noFill/>
-          <a:extLst>
-            <a:ext uri="{909E8E84-426E-40DD-AFC4-6F175D3DCCD1}">
-              <a14:hiddenFill xmlns:a14="http://schemas.microsoft.com/office/drawing/2010/main">
-                <a:solidFill>
-                  <a:srgbClr val="FFFFFF"/>
-                </a:solidFill>
-              </a14:hiddenFill>
-            </a:ext>
-          </a:extLst>
-        </p:spPr>
-      </p:pic>
-    </p:spTree>
-    <p:extLst>
-      <p:ext uri="{BB962C8B-B14F-4D97-AF65-F5344CB8AC3E}">
-        <p14:creationId xmlns:p14="http://schemas.microsoft.com/office/powerpoint/2010/main" val="1689992994"/>
       </p:ext>
     </p:extLst>
   </p:cSld>

--- a/bioinfoDS-Partial_Project.pptx
+++ b/bioinfoDS-Partial_Project.pptx
@@ -5,20 +5,17 @@
     <p:sldMasterId id="2147483660" r:id="rId1"/>
   </p:sldMasterIdLst>
   <p:notesMasterIdLst>
-    <p:notesMasterId r:id="rId13"/>
+    <p:notesMasterId r:id="rId10"/>
   </p:notesMasterIdLst>
   <p:sldIdLst>
     <p:sldId id="256" r:id="rId2"/>
     <p:sldId id="257" r:id="rId3"/>
     <p:sldId id="268" r:id="rId4"/>
-    <p:sldId id="265" r:id="rId5"/>
-    <p:sldId id="272" r:id="rId6"/>
-    <p:sldId id="269" r:id="rId7"/>
-    <p:sldId id="273" r:id="rId8"/>
-    <p:sldId id="263" r:id="rId9"/>
-    <p:sldId id="261" r:id="rId10"/>
-    <p:sldId id="262" r:id="rId11"/>
-    <p:sldId id="271" r:id="rId12"/>
+    <p:sldId id="272" r:id="rId5"/>
+    <p:sldId id="269" r:id="rId6"/>
+    <p:sldId id="273" r:id="rId7"/>
+    <p:sldId id="263" r:id="rId8"/>
+    <p:sldId id="271" r:id="rId9"/>
   </p:sldIdLst>
   <p:sldSz cx="9144000" cy="6858000" type="screen4x3"/>
   <p:notesSz cx="6858000" cy="9144000"/>
@@ -119,7 +116,7 @@
   </p:defaultTextStyle>
   <p:extLst>
     <p:ext uri="{EFAFB233-063F-42B5-8137-9DF3F51BA10A}">
-      <p15:sldGuideLst xmlns:p15="http://schemas.microsoft.com/office/powerpoint/2012/main"/>
+      <p15:sldGuideLst xmlns:p15="http://schemas.microsoft.com/office/powerpoint/2012/main" xmlns=""/>
     </p:ext>
   </p:extLst>
 </p:presentation>
@@ -3472,7 +3469,7 @@
                 <a:ea typeface="Microsoft YaHei" charset="-122"/>
                 <a:cs typeface="Microsoft YaHei" charset="-122"/>
               </a:rPr>
-              <a:t>Partial Project</a:t>
+              <a:t>Midterm Project</a:t>
             </a:r>
             <a:r>
               <a:rPr lang="en-US" altLang="zh-CN" sz="4400" b="1" dirty="0">
@@ -3514,7 +3511,7 @@
           <p:cNvPr id="7" name="Subtitle 6">
             <a:extLst>
               <a:ext uri="{FF2B5EF4-FFF2-40B4-BE49-F238E27FC236}">
-                <a16:creationId xmlns:a16="http://schemas.microsoft.com/office/drawing/2014/main" id="{20E72EE0-9B96-3F4C-96C0-6B1F5E52D33D}"/>
+                <a16:creationId xmlns:a16="http://schemas.microsoft.com/office/drawing/2014/main" xmlns="" id="{20E72EE0-9B96-3F4C-96C0-6B1F5E52D33D}"/>
               </a:ext>
             </a:extLst>
           </p:cNvPr>
@@ -3547,328 +3544,13 @@
   <p:clrMapOvr>
     <a:masterClrMapping/>
   </p:clrMapOvr>
-</p:sld>
-</file>
-
-<file path=ppt/slides/slide10.xml><?xml version="1.0" encoding="utf-8"?>
-<p:sld xmlns:a="http://schemas.openxmlformats.org/drawingml/2006/main" xmlns:r="http://schemas.openxmlformats.org/officeDocument/2006/relationships" xmlns:p="http://schemas.openxmlformats.org/presentationml/2006/main">
-  <p:cSld>
-    <p:spTree>
-      <p:nvGrpSpPr>
-        <p:cNvPr id="1" name=""/>
-        <p:cNvGrpSpPr/>
-        <p:nvPr/>
-      </p:nvGrpSpPr>
-      <p:grpSpPr>
-        <a:xfrm>
-          <a:off x="0" y="0"/>
-          <a:ext cx="0" cy="0"/>
-          <a:chOff x="0" y="0"/>
-          <a:chExt cx="0" cy="0"/>
-        </a:xfrm>
-      </p:grpSpPr>
-      <p:sp>
-        <p:nvSpPr>
-          <p:cNvPr id="2" name="标题 1"/>
-          <p:cNvSpPr>
-            <a:spLocks noGrp="1"/>
-          </p:cNvSpPr>
-          <p:nvPr>
-            <p:ph type="title"/>
-          </p:nvPr>
-        </p:nvSpPr>
-        <p:spPr/>
-        <p:txBody>
-          <a:bodyPr>
-            <a:normAutofit/>
-          </a:bodyPr>
-          <a:lstStyle/>
-          <a:p>
-            <a:r>
-              <a:rPr kumimoji="1" lang="en-US" altLang="zh-CN" sz="3200" b="1" dirty="0">
-                <a:solidFill>
-                  <a:srgbClr val="92D050"/>
-                </a:solidFill>
-                <a:latin typeface="Microsoft YaHei" charset="-122"/>
-                <a:ea typeface="Microsoft YaHei" charset="-122"/>
-                <a:cs typeface="Microsoft YaHei" charset="-122"/>
-              </a:rPr>
-              <a:t>Expected</a:t>
-            </a:r>
-            <a:r>
-              <a:rPr kumimoji="1" lang="zh-CN" altLang="en-US" sz="3200" b="1" dirty="0">
-                <a:solidFill>
-                  <a:srgbClr val="92D050"/>
-                </a:solidFill>
-                <a:latin typeface="Microsoft YaHei" charset="-122"/>
-                <a:ea typeface="Microsoft YaHei" charset="-122"/>
-                <a:cs typeface="Microsoft YaHei" charset="-122"/>
-              </a:rPr>
-              <a:t> </a:t>
-            </a:r>
-            <a:r>
-              <a:rPr kumimoji="1" lang="en-US" altLang="zh-CN" sz="3200" b="1" dirty="0">
-                <a:solidFill>
-                  <a:srgbClr val="92D050"/>
-                </a:solidFill>
-                <a:latin typeface="Microsoft YaHei" charset="-122"/>
-                <a:ea typeface="Microsoft YaHei" charset="-122"/>
-                <a:cs typeface="Microsoft YaHei" charset="-122"/>
-              </a:rPr>
-              <a:t>Results:</a:t>
-            </a:r>
-            <a:r>
-              <a:rPr kumimoji="1" lang="zh-CN" altLang="en-US" sz="3200" b="1" dirty="0">
-                <a:solidFill>
-                  <a:srgbClr val="92D050"/>
-                </a:solidFill>
-                <a:latin typeface="Microsoft YaHei" charset="-122"/>
-                <a:ea typeface="Microsoft YaHei" charset="-122"/>
-                <a:cs typeface="Microsoft YaHei" charset="-122"/>
-              </a:rPr>
-              <a:t> </a:t>
-            </a:r>
-            <a:r>
-              <a:rPr kumimoji="1" lang="en-US" altLang="zh-CN" sz="3200" b="1" dirty="0">
-                <a:solidFill>
-                  <a:srgbClr val="92D050"/>
-                </a:solidFill>
-                <a:latin typeface="Microsoft YaHei" charset="-122"/>
-                <a:ea typeface="Microsoft YaHei" charset="-122"/>
-                <a:cs typeface="Microsoft YaHei" charset="-122"/>
-              </a:rPr>
-              <a:t>Predictive</a:t>
-            </a:r>
-            <a:r>
-              <a:rPr kumimoji="1" lang="zh-CN" altLang="en-US" sz="3200" b="1" dirty="0">
-                <a:solidFill>
-                  <a:srgbClr val="92D050"/>
-                </a:solidFill>
-                <a:latin typeface="Microsoft YaHei" charset="-122"/>
-                <a:ea typeface="Microsoft YaHei" charset="-122"/>
-                <a:cs typeface="Microsoft YaHei" charset="-122"/>
-              </a:rPr>
-              <a:t> </a:t>
-            </a:r>
-            <a:r>
-              <a:rPr kumimoji="1" lang="en-US" altLang="zh-CN" sz="3200" b="1" dirty="0">
-                <a:solidFill>
-                  <a:srgbClr val="92D050"/>
-                </a:solidFill>
-                <a:latin typeface="Microsoft YaHei" charset="-122"/>
-                <a:ea typeface="Microsoft YaHei" charset="-122"/>
-                <a:cs typeface="Microsoft YaHei" charset="-122"/>
-              </a:rPr>
-              <a:t>Analytics</a:t>
-            </a:r>
-            <a:endParaRPr kumimoji="1" lang="zh-CN" altLang="en-US" sz="3200" b="1" dirty="0">
-              <a:solidFill>
-                <a:srgbClr val="92D050"/>
-              </a:solidFill>
-              <a:latin typeface="Microsoft YaHei" charset="-122"/>
-              <a:ea typeface="Microsoft YaHei" charset="-122"/>
-              <a:cs typeface="Microsoft YaHei" charset="-122"/>
-            </a:endParaRPr>
-          </a:p>
-        </p:txBody>
-      </p:sp>
-      <p:sp>
-        <p:nvSpPr>
-          <p:cNvPr id="3" name="内容占位符 2"/>
-          <p:cNvSpPr>
-            <a:spLocks noGrp="1"/>
-          </p:cNvSpPr>
-          <p:nvPr>
-            <p:ph idx="1"/>
-          </p:nvPr>
-        </p:nvSpPr>
-        <p:spPr/>
-        <p:txBody>
-          <a:bodyPr>
-            <a:normAutofit/>
-          </a:bodyPr>
-          <a:lstStyle/>
-          <a:p>
-            <a:r>
-              <a:rPr kumimoji="1" lang="en-US" altLang="zh-CN" sz="2400" dirty="0"/>
-              <a:t>Construct a phylogenetic tree from homologous genes and update the tree with new data.</a:t>
-            </a:r>
-          </a:p>
-          <a:p>
-            <a:endParaRPr kumimoji="1" lang="en-US" altLang="zh-CN" sz="2400" dirty="0"/>
-          </a:p>
-          <a:p>
-            <a:r>
-              <a:rPr kumimoji="1" lang="en-US" altLang="zh-CN" sz="2400" dirty="0"/>
-              <a:t>Predict amino acid which have higher chances of being conserved across generations.</a:t>
-            </a:r>
-            <a:endParaRPr kumimoji="1" lang="pt-BR" altLang="zh-CN" sz="2400" dirty="0"/>
-          </a:p>
-        </p:txBody>
-      </p:sp>
-    </p:spTree>
-    <p:extLst>
-      <p:ext uri="{BB962C8B-B14F-4D97-AF65-F5344CB8AC3E}">
-        <p14:creationId xmlns:p14="http://schemas.microsoft.com/office/powerpoint/2010/main" val="1390960048"/>
-      </p:ext>
-    </p:extLst>
-  </p:cSld>
-  <p:clrMapOvr>
-    <a:masterClrMapping/>
-  </p:clrMapOvr>
-</p:sld>
-</file>
-
-<file path=ppt/slides/slide11.xml><?xml version="1.0" encoding="utf-8"?>
-<p:sld xmlns:a="http://schemas.openxmlformats.org/drawingml/2006/main" xmlns:r="http://schemas.openxmlformats.org/officeDocument/2006/relationships" xmlns:p="http://schemas.openxmlformats.org/presentationml/2006/main">
-  <p:cSld>
-    <p:spTree>
-      <p:nvGrpSpPr>
-        <p:cNvPr id="1" name=""/>
-        <p:cNvGrpSpPr/>
-        <p:nvPr/>
-      </p:nvGrpSpPr>
-      <p:grpSpPr>
-        <a:xfrm>
-          <a:off x="0" y="0"/>
-          <a:ext cx="0" cy="0"/>
-          <a:chOff x="0" y="0"/>
-          <a:chExt cx="0" cy="0"/>
-        </a:xfrm>
-      </p:grpSpPr>
-      <p:sp>
-        <p:nvSpPr>
-          <p:cNvPr id="2" name="标题 1"/>
-          <p:cNvSpPr>
-            <a:spLocks noGrp="1"/>
-          </p:cNvSpPr>
-          <p:nvPr>
-            <p:ph type="title"/>
-          </p:nvPr>
-        </p:nvSpPr>
-        <p:spPr/>
-        <p:txBody>
-          <a:bodyPr>
-            <a:normAutofit/>
-          </a:bodyPr>
-          <a:lstStyle/>
-          <a:p>
-            <a:r>
-              <a:rPr kumimoji="1" lang="pt-BR" altLang="zh-CN" sz="3200" b="1" dirty="0" err="1" smtClean="0">
-                <a:solidFill>
-                  <a:srgbClr val="92D050"/>
-                </a:solidFill>
-                <a:latin typeface="Microsoft YaHei" charset="-122"/>
-                <a:ea typeface="Microsoft YaHei" charset="-122"/>
-                <a:cs typeface="Microsoft YaHei" charset="-122"/>
-              </a:rPr>
-              <a:t>References</a:t>
-            </a:r>
-            <a:endParaRPr kumimoji="1" lang="zh-CN" altLang="en-US" sz="3200" b="1" dirty="0">
-              <a:solidFill>
-                <a:srgbClr val="92D050"/>
-              </a:solidFill>
-              <a:latin typeface="Microsoft YaHei" charset="-122"/>
-              <a:ea typeface="Microsoft YaHei" charset="-122"/>
-              <a:cs typeface="Microsoft YaHei" charset="-122"/>
-            </a:endParaRPr>
-          </a:p>
-        </p:txBody>
-      </p:sp>
-      <p:sp>
-        <p:nvSpPr>
-          <p:cNvPr id="3" name="内容占位符 2"/>
-          <p:cNvSpPr>
-            <a:spLocks noGrp="1"/>
-          </p:cNvSpPr>
-          <p:nvPr>
-            <p:ph idx="1"/>
-          </p:nvPr>
-        </p:nvSpPr>
-        <p:spPr>
-          <a:xfrm>
-            <a:off x="628650" y="1825625"/>
-            <a:ext cx="7886700" cy="1075517"/>
-          </a:xfrm>
-        </p:spPr>
-        <p:txBody>
-          <a:bodyPr>
-            <a:normAutofit/>
-          </a:bodyPr>
-          <a:lstStyle/>
-          <a:p>
-            <a:r>
-              <a:rPr lang="en-US" b="1" dirty="0"/>
-              <a:t>The Phylogenetic Handbook: </a:t>
-            </a:r>
-            <a:r>
-              <a:rPr lang="en-US" dirty="0"/>
-              <a:t>A Practical Approach to Phylogenetic Analysis and Hypothesis </a:t>
-            </a:r>
-            <a:r>
-              <a:rPr lang="en-US" dirty="0" smtClean="0"/>
-              <a:t>Testing.</a:t>
-            </a:r>
-          </a:p>
-          <a:p>
-            <a:endParaRPr lang="en-US" b="1" dirty="0"/>
-          </a:p>
-          <a:p>
-            <a:endParaRPr kumimoji="1" lang="pt-BR" altLang="zh-CN" sz="2400" dirty="0"/>
-          </a:p>
-        </p:txBody>
-      </p:sp>
-      <p:pic>
-        <p:nvPicPr>
-          <p:cNvPr id="1028" name="Picture 4" descr="Resultado de imagem para phylogenetic handbook"/>
-          <p:cNvPicPr>
-            <a:picLocks noChangeAspect="1" noChangeArrowheads="1"/>
-          </p:cNvPicPr>
-          <p:nvPr/>
-        </p:nvPicPr>
-        <p:blipFill>
-          <a:blip r:embed="rId2">
-            <a:extLst>
-              <a:ext uri="{28A0092B-C50C-407E-A947-70E740481C1C}">
-                <a14:useLocalDpi xmlns:a14="http://schemas.microsoft.com/office/drawing/2010/main" val="0"/>
-              </a:ext>
-            </a:extLst>
-          </a:blip>
-          <a:srcRect/>
-          <a:stretch>
-            <a:fillRect/>
-          </a:stretch>
-        </p:blipFill>
-        <p:spPr bwMode="auto">
-          <a:xfrm>
-            <a:off x="3315063" y="2751513"/>
-            <a:ext cx="2513874" cy="3596005"/>
-          </a:xfrm>
-          <a:prstGeom prst="rect">
-            <a:avLst/>
-          </a:prstGeom>
-          <a:noFill/>
-          <a:extLst>
-            <a:ext uri="{909E8E84-426E-40DD-AFC4-6F175D3DCCD1}">
-              <a14:hiddenFill xmlns:a14="http://schemas.microsoft.com/office/drawing/2010/main">
-                <a:solidFill>
-                  <a:srgbClr val="FFFFFF"/>
-                </a:solidFill>
-              </a14:hiddenFill>
-            </a:ext>
-          </a:extLst>
-        </p:spPr>
-      </p:pic>
-    </p:spTree>
-    <p:extLst>
-      <p:ext uri="{BB962C8B-B14F-4D97-AF65-F5344CB8AC3E}">
-        <p14:creationId xmlns:p14="http://schemas.microsoft.com/office/powerpoint/2010/main" val="1689992994"/>
-      </p:ext>
-    </p:extLst>
-  </p:cSld>
-  <p:clrMapOvr>
-    <a:masterClrMapping/>
-  </p:clrMapOvr>
+  <p:timing>
+    <p:tnLst>
+      <p:par>
+        <p:cTn id="1" dur="indefinite" restart="never" nodeType="tmRoot"/>
+      </p:par>
+    </p:tnLst>
+  </p:timing>
 </p:sld>
 </file>
 
@@ -4066,6 +3748,13 @@
   <p:clrMapOvr>
     <a:masterClrMapping/>
   </p:clrMapOvr>
+  <p:timing>
+    <p:tnLst>
+      <p:par>
+        <p:cTn id="1" dur="indefinite" restart="never" nodeType="tmRoot"/>
+      </p:par>
+    </p:tnLst>
+  </p:timing>
 </p:sld>
 </file>
 
@@ -4309,6 +3998,13 @@
   <p:clrMapOvr>
     <a:masterClrMapping/>
   </p:clrMapOvr>
+  <p:timing>
+    <p:tnLst>
+      <p:par>
+        <p:cTn id="1" dur="indefinite" restart="never" nodeType="tmRoot"/>
+      </p:par>
+    </p:tnLst>
+  </p:timing>
 </p:sld>
 </file>
 
@@ -4407,983 +4103,711 @@
         </p:spPr>
         <p:txBody>
           <a:bodyPr>
-            <a:normAutofit/>
+            <a:normAutofit fontScale="85000" lnSpcReduction="20000"/>
           </a:bodyPr>
           <a:lstStyle/>
           <a:p>
-            <a:pPr marL="0" indent="0">
+            <a:r>
+              <a:rPr lang="pt-BR" altLang="pt-BR" sz="2500" dirty="0" smtClean="0">
+                <a:solidFill>
+                  <a:srgbClr val="212121"/>
+                </a:solidFill>
+              </a:rPr>
+              <a:t>TRIM5alpha </a:t>
+            </a:r>
+            <a:r>
+              <a:rPr lang="pt-BR" altLang="pt-BR" sz="2500" dirty="0">
+                <a:solidFill>
+                  <a:srgbClr val="212121"/>
+                </a:solidFill>
+              </a:rPr>
+              <a:t>(TRIM5) gene, </a:t>
+            </a:r>
+            <a:r>
+              <a:rPr lang="pt-BR" altLang="pt-BR" sz="2500" dirty="0" smtClean="0">
+                <a:solidFill>
+                  <a:srgbClr val="212121"/>
+                </a:solidFill>
+              </a:rPr>
+              <a:t>complete </a:t>
+            </a:r>
+            <a:r>
+              <a:rPr lang="pt-BR" altLang="pt-BR" sz="2500" dirty="0" err="1" smtClean="0">
+                <a:solidFill>
+                  <a:srgbClr val="212121"/>
+                </a:solidFill>
+              </a:rPr>
+              <a:t>from</a:t>
+            </a:r>
+            <a:r>
+              <a:rPr lang="pt-BR" altLang="pt-BR" sz="2500" dirty="0">
+                <a:solidFill>
+                  <a:srgbClr val="212121"/>
+                </a:solidFill>
+              </a:rPr>
+              <a:t>:</a:t>
+            </a:r>
+            <a:endParaRPr lang="pt-BR" altLang="pt-BR" sz="4400" dirty="0"/>
+          </a:p>
+          <a:p>
+            <a:pPr marL="457200" lvl="1" indent="0">
               <a:buNone/>
             </a:pPr>
             <a:r>
-              <a:rPr kumimoji="1" lang="en-US" altLang="zh-CN" sz="2400" dirty="0" smtClean="0">
-                <a:ea typeface="Microsoft YaHei" charset="-122"/>
-                <a:cs typeface="Microsoft YaHei" charset="-122"/>
+              <a:rPr lang="pt-BR" altLang="pt-BR" sz="2100" dirty="0" err="1" smtClean="0">
+                <a:solidFill>
+                  <a:srgbClr val="212121"/>
+                </a:solidFill>
+              </a:rPr>
+              <a:t>Chlorocebus</a:t>
+            </a:r>
+            <a:r>
+              <a:rPr lang="pt-BR" altLang="pt-BR" sz="2100" dirty="0" smtClean="0">
+                <a:solidFill>
+                  <a:srgbClr val="212121"/>
+                </a:solidFill>
               </a:rPr>
               <a:t> </a:t>
             </a:r>
           </a:p>
           <a:p>
-            <a:r>
-              <a:rPr kumimoji="1" lang="en-US" altLang="zh-CN" sz="2400" dirty="0" smtClean="0">
-                <a:ea typeface="Microsoft YaHei" charset="-122"/>
-                <a:cs typeface="Microsoft YaHei" charset="-122"/>
-              </a:rPr>
-              <a:t>What is it describing?</a:t>
-            </a:r>
-          </a:p>
-        </p:txBody>
-      </p:sp>
-      <p:sp>
-        <p:nvSpPr>
-          <p:cNvPr id="9" name="CaixaDeTexto 8">
-            <a:extLst>
-              <a:ext uri="{FF2B5EF4-FFF2-40B4-BE49-F238E27FC236}">
-                <a16:creationId xmlns:a16="http://schemas.microsoft.com/office/drawing/2014/main" id="{5D3AC729-8782-469A-AA45-E9693900FE78}"/>
-              </a:ext>
-            </a:extLst>
-          </p:cNvPr>
-          <p:cNvSpPr txBox="1"/>
-          <p:nvPr/>
-        </p:nvSpPr>
-        <p:spPr>
-          <a:xfrm>
-            <a:off x="5260962" y="6196848"/>
-            <a:ext cx="3185067" cy="276999"/>
-          </a:xfrm>
-          <a:prstGeom prst="rect">
-            <a:avLst/>
-          </a:prstGeom>
-          <a:noFill/>
-        </p:spPr>
-        <p:txBody>
-          <a:bodyPr wrap="square" rtlCol="0">
-            <a:spAutoFit/>
-          </a:bodyPr>
-          <a:lstStyle/>
-          <a:p>
-            <a:pPr algn="ctr"/>
-            <a:r>
-              <a:rPr lang="pt-BR" sz="1200" b="1" dirty="0" err="1"/>
-              <a:t>Image</a:t>
-            </a:r>
-            <a:r>
-              <a:rPr lang="pt-BR" sz="1200" b="1" dirty="0"/>
-              <a:t>: </a:t>
-            </a:r>
-            <a:r>
-              <a:rPr lang="pt-BR" sz="1200" dirty="0" smtClean="0"/>
-              <a:t>TRIM5alpha_complet_PopSet</a:t>
-            </a:r>
-            <a:endParaRPr lang="pt-BR" sz="1200" dirty="0"/>
-          </a:p>
-        </p:txBody>
-      </p:sp>
-      <p:pic>
-        <p:nvPicPr>
-          <p:cNvPr id="4" name="Imagem 3"/>
-          <p:cNvPicPr>
-            <a:picLocks noChangeAspect="1"/>
-          </p:cNvPicPr>
-          <p:nvPr/>
-        </p:nvPicPr>
-        <p:blipFill rotWithShape="1">
-          <a:blip r:embed="rId2"/>
-          <a:srcRect l="563"/>
-          <a:stretch/>
-        </p:blipFill>
-        <p:spPr>
-          <a:xfrm>
-            <a:off x="4728118" y="618843"/>
-            <a:ext cx="4250756" cy="5558120"/>
-          </a:xfrm>
-          <a:prstGeom prst="rect">
-            <a:avLst/>
-          </a:prstGeom>
-        </p:spPr>
-      </p:pic>
-    </p:spTree>
-    <p:extLst>
-      <p:ext uri="{BB962C8B-B14F-4D97-AF65-F5344CB8AC3E}">
-        <p14:creationId xmlns:p14="http://schemas.microsoft.com/office/powerpoint/2010/main" val="1098677013"/>
-      </p:ext>
-    </p:extLst>
-  </p:cSld>
-  <p:clrMapOvr>
-    <a:masterClrMapping/>
-  </p:clrMapOvr>
-</p:sld>
-</file>
-
-<file path=ppt/slides/slide5.xml><?xml version="1.0" encoding="utf-8"?>
-<p:sld xmlns:a="http://schemas.openxmlformats.org/drawingml/2006/main" xmlns:r="http://schemas.openxmlformats.org/officeDocument/2006/relationships" xmlns:p="http://schemas.openxmlformats.org/presentationml/2006/main">
-  <p:cSld>
-    <p:spTree>
-      <p:nvGrpSpPr>
-        <p:cNvPr id="1" name=""/>
-        <p:cNvGrpSpPr/>
-        <p:nvPr/>
-      </p:nvGrpSpPr>
-      <p:grpSpPr>
-        <a:xfrm>
-          <a:off x="0" y="0"/>
-          <a:ext cx="0" cy="0"/>
-          <a:chOff x="0" y="0"/>
-          <a:chExt cx="0" cy="0"/>
-        </a:xfrm>
-      </p:grpSpPr>
-      <p:sp>
-        <p:nvSpPr>
-          <p:cNvPr id="2" name="标题 1"/>
-          <p:cNvSpPr>
-            <a:spLocks noGrp="1"/>
-          </p:cNvSpPr>
-          <p:nvPr>
-            <p:ph type="title"/>
-          </p:nvPr>
-        </p:nvSpPr>
-        <p:spPr/>
-        <p:txBody>
-          <a:bodyPr>
-            <a:normAutofit/>
-          </a:bodyPr>
-          <a:lstStyle/>
-          <a:p>
-            <a:r>
-              <a:rPr kumimoji="1" lang="en-US" altLang="zh-CN" sz="3200" b="1" dirty="0" smtClean="0">
-                <a:solidFill>
-                  <a:srgbClr val="92D050"/>
-                </a:solidFill>
-                <a:latin typeface="Microsoft YaHei" charset="-122"/>
-                <a:ea typeface="Microsoft YaHei" charset="-122"/>
-                <a:cs typeface="Microsoft YaHei" charset="-122"/>
-              </a:rPr>
-              <a:t>Data</a:t>
-            </a:r>
-            <a:r>
-              <a:rPr kumimoji="1" lang="en-US" altLang="zh-CN" sz="3200" b="1" dirty="0">
-                <a:solidFill>
-                  <a:srgbClr val="92D050"/>
-                </a:solidFill>
-                <a:latin typeface="Microsoft YaHei" charset="-122"/>
-                <a:ea typeface="Microsoft YaHei" charset="-122"/>
-                <a:cs typeface="Microsoft YaHei" charset="-122"/>
-              </a:rPr>
-              <a:t/>
-            </a:r>
-            <a:br>
-              <a:rPr kumimoji="1" lang="en-US" altLang="zh-CN" sz="3200" b="1" dirty="0">
-                <a:solidFill>
-                  <a:srgbClr val="92D050"/>
-                </a:solidFill>
-                <a:latin typeface="Microsoft YaHei" charset="-122"/>
-                <a:ea typeface="Microsoft YaHei" charset="-122"/>
-                <a:cs typeface="Microsoft YaHei" charset="-122"/>
-              </a:rPr>
-            </a:br>
-            <a:endParaRPr kumimoji="1" lang="zh-CN" altLang="en-US" sz="3200" b="1" dirty="0">
-              <a:solidFill>
-                <a:srgbClr val="92D050"/>
-              </a:solidFill>
-              <a:latin typeface="Microsoft YaHei" charset="-122"/>
-              <a:ea typeface="Microsoft YaHei" charset="-122"/>
-              <a:cs typeface="Microsoft YaHei" charset="-122"/>
-            </a:endParaRPr>
-          </a:p>
-        </p:txBody>
-      </p:sp>
-      <p:sp>
-        <p:nvSpPr>
-          <p:cNvPr id="3" name="内容占位符 2"/>
-          <p:cNvSpPr>
-            <a:spLocks noGrp="1"/>
-          </p:cNvSpPr>
-          <p:nvPr>
-            <p:ph idx="1"/>
-          </p:nvPr>
-        </p:nvSpPr>
-        <p:spPr>
-          <a:xfrm>
-            <a:off x="628651" y="1126273"/>
-            <a:ext cx="3775612" cy="5050690"/>
-          </a:xfrm>
-        </p:spPr>
-        <p:txBody>
-          <a:bodyPr>
-            <a:normAutofit fontScale="55000" lnSpcReduction="20000"/>
-          </a:bodyPr>
-          <a:lstStyle/>
-          <a:p>
-            <a:pPr marL="0" indent="0">
+            <a:pPr marL="457200" lvl="1" indent="0">
               <a:buNone/>
             </a:pPr>
             <a:r>
-              <a:rPr lang="pt-BR" altLang="pt-BR" sz="2500" dirty="0">
-                <a:solidFill>
-                  <a:srgbClr val="212121"/>
-                </a:solidFill>
-                <a:latin typeface="Arial Unicode MS"/>
-              </a:rPr>
-              <a:t>[TRIM5alpha (TRIM5) gene, complete </a:t>
-            </a:r>
-            <a:r>
-              <a:rPr lang="pt-BR" altLang="pt-BR" sz="2500" dirty="0" err="1">
-                <a:solidFill>
-                  <a:srgbClr val="212121"/>
-                </a:solidFill>
-                <a:latin typeface="Arial Unicode MS"/>
-              </a:rPr>
-              <a:t>cds</a:t>
-            </a:r>
-            <a:r>
-              <a:rPr lang="pt-BR" altLang="pt-BR" sz="2500" dirty="0">
-                <a:solidFill>
-                  <a:srgbClr val="212121"/>
-                </a:solidFill>
-                <a:latin typeface="Arial Unicode MS"/>
-              </a:rPr>
-              <a:t>']</a:t>
-            </a:r>
-            <a:endParaRPr lang="pt-BR" altLang="pt-BR" sz="4400" dirty="0">
-              <a:latin typeface="Arial" panose="020B0604020202020204" pitchFamily="34" charset="0"/>
-            </a:endParaRPr>
-          </a:p>
-          <a:p>
-            <a:pPr marL="0" indent="0">
-              <a:buNone/>
-            </a:pPr>
-            <a:r>
-              <a:rPr lang="pt-BR" altLang="pt-BR" sz="2500" dirty="0" err="1" smtClean="0">
-                <a:solidFill>
-                  <a:srgbClr val="212121"/>
-                </a:solidFill>
-                <a:latin typeface="Arial Unicode MS"/>
-              </a:rPr>
-              <a:t>Chlorocebus</a:t>
-            </a:r>
-            <a:r>
-              <a:rPr lang="pt-BR" altLang="pt-BR" sz="2500" dirty="0" smtClean="0">
-                <a:solidFill>
-                  <a:srgbClr val="212121"/>
-                </a:solidFill>
-                <a:latin typeface="Arial Unicode MS"/>
+              <a:rPr lang="pt-BR" altLang="pt-BR" sz="2100" dirty="0" err="1" smtClean="0">
+                <a:solidFill>
+                  <a:srgbClr val="212121"/>
+                </a:solidFill>
+              </a:rPr>
+              <a:t>Papio</a:t>
+            </a:r>
+            <a:r>
+              <a:rPr lang="pt-BR" altLang="pt-BR" sz="2100" dirty="0" smtClean="0">
+                <a:solidFill>
+                  <a:srgbClr val="212121"/>
+                </a:solidFill>
               </a:rPr>
               <a:t> </a:t>
             </a:r>
-          </a:p>
-          <a:p>
-            <a:pPr marL="0" indent="0">
-              <a:buNone/>
-            </a:pPr>
-            <a:r>
-              <a:rPr lang="pt-BR" altLang="pt-BR" sz="2500" dirty="0" err="1" smtClean="0">
-                <a:solidFill>
-                  <a:srgbClr val="212121"/>
-                </a:solidFill>
-                <a:latin typeface="Arial Unicode MS"/>
-              </a:rPr>
-              <a:t>Papio</a:t>
-            </a:r>
-            <a:r>
-              <a:rPr lang="pt-BR" altLang="pt-BR" sz="2500" dirty="0" smtClean="0">
-                <a:solidFill>
-                  <a:srgbClr val="212121"/>
-                </a:solidFill>
-                <a:latin typeface="Arial Unicode MS"/>
+            <a:r>
+              <a:rPr lang="pt-BR" altLang="pt-BR" sz="2100" dirty="0" err="1">
+                <a:solidFill>
+                  <a:srgbClr val="212121"/>
+                </a:solidFill>
+              </a:rPr>
+              <a:t>anubis</a:t>
+            </a:r>
+            <a:r>
+              <a:rPr lang="pt-BR" altLang="pt-BR" sz="2100" dirty="0">
+                <a:solidFill>
+                  <a:srgbClr val="212121"/>
+                </a:solidFill>
               </a:rPr>
               <a:t> </a:t>
             </a:r>
-            <a:r>
-              <a:rPr lang="pt-BR" altLang="pt-BR" sz="2500" dirty="0" err="1">
-                <a:solidFill>
-                  <a:srgbClr val="212121"/>
-                </a:solidFill>
-                <a:latin typeface="Arial Unicode MS"/>
-              </a:rPr>
-              <a:t>anubis</a:t>
-            </a:r>
-            <a:r>
-              <a:rPr lang="pt-BR" altLang="pt-BR" sz="2500" dirty="0">
-                <a:solidFill>
-                  <a:srgbClr val="212121"/>
-                </a:solidFill>
-                <a:latin typeface="Arial Unicode MS"/>
-              </a:rPr>
-              <a:t> </a:t>
-            </a:r>
-            <a:endParaRPr lang="pt-BR" altLang="pt-BR" sz="2500" dirty="0" smtClean="0">
+            <a:endParaRPr lang="pt-BR" altLang="pt-BR" sz="2100" dirty="0" smtClean="0">
               <a:solidFill>
                 <a:srgbClr val="212121"/>
               </a:solidFill>
-              <a:latin typeface="Arial Unicode MS"/>
             </a:endParaRPr>
           </a:p>
           <a:p>
-            <a:pPr marL="0" indent="0">
+            <a:pPr marL="457200" lvl="1" indent="0">
               <a:buNone/>
             </a:pPr>
             <a:r>
-              <a:rPr lang="pt-BR" altLang="pt-BR" sz="2500" dirty="0" smtClean="0">
-                <a:solidFill>
-                  <a:srgbClr val="212121"/>
-                </a:solidFill>
-                <a:latin typeface="Arial Unicode MS"/>
+              <a:rPr lang="pt-BR" altLang="pt-BR" sz="2100" dirty="0" smtClean="0">
+                <a:solidFill>
+                  <a:srgbClr val="212121"/>
+                </a:solidFill>
               </a:rPr>
               <a:t>Pan </a:t>
             </a:r>
             <a:r>
-              <a:rPr lang="pt-BR" altLang="pt-BR" sz="2500" dirty="0" err="1">
-                <a:solidFill>
-                  <a:srgbClr val="212121"/>
-                </a:solidFill>
-                <a:latin typeface="Arial Unicode MS"/>
+              <a:rPr lang="pt-BR" altLang="pt-BR" sz="2100" dirty="0" err="1">
+                <a:solidFill>
+                  <a:srgbClr val="212121"/>
+                </a:solidFill>
               </a:rPr>
               <a:t>troglodytes</a:t>
             </a:r>
             <a:r>
-              <a:rPr lang="pt-BR" altLang="pt-BR" sz="2500" dirty="0">
-                <a:solidFill>
-                  <a:srgbClr val="212121"/>
-                </a:solidFill>
-                <a:latin typeface="Arial Unicode MS"/>
+              <a:rPr lang="pt-BR" altLang="pt-BR" sz="2100" dirty="0">
+                <a:solidFill>
+                  <a:srgbClr val="212121"/>
+                </a:solidFill>
               </a:rPr>
               <a:t> </a:t>
             </a:r>
-            <a:endParaRPr lang="pt-BR" altLang="pt-BR" sz="2500" dirty="0" smtClean="0">
+            <a:endParaRPr lang="pt-BR" altLang="pt-BR" sz="2100" dirty="0" smtClean="0">
               <a:solidFill>
                 <a:srgbClr val="212121"/>
               </a:solidFill>
-              <a:latin typeface="Arial Unicode MS"/>
             </a:endParaRPr>
           </a:p>
           <a:p>
-            <a:pPr marL="0" indent="0">
+            <a:pPr marL="457200" lvl="1" indent="0">
               <a:buNone/>
             </a:pPr>
             <a:r>
-              <a:rPr lang="pt-BR" altLang="pt-BR" sz="2500" dirty="0" err="1" smtClean="0">
-                <a:solidFill>
-                  <a:srgbClr val="212121"/>
-                </a:solidFill>
-                <a:latin typeface="Arial Unicode MS"/>
+              <a:rPr lang="pt-BR" altLang="pt-BR" sz="2100" dirty="0" err="1" smtClean="0">
+                <a:solidFill>
+                  <a:srgbClr val="212121"/>
+                </a:solidFill>
               </a:rPr>
               <a:t>Colobus</a:t>
             </a:r>
             <a:r>
-              <a:rPr lang="pt-BR" altLang="pt-BR" sz="2500" dirty="0" smtClean="0">
-                <a:solidFill>
-                  <a:srgbClr val="212121"/>
-                </a:solidFill>
-                <a:latin typeface="Arial Unicode MS"/>
+              <a:rPr lang="pt-BR" altLang="pt-BR" sz="2100" dirty="0" smtClean="0">
+                <a:solidFill>
+                  <a:srgbClr val="212121"/>
+                </a:solidFill>
               </a:rPr>
               <a:t> </a:t>
             </a:r>
             <a:r>
-              <a:rPr lang="pt-BR" altLang="pt-BR" sz="2500" dirty="0" err="1">
-                <a:solidFill>
-                  <a:srgbClr val="212121"/>
-                </a:solidFill>
-                <a:latin typeface="Arial Unicode MS"/>
+              <a:rPr lang="pt-BR" altLang="pt-BR" sz="2100" dirty="0" err="1">
+                <a:solidFill>
+                  <a:srgbClr val="212121"/>
+                </a:solidFill>
               </a:rPr>
               <a:t>guereza</a:t>
             </a:r>
             <a:r>
-              <a:rPr lang="pt-BR" altLang="pt-BR" sz="2500" dirty="0">
-                <a:solidFill>
-                  <a:srgbClr val="212121"/>
-                </a:solidFill>
-                <a:latin typeface="Arial Unicode MS"/>
+              <a:rPr lang="pt-BR" altLang="pt-BR" sz="2100" dirty="0">
+                <a:solidFill>
+                  <a:srgbClr val="212121"/>
+                </a:solidFill>
               </a:rPr>
               <a:t> </a:t>
             </a:r>
-            <a:endParaRPr lang="pt-BR" altLang="pt-BR" sz="2500" dirty="0" smtClean="0">
+            <a:endParaRPr lang="pt-BR" altLang="pt-BR" sz="2100" dirty="0" smtClean="0">
               <a:solidFill>
                 <a:srgbClr val="212121"/>
               </a:solidFill>
-              <a:latin typeface="Arial Unicode MS"/>
             </a:endParaRPr>
           </a:p>
           <a:p>
-            <a:pPr marL="0" indent="0">
+            <a:pPr marL="457200" lvl="1" indent="0">
               <a:buNone/>
             </a:pPr>
             <a:r>
-              <a:rPr lang="pt-BR" altLang="pt-BR" sz="2500" dirty="0" err="1" smtClean="0">
-                <a:solidFill>
-                  <a:srgbClr val="212121"/>
-                </a:solidFill>
-                <a:latin typeface="Arial Unicode MS"/>
+              <a:rPr lang="pt-BR" altLang="pt-BR" sz="2100" dirty="0" err="1" smtClean="0">
+                <a:solidFill>
+                  <a:srgbClr val="212121"/>
+                </a:solidFill>
               </a:rPr>
               <a:t>Pygathrix</a:t>
             </a:r>
             <a:r>
-              <a:rPr lang="pt-BR" altLang="pt-BR" sz="2500" dirty="0" smtClean="0">
-                <a:solidFill>
-                  <a:srgbClr val="212121"/>
-                </a:solidFill>
-                <a:latin typeface="Arial Unicode MS"/>
+              <a:rPr lang="pt-BR" altLang="pt-BR" sz="2100" dirty="0" smtClean="0">
+                <a:solidFill>
+                  <a:srgbClr val="212121"/>
+                </a:solidFill>
               </a:rPr>
               <a:t> </a:t>
             </a:r>
             <a:r>
-              <a:rPr lang="pt-BR" altLang="pt-BR" sz="2500" dirty="0" err="1">
-                <a:solidFill>
-                  <a:srgbClr val="212121"/>
-                </a:solidFill>
-                <a:latin typeface="Arial Unicode MS"/>
+              <a:rPr lang="pt-BR" altLang="pt-BR" sz="2100" dirty="0" err="1">
+                <a:solidFill>
+                  <a:srgbClr val="212121"/>
+                </a:solidFill>
               </a:rPr>
               <a:t>nemaeus</a:t>
             </a:r>
             <a:r>
-              <a:rPr lang="pt-BR" altLang="pt-BR" sz="2500" dirty="0">
-                <a:solidFill>
-                  <a:srgbClr val="212121"/>
-                </a:solidFill>
-                <a:latin typeface="Arial Unicode MS"/>
+              <a:rPr lang="pt-BR" altLang="pt-BR" sz="2100" dirty="0">
+                <a:solidFill>
+                  <a:srgbClr val="212121"/>
+                </a:solidFill>
               </a:rPr>
               <a:t> </a:t>
             </a:r>
-            <a:endParaRPr lang="pt-BR" altLang="pt-BR" sz="2500" dirty="0" smtClean="0">
+            <a:endParaRPr lang="pt-BR" altLang="pt-BR" sz="2100" dirty="0" smtClean="0">
               <a:solidFill>
                 <a:srgbClr val="212121"/>
               </a:solidFill>
-              <a:latin typeface="Arial Unicode MS"/>
             </a:endParaRPr>
           </a:p>
           <a:p>
-            <a:pPr marL="0" indent="0">
+            <a:pPr marL="457200" lvl="1" indent="0">
               <a:buNone/>
             </a:pPr>
             <a:r>
-              <a:rPr lang="pt-BR" altLang="pt-BR" sz="2500" dirty="0" err="1" smtClean="0">
-                <a:solidFill>
-                  <a:srgbClr val="212121"/>
-                </a:solidFill>
-                <a:latin typeface="Arial Unicode MS"/>
+              <a:rPr lang="pt-BR" altLang="pt-BR" sz="2100" dirty="0" err="1" smtClean="0">
+                <a:solidFill>
+                  <a:srgbClr val="212121"/>
+                </a:solidFill>
               </a:rPr>
               <a:t>Symphalangus</a:t>
             </a:r>
             <a:r>
-              <a:rPr lang="pt-BR" altLang="pt-BR" sz="2500" dirty="0" smtClean="0">
-                <a:solidFill>
-                  <a:srgbClr val="212121"/>
-                </a:solidFill>
-                <a:latin typeface="Arial Unicode MS"/>
+              <a:rPr lang="pt-BR" altLang="pt-BR" sz="2100" dirty="0" smtClean="0">
+                <a:solidFill>
+                  <a:srgbClr val="212121"/>
+                </a:solidFill>
               </a:rPr>
               <a:t> </a:t>
             </a:r>
             <a:r>
-              <a:rPr lang="pt-BR" altLang="pt-BR" sz="2500" dirty="0" err="1">
-                <a:solidFill>
-                  <a:srgbClr val="212121"/>
-                </a:solidFill>
-                <a:latin typeface="Arial Unicode MS"/>
+              <a:rPr lang="pt-BR" altLang="pt-BR" sz="2100" dirty="0" err="1">
+                <a:solidFill>
+                  <a:srgbClr val="212121"/>
+                </a:solidFill>
               </a:rPr>
               <a:t>syndactylus</a:t>
             </a:r>
             <a:r>
-              <a:rPr lang="pt-BR" altLang="pt-BR" sz="2500" dirty="0">
-                <a:solidFill>
-                  <a:srgbClr val="212121"/>
-                </a:solidFill>
-                <a:latin typeface="Arial Unicode MS"/>
+              <a:rPr lang="pt-BR" altLang="pt-BR" sz="2100" dirty="0">
+                <a:solidFill>
+                  <a:srgbClr val="212121"/>
+                </a:solidFill>
               </a:rPr>
               <a:t> </a:t>
             </a:r>
-            <a:endParaRPr lang="pt-BR" altLang="pt-BR" sz="2500" dirty="0" smtClean="0">
+            <a:endParaRPr lang="pt-BR" altLang="pt-BR" sz="2100" dirty="0" smtClean="0">
               <a:solidFill>
                 <a:srgbClr val="212121"/>
               </a:solidFill>
-              <a:latin typeface="Arial Unicode MS"/>
             </a:endParaRPr>
           </a:p>
           <a:p>
-            <a:pPr marL="0" indent="0">
+            <a:pPr marL="457200" lvl="1" indent="0">
               <a:buNone/>
             </a:pPr>
             <a:r>
-              <a:rPr lang="pt-BR" altLang="pt-BR" sz="2500" dirty="0" err="1" smtClean="0">
-                <a:solidFill>
-                  <a:srgbClr val="212121"/>
-                </a:solidFill>
-                <a:latin typeface="Arial Unicode MS"/>
+              <a:rPr lang="pt-BR" altLang="pt-BR" sz="2100" dirty="0" err="1" smtClean="0">
+                <a:solidFill>
+                  <a:srgbClr val="212121"/>
+                </a:solidFill>
               </a:rPr>
               <a:t>Gorilla</a:t>
             </a:r>
             <a:r>
-              <a:rPr lang="pt-BR" altLang="pt-BR" sz="2500" dirty="0" smtClean="0">
-                <a:solidFill>
-                  <a:srgbClr val="212121"/>
-                </a:solidFill>
-                <a:latin typeface="Arial Unicode MS"/>
+              <a:rPr lang="pt-BR" altLang="pt-BR" sz="2100" dirty="0" smtClean="0">
+                <a:solidFill>
+                  <a:srgbClr val="212121"/>
+                </a:solidFill>
               </a:rPr>
               <a:t> </a:t>
             </a:r>
             <a:r>
-              <a:rPr lang="pt-BR" altLang="pt-BR" sz="2500" dirty="0" err="1">
-                <a:solidFill>
-                  <a:srgbClr val="212121"/>
-                </a:solidFill>
-                <a:latin typeface="Arial Unicode MS"/>
+              <a:rPr lang="pt-BR" altLang="pt-BR" sz="2100" dirty="0" err="1">
+                <a:solidFill>
+                  <a:srgbClr val="212121"/>
+                </a:solidFill>
               </a:rPr>
               <a:t>gorilla</a:t>
             </a:r>
             <a:r>
-              <a:rPr lang="pt-BR" altLang="pt-BR" sz="2500" dirty="0">
-                <a:solidFill>
-                  <a:srgbClr val="212121"/>
-                </a:solidFill>
-                <a:latin typeface="Arial Unicode MS"/>
+              <a:rPr lang="pt-BR" altLang="pt-BR" sz="2100" dirty="0">
+                <a:solidFill>
+                  <a:srgbClr val="212121"/>
+                </a:solidFill>
               </a:rPr>
               <a:t> </a:t>
             </a:r>
-            <a:endParaRPr lang="pt-BR" altLang="pt-BR" sz="2500" dirty="0" smtClean="0">
+            <a:endParaRPr lang="pt-BR" altLang="pt-BR" sz="2100" dirty="0" smtClean="0">
               <a:solidFill>
                 <a:srgbClr val="212121"/>
               </a:solidFill>
-              <a:latin typeface="Arial Unicode MS"/>
             </a:endParaRPr>
           </a:p>
           <a:p>
-            <a:pPr marL="0" indent="0">
+            <a:pPr marL="457200" lvl="1" indent="0">
               <a:buNone/>
             </a:pPr>
             <a:r>
-              <a:rPr lang="pt-BR" altLang="pt-BR" sz="2500" dirty="0" err="1" smtClean="0">
-                <a:solidFill>
-                  <a:srgbClr val="212121"/>
-                </a:solidFill>
-                <a:latin typeface="Arial Unicode MS"/>
+              <a:rPr lang="pt-BR" altLang="pt-BR" sz="2100" dirty="0" err="1" smtClean="0">
+                <a:solidFill>
+                  <a:srgbClr val="212121"/>
+                </a:solidFill>
               </a:rPr>
               <a:t>Alouatta</a:t>
             </a:r>
             <a:r>
-              <a:rPr lang="pt-BR" altLang="pt-BR" sz="2500" dirty="0" smtClean="0">
-                <a:solidFill>
-                  <a:srgbClr val="212121"/>
-                </a:solidFill>
-                <a:latin typeface="Arial Unicode MS"/>
+              <a:rPr lang="pt-BR" altLang="pt-BR" sz="2100" dirty="0" smtClean="0">
+                <a:solidFill>
+                  <a:srgbClr val="212121"/>
+                </a:solidFill>
               </a:rPr>
               <a:t> </a:t>
             </a:r>
             <a:r>
-              <a:rPr lang="pt-BR" altLang="pt-BR" sz="2500" dirty="0">
-                <a:solidFill>
-                  <a:srgbClr val="212121"/>
-                </a:solidFill>
-                <a:latin typeface="Arial Unicode MS"/>
+              <a:rPr lang="pt-BR" altLang="pt-BR" sz="2100" dirty="0">
+                <a:solidFill>
+                  <a:srgbClr val="212121"/>
+                </a:solidFill>
               </a:rPr>
               <a:t>sara </a:t>
             </a:r>
-            <a:endParaRPr lang="pt-BR" altLang="pt-BR" sz="2500" dirty="0" smtClean="0">
+            <a:endParaRPr lang="pt-BR" altLang="pt-BR" sz="2100" dirty="0" smtClean="0">
               <a:solidFill>
                 <a:srgbClr val="212121"/>
               </a:solidFill>
-              <a:latin typeface="Arial Unicode MS"/>
             </a:endParaRPr>
           </a:p>
           <a:p>
-            <a:pPr marL="0" indent="0">
+            <a:pPr marL="457200" lvl="1" indent="0">
               <a:buNone/>
             </a:pPr>
             <a:r>
-              <a:rPr lang="pt-BR" altLang="pt-BR" sz="2500" dirty="0" err="1" smtClean="0">
-                <a:solidFill>
-                  <a:srgbClr val="212121"/>
-                </a:solidFill>
-                <a:latin typeface="Arial Unicode MS"/>
+              <a:rPr lang="pt-BR" altLang="pt-BR" sz="2100" dirty="0" err="1" smtClean="0">
+                <a:solidFill>
+                  <a:srgbClr val="212121"/>
+                </a:solidFill>
               </a:rPr>
               <a:t>Callithrix</a:t>
             </a:r>
             <a:r>
-              <a:rPr lang="pt-BR" altLang="pt-BR" sz="2500" dirty="0" smtClean="0">
-                <a:solidFill>
-                  <a:srgbClr val="212121"/>
-                </a:solidFill>
-                <a:latin typeface="Arial Unicode MS"/>
+              <a:rPr lang="pt-BR" altLang="pt-BR" sz="2100" dirty="0" smtClean="0">
+                <a:solidFill>
+                  <a:srgbClr val="212121"/>
+                </a:solidFill>
               </a:rPr>
               <a:t> </a:t>
             </a:r>
             <a:r>
-              <a:rPr lang="pt-BR" altLang="pt-BR" sz="2500" dirty="0" err="1">
-                <a:solidFill>
-                  <a:srgbClr val="212121"/>
-                </a:solidFill>
-                <a:latin typeface="Arial Unicode MS"/>
+              <a:rPr lang="pt-BR" altLang="pt-BR" sz="2100" dirty="0" err="1">
+                <a:solidFill>
+                  <a:srgbClr val="212121"/>
+                </a:solidFill>
               </a:rPr>
               <a:t>pygmaea</a:t>
             </a:r>
             <a:r>
-              <a:rPr lang="pt-BR" altLang="pt-BR" sz="2500" dirty="0">
-                <a:solidFill>
-                  <a:srgbClr val="212121"/>
-                </a:solidFill>
-                <a:latin typeface="Arial Unicode MS"/>
+              <a:rPr lang="pt-BR" altLang="pt-BR" sz="2100" dirty="0">
+                <a:solidFill>
+                  <a:srgbClr val="212121"/>
+                </a:solidFill>
               </a:rPr>
               <a:t> </a:t>
             </a:r>
-            <a:endParaRPr lang="pt-BR" altLang="pt-BR" sz="2500" dirty="0" smtClean="0">
+            <a:endParaRPr lang="pt-BR" altLang="pt-BR" sz="2100" dirty="0" smtClean="0">
               <a:solidFill>
                 <a:srgbClr val="212121"/>
               </a:solidFill>
-              <a:latin typeface="Arial Unicode MS"/>
             </a:endParaRPr>
           </a:p>
           <a:p>
-            <a:pPr marL="0" indent="0">
+            <a:pPr marL="457200" lvl="1" indent="0">
               <a:buNone/>
             </a:pPr>
             <a:r>
-              <a:rPr lang="pt-BR" altLang="pt-BR" sz="2500" dirty="0" smtClean="0">
-                <a:solidFill>
-                  <a:srgbClr val="212121"/>
-                </a:solidFill>
-                <a:latin typeface="Arial Unicode MS"/>
+              <a:rPr lang="pt-BR" altLang="pt-BR" sz="2100" dirty="0" smtClean="0">
+                <a:solidFill>
+                  <a:srgbClr val="212121"/>
+                </a:solidFill>
               </a:rPr>
               <a:t>Pongo </a:t>
             </a:r>
             <a:r>
-              <a:rPr lang="pt-BR" altLang="pt-BR" sz="2500" dirty="0" err="1">
-                <a:solidFill>
-                  <a:srgbClr val="212121"/>
-                </a:solidFill>
-                <a:latin typeface="Arial Unicode MS"/>
+              <a:rPr lang="pt-BR" altLang="pt-BR" sz="2100" dirty="0" err="1">
+                <a:solidFill>
+                  <a:srgbClr val="212121"/>
+                </a:solidFill>
               </a:rPr>
               <a:t>pygmaeus</a:t>
             </a:r>
             <a:r>
-              <a:rPr lang="pt-BR" altLang="pt-BR" sz="2500" dirty="0">
-                <a:solidFill>
-                  <a:srgbClr val="212121"/>
-                </a:solidFill>
-                <a:latin typeface="Arial Unicode MS"/>
+              <a:rPr lang="pt-BR" altLang="pt-BR" sz="2100" dirty="0">
+                <a:solidFill>
+                  <a:srgbClr val="212121"/>
+                </a:solidFill>
               </a:rPr>
               <a:t> </a:t>
             </a:r>
-            <a:endParaRPr lang="pt-BR" altLang="pt-BR" sz="2500" dirty="0" smtClean="0">
+            <a:endParaRPr lang="pt-BR" altLang="pt-BR" sz="2100" dirty="0" smtClean="0">
               <a:solidFill>
                 <a:srgbClr val="212121"/>
               </a:solidFill>
-              <a:latin typeface="Arial Unicode MS"/>
             </a:endParaRPr>
           </a:p>
           <a:p>
-            <a:pPr marL="0" indent="0">
+            <a:pPr marL="457200" lvl="1" indent="0">
               <a:buNone/>
             </a:pPr>
             <a:r>
-              <a:rPr lang="pt-BR" altLang="pt-BR" sz="2500" dirty="0" err="1" smtClean="0">
-                <a:solidFill>
-                  <a:srgbClr val="212121"/>
-                </a:solidFill>
-                <a:latin typeface="Arial Unicode MS"/>
+              <a:rPr lang="pt-BR" altLang="pt-BR" sz="2100" dirty="0" err="1" smtClean="0">
+                <a:solidFill>
+                  <a:srgbClr val="212121"/>
+                </a:solidFill>
               </a:rPr>
               <a:t>Erythrocebus</a:t>
             </a:r>
             <a:r>
-              <a:rPr lang="pt-BR" altLang="pt-BR" sz="2500" dirty="0" smtClean="0">
-                <a:solidFill>
-                  <a:srgbClr val="212121"/>
-                </a:solidFill>
-                <a:latin typeface="Arial Unicode MS"/>
+              <a:rPr lang="pt-BR" altLang="pt-BR" sz="2100" dirty="0" smtClean="0">
+                <a:solidFill>
+                  <a:srgbClr val="212121"/>
+                </a:solidFill>
               </a:rPr>
               <a:t> </a:t>
             </a:r>
             <a:r>
-              <a:rPr lang="pt-BR" altLang="pt-BR" sz="2500" dirty="0">
-                <a:solidFill>
-                  <a:srgbClr val="212121"/>
-                </a:solidFill>
-                <a:latin typeface="Arial Unicode MS"/>
+              <a:rPr lang="pt-BR" altLang="pt-BR" sz="2100" dirty="0">
+                <a:solidFill>
+                  <a:srgbClr val="212121"/>
+                </a:solidFill>
               </a:rPr>
               <a:t>patas </a:t>
             </a:r>
-            <a:endParaRPr lang="pt-BR" altLang="pt-BR" sz="2500" dirty="0" smtClean="0">
+            <a:endParaRPr lang="pt-BR" altLang="pt-BR" sz="2100" dirty="0" smtClean="0">
               <a:solidFill>
                 <a:srgbClr val="212121"/>
               </a:solidFill>
-              <a:latin typeface="Arial Unicode MS"/>
             </a:endParaRPr>
           </a:p>
           <a:p>
-            <a:pPr marL="0" indent="0">
+            <a:pPr marL="457200" lvl="1" indent="0">
               <a:buNone/>
             </a:pPr>
             <a:r>
-              <a:rPr lang="pt-BR" altLang="pt-BR" sz="2500" dirty="0" err="1" smtClean="0">
-                <a:solidFill>
-                  <a:srgbClr val="212121"/>
-                </a:solidFill>
-                <a:latin typeface="Arial Unicode MS"/>
+              <a:rPr lang="pt-BR" altLang="pt-BR" sz="2100" dirty="0" err="1" smtClean="0">
+                <a:solidFill>
+                  <a:srgbClr val="212121"/>
+                </a:solidFill>
               </a:rPr>
               <a:t>Pithecia</a:t>
             </a:r>
             <a:r>
-              <a:rPr lang="pt-BR" altLang="pt-BR" sz="2500" dirty="0" smtClean="0">
-                <a:solidFill>
-                  <a:srgbClr val="212121"/>
-                </a:solidFill>
-                <a:latin typeface="Arial Unicode MS"/>
+              <a:rPr lang="pt-BR" altLang="pt-BR" sz="2100" dirty="0" smtClean="0">
+                <a:solidFill>
+                  <a:srgbClr val="212121"/>
+                </a:solidFill>
               </a:rPr>
               <a:t> </a:t>
             </a:r>
             <a:r>
-              <a:rPr lang="pt-BR" altLang="pt-BR" sz="2500" dirty="0" err="1">
-                <a:solidFill>
-                  <a:srgbClr val="212121"/>
-                </a:solidFill>
-                <a:latin typeface="Arial Unicode MS"/>
+              <a:rPr lang="pt-BR" altLang="pt-BR" sz="2100" dirty="0" err="1">
+                <a:solidFill>
+                  <a:srgbClr val="212121"/>
+                </a:solidFill>
               </a:rPr>
               <a:t>pithecia</a:t>
             </a:r>
             <a:r>
-              <a:rPr lang="pt-BR" altLang="pt-BR" sz="2500" dirty="0">
-                <a:solidFill>
-                  <a:srgbClr val="212121"/>
-                </a:solidFill>
-                <a:latin typeface="Arial Unicode MS"/>
+              <a:rPr lang="pt-BR" altLang="pt-BR" sz="2100" dirty="0">
+                <a:solidFill>
+                  <a:srgbClr val="212121"/>
+                </a:solidFill>
               </a:rPr>
               <a:t> </a:t>
             </a:r>
-            <a:endParaRPr lang="pt-BR" altLang="pt-BR" sz="2500" dirty="0" smtClean="0">
+            <a:endParaRPr lang="pt-BR" altLang="pt-BR" sz="2100" dirty="0" smtClean="0">
               <a:solidFill>
                 <a:srgbClr val="212121"/>
               </a:solidFill>
-              <a:latin typeface="Arial Unicode MS"/>
             </a:endParaRPr>
           </a:p>
           <a:p>
-            <a:pPr marL="0" indent="0">
+            <a:pPr marL="457200" lvl="1" indent="0">
               <a:buNone/>
             </a:pPr>
             <a:r>
-              <a:rPr lang="pt-BR" altLang="pt-BR" sz="2500" dirty="0" err="1" smtClean="0">
-                <a:solidFill>
-                  <a:srgbClr val="212121"/>
-                </a:solidFill>
-                <a:latin typeface="Arial Unicode MS"/>
+              <a:rPr lang="pt-BR" altLang="pt-BR" sz="2100" dirty="0" err="1" smtClean="0">
+                <a:solidFill>
+                  <a:srgbClr val="212121"/>
+                </a:solidFill>
               </a:rPr>
               <a:t>Ateles</a:t>
             </a:r>
             <a:r>
-              <a:rPr lang="pt-BR" altLang="pt-BR" sz="2500" dirty="0" smtClean="0">
-                <a:solidFill>
-                  <a:srgbClr val="212121"/>
-                </a:solidFill>
-                <a:latin typeface="Arial Unicode MS"/>
+              <a:rPr lang="pt-BR" altLang="pt-BR" sz="2100" dirty="0" smtClean="0">
+                <a:solidFill>
+                  <a:srgbClr val="212121"/>
+                </a:solidFill>
               </a:rPr>
               <a:t> </a:t>
             </a:r>
             <a:r>
-              <a:rPr lang="pt-BR" altLang="pt-BR" sz="2500" dirty="0" err="1">
-                <a:solidFill>
-                  <a:srgbClr val="212121"/>
-                </a:solidFill>
-                <a:latin typeface="Arial Unicode MS"/>
+              <a:rPr lang="pt-BR" altLang="pt-BR" sz="2100" dirty="0" err="1">
+                <a:solidFill>
+                  <a:srgbClr val="212121"/>
+                </a:solidFill>
               </a:rPr>
               <a:t>geoffroyi</a:t>
             </a:r>
             <a:r>
-              <a:rPr lang="pt-BR" altLang="pt-BR" sz="2500" dirty="0">
-                <a:solidFill>
-                  <a:srgbClr val="212121"/>
-                </a:solidFill>
-                <a:latin typeface="Arial Unicode MS"/>
+              <a:rPr lang="pt-BR" altLang="pt-BR" sz="2100" dirty="0">
+                <a:solidFill>
+                  <a:srgbClr val="212121"/>
+                </a:solidFill>
               </a:rPr>
               <a:t> </a:t>
             </a:r>
-            <a:endParaRPr lang="pt-BR" altLang="pt-BR" sz="2500" dirty="0" smtClean="0">
+            <a:endParaRPr lang="pt-BR" altLang="pt-BR" sz="2100" dirty="0" smtClean="0">
               <a:solidFill>
                 <a:srgbClr val="212121"/>
               </a:solidFill>
-              <a:latin typeface="Arial Unicode MS"/>
             </a:endParaRPr>
           </a:p>
           <a:p>
-            <a:pPr marL="0" indent="0">
+            <a:pPr marL="457200" lvl="1" indent="0">
               <a:buNone/>
             </a:pPr>
             <a:r>
-              <a:rPr lang="pt-BR" altLang="pt-BR" sz="2500" dirty="0" err="1" smtClean="0">
-                <a:solidFill>
-                  <a:srgbClr val="212121"/>
-                </a:solidFill>
-                <a:latin typeface="Arial Unicode MS"/>
+              <a:rPr lang="pt-BR" altLang="pt-BR" sz="2100" dirty="0" err="1" smtClean="0">
+                <a:solidFill>
+                  <a:srgbClr val="212121"/>
+                </a:solidFill>
               </a:rPr>
               <a:t>Saimiri</a:t>
             </a:r>
             <a:r>
-              <a:rPr lang="pt-BR" altLang="pt-BR" sz="2500" dirty="0" smtClean="0">
-                <a:solidFill>
-                  <a:srgbClr val="212121"/>
-                </a:solidFill>
-                <a:latin typeface="Arial Unicode MS"/>
+              <a:rPr lang="pt-BR" altLang="pt-BR" sz="2100" dirty="0" smtClean="0">
+                <a:solidFill>
+                  <a:srgbClr val="212121"/>
+                </a:solidFill>
               </a:rPr>
               <a:t> </a:t>
             </a:r>
             <a:r>
-              <a:rPr lang="pt-BR" altLang="pt-BR" sz="2500" dirty="0" err="1">
-                <a:solidFill>
-                  <a:srgbClr val="212121"/>
-                </a:solidFill>
-                <a:latin typeface="Arial Unicode MS"/>
+              <a:rPr lang="pt-BR" altLang="pt-BR" sz="2100" dirty="0" err="1">
+                <a:solidFill>
+                  <a:srgbClr val="212121"/>
+                </a:solidFill>
               </a:rPr>
               <a:t>sciureus</a:t>
             </a:r>
             <a:r>
-              <a:rPr lang="pt-BR" altLang="pt-BR" sz="2500" dirty="0">
-                <a:solidFill>
-                  <a:srgbClr val="212121"/>
-                </a:solidFill>
-                <a:latin typeface="Arial Unicode MS"/>
+              <a:rPr lang="pt-BR" altLang="pt-BR" sz="2100" dirty="0">
+                <a:solidFill>
+                  <a:srgbClr val="212121"/>
+                </a:solidFill>
               </a:rPr>
               <a:t> </a:t>
             </a:r>
-            <a:endParaRPr lang="pt-BR" altLang="pt-BR" sz="2500" dirty="0" smtClean="0">
+            <a:endParaRPr lang="pt-BR" altLang="pt-BR" sz="2100" dirty="0" smtClean="0">
               <a:solidFill>
                 <a:srgbClr val="212121"/>
               </a:solidFill>
-              <a:latin typeface="Arial Unicode MS"/>
             </a:endParaRPr>
           </a:p>
           <a:p>
-            <a:pPr marL="0" indent="0">
+            <a:pPr marL="457200" lvl="1" indent="0">
               <a:buNone/>
             </a:pPr>
             <a:r>
-              <a:rPr lang="pt-BR" altLang="pt-BR" sz="2500" dirty="0" err="1" smtClean="0">
-                <a:solidFill>
-                  <a:srgbClr val="212121"/>
-                </a:solidFill>
-                <a:latin typeface="Arial Unicode MS"/>
+              <a:rPr lang="pt-BR" altLang="pt-BR" sz="2100" dirty="0" err="1" smtClean="0">
+                <a:solidFill>
+                  <a:srgbClr val="212121"/>
+                </a:solidFill>
               </a:rPr>
               <a:t>Saguinus</a:t>
             </a:r>
             <a:r>
-              <a:rPr lang="pt-BR" altLang="pt-BR" sz="2500" dirty="0" smtClean="0">
-                <a:solidFill>
-                  <a:srgbClr val="212121"/>
-                </a:solidFill>
-                <a:latin typeface="Arial Unicode MS"/>
+              <a:rPr lang="pt-BR" altLang="pt-BR" sz="2100" dirty="0" smtClean="0">
+                <a:solidFill>
+                  <a:srgbClr val="212121"/>
+                </a:solidFill>
               </a:rPr>
               <a:t> </a:t>
             </a:r>
             <a:r>
-              <a:rPr lang="pt-BR" altLang="pt-BR" sz="2500" dirty="0" err="1">
-                <a:solidFill>
-                  <a:srgbClr val="212121"/>
-                </a:solidFill>
-                <a:latin typeface="Arial Unicode MS"/>
+              <a:rPr lang="pt-BR" altLang="pt-BR" sz="2100" dirty="0" err="1">
+                <a:solidFill>
+                  <a:srgbClr val="212121"/>
+                </a:solidFill>
               </a:rPr>
               <a:t>labiatus</a:t>
             </a:r>
             <a:r>
-              <a:rPr lang="pt-BR" altLang="pt-BR" sz="2500" dirty="0">
-                <a:solidFill>
-                  <a:srgbClr val="212121"/>
-                </a:solidFill>
-                <a:latin typeface="Arial Unicode MS"/>
+              <a:rPr lang="pt-BR" altLang="pt-BR" sz="2100" dirty="0">
+                <a:solidFill>
+                  <a:srgbClr val="212121"/>
+                </a:solidFill>
               </a:rPr>
               <a:t> </a:t>
             </a:r>
-            <a:endParaRPr lang="pt-BR" altLang="pt-BR" sz="2500" dirty="0" smtClean="0">
+            <a:endParaRPr lang="pt-BR" altLang="pt-BR" sz="2100" dirty="0" smtClean="0">
               <a:solidFill>
                 <a:srgbClr val="212121"/>
               </a:solidFill>
-              <a:latin typeface="Arial Unicode MS"/>
             </a:endParaRPr>
           </a:p>
           <a:p>
-            <a:pPr marL="0" indent="0">
+            <a:pPr marL="457200" lvl="1" indent="0">
               <a:buNone/>
             </a:pPr>
             <a:r>
-              <a:rPr lang="pt-BR" altLang="pt-BR" sz="2500" dirty="0" err="1" smtClean="0">
-                <a:solidFill>
-                  <a:srgbClr val="212121"/>
-                </a:solidFill>
-                <a:latin typeface="Arial Unicode MS"/>
+              <a:rPr lang="pt-BR" altLang="pt-BR" sz="2100" dirty="0" err="1" smtClean="0">
+                <a:solidFill>
+                  <a:srgbClr val="212121"/>
+                </a:solidFill>
               </a:rPr>
               <a:t>Callicebus</a:t>
             </a:r>
             <a:r>
-              <a:rPr lang="pt-BR" altLang="pt-BR" sz="2500" dirty="0" smtClean="0">
-                <a:solidFill>
-                  <a:srgbClr val="212121"/>
-                </a:solidFill>
-                <a:latin typeface="Arial Unicode MS"/>
+              <a:rPr lang="pt-BR" altLang="pt-BR" sz="2100" dirty="0" smtClean="0">
+                <a:solidFill>
+                  <a:srgbClr val="212121"/>
+                </a:solidFill>
               </a:rPr>
               <a:t> </a:t>
             </a:r>
             <a:r>
-              <a:rPr lang="pt-BR" altLang="pt-BR" sz="2500" dirty="0" err="1">
-                <a:solidFill>
-                  <a:srgbClr val="212121"/>
-                </a:solidFill>
-                <a:latin typeface="Arial Unicode MS"/>
+              <a:rPr lang="pt-BR" altLang="pt-BR" sz="2100" dirty="0" err="1">
+                <a:solidFill>
+                  <a:srgbClr val="212121"/>
+                </a:solidFill>
               </a:rPr>
               <a:t>donacophilus</a:t>
             </a:r>
             <a:r>
-              <a:rPr lang="pt-BR" altLang="pt-BR" sz="2500" dirty="0">
-                <a:solidFill>
-                  <a:srgbClr val="212121"/>
-                </a:solidFill>
-                <a:latin typeface="Arial Unicode MS"/>
+              <a:rPr lang="pt-BR" altLang="pt-BR" sz="2100" dirty="0">
+                <a:solidFill>
+                  <a:srgbClr val="212121"/>
+                </a:solidFill>
               </a:rPr>
               <a:t> </a:t>
             </a:r>
-            <a:endParaRPr lang="pt-BR" altLang="pt-BR" sz="2500" dirty="0" smtClean="0">
+            <a:endParaRPr lang="pt-BR" altLang="pt-BR" sz="2100" dirty="0" smtClean="0">
               <a:solidFill>
                 <a:srgbClr val="212121"/>
               </a:solidFill>
-              <a:latin typeface="Arial Unicode MS"/>
             </a:endParaRPr>
           </a:p>
           <a:p>
-            <a:pPr marL="0" indent="0">
+            <a:pPr marL="457200" lvl="1" indent="0">
               <a:buNone/>
             </a:pPr>
             <a:r>
-              <a:rPr lang="pt-BR" altLang="pt-BR" sz="2500" dirty="0" err="1" smtClean="0">
-                <a:solidFill>
-                  <a:srgbClr val="212121"/>
-                </a:solidFill>
-                <a:latin typeface="Arial Unicode MS"/>
+              <a:rPr lang="pt-BR" altLang="pt-BR" sz="2100" dirty="0" err="1" smtClean="0">
+                <a:solidFill>
+                  <a:srgbClr val="212121"/>
+                </a:solidFill>
               </a:rPr>
               <a:t>Lagothrix</a:t>
             </a:r>
             <a:r>
-              <a:rPr lang="pt-BR" altLang="pt-BR" sz="2500" dirty="0" smtClean="0">
-                <a:solidFill>
-                  <a:srgbClr val="212121"/>
-                </a:solidFill>
-                <a:latin typeface="Arial Unicode MS"/>
+              <a:rPr lang="pt-BR" altLang="pt-BR" sz="2100" dirty="0" smtClean="0">
+                <a:solidFill>
+                  <a:srgbClr val="212121"/>
+                </a:solidFill>
               </a:rPr>
               <a:t> </a:t>
             </a:r>
             <a:r>
-              <a:rPr lang="pt-BR" altLang="pt-BR" sz="2500" dirty="0" err="1">
-                <a:solidFill>
-                  <a:srgbClr val="212121"/>
-                </a:solidFill>
-                <a:latin typeface="Arial Unicode MS"/>
+              <a:rPr lang="pt-BR" altLang="pt-BR" sz="2100" dirty="0" err="1">
+                <a:solidFill>
+                  <a:srgbClr val="212121"/>
+                </a:solidFill>
               </a:rPr>
               <a:t>lagotricha</a:t>
             </a:r>
             <a:r>
-              <a:rPr lang="pt-BR" altLang="pt-BR" sz="2500" dirty="0">
-                <a:solidFill>
-                  <a:srgbClr val="212121"/>
-                </a:solidFill>
-                <a:latin typeface="Arial Unicode MS"/>
+              <a:rPr lang="pt-BR" altLang="pt-BR" sz="2100" dirty="0">
+                <a:solidFill>
+                  <a:srgbClr val="212121"/>
+                </a:solidFill>
               </a:rPr>
               <a:t> </a:t>
             </a:r>
-            <a:endParaRPr lang="pt-BR" altLang="pt-BR" sz="2500" dirty="0" smtClean="0">
+            <a:endParaRPr lang="pt-BR" altLang="pt-BR" sz="2100" dirty="0" smtClean="0">
               <a:solidFill>
                 <a:srgbClr val="212121"/>
               </a:solidFill>
-              <a:latin typeface="Arial Unicode MS"/>
             </a:endParaRPr>
           </a:p>
           <a:p>
@@ -5402,7 +4826,7 @@
           <p:cNvPr id="9" name="CaixaDeTexto 8">
             <a:extLst>
               <a:ext uri="{FF2B5EF4-FFF2-40B4-BE49-F238E27FC236}">
-                <a16:creationId xmlns:a16="http://schemas.microsoft.com/office/drawing/2014/main" id="{5D3AC729-8782-469A-AA45-E9693900FE78}"/>
+                <a16:creationId xmlns:a16="http://schemas.microsoft.com/office/drawing/2014/main" xmlns="" id="{5D3AC729-8782-469A-AA45-E9693900FE78}"/>
               </a:ext>
             </a:extLst>
           </p:cNvPr>
@@ -5558,6 +4982,326 @@
   <p:clrMapOvr>
     <a:masterClrMapping/>
   </p:clrMapOvr>
+  <p:timing>
+    <p:tnLst>
+      <p:par>
+        <p:cTn id="1" dur="indefinite" restart="never" nodeType="tmRoot"/>
+      </p:par>
+    </p:tnLst>
+  </p:timing>
+</p:sld>
+</file>
+
+<file path=ppt/slides/slide5.xml><?xml version="1.0" encoding="utf-8"?>
+<p:sld xmlns:a="http://schemas.openxmlformats.org/drawingml/2006/main" xmlns:r="http://schemas.openxmlformats.org/officeDocument/2006/relationships" xmlns:p="http://schemas.openxmlformats.org/presentationml/2006/main">
+  <p:cSld>
+    <p:spTree>
+      <p:nvGrpSpPr>
+        <p:cNvPr id="1" name=""/>
+        <p:cNvGrpSpPr/>
+        <p:nvPr/>
+      </p:nvGrpSpPr>
+      <p:grpSpPr>
+        <a:xfrm>
+          <a:off x="0" y="0"/>
+          <a:ext cx="0" cy="0"/>
+          <a:chOff x="0" y="0"/>
+          <a:chExt cx="0" cy="0"/>
+        </a:xfrm>
+      </p:grpSpPr>
+      <p:sp>
+        <p:nvSpPr>
+          <p:cNvPr id="2" name="标题 1"/>
+          <p:cNvSpPr>
+            <a:spLocks noGrp="1"/>
+          </p:cNvSpPr>
+          <p:nvPr>
+            <p:ph type="title"/>
+          </p:nvPr>
+        </p:nvSpPr>
+        <p:spPr/>
+        <p:txBody>
+          <a:bodyPr>
+            <a:normAutofit/>
+          </a:bodyPr>
+          <a:lstStyle/>
+          <a:p>
+            <a:r>
+              <a:rPr kumimoji="1" lang="pt-BR" altLang="zh-CN" sz="3200" b="1" dirty="0" smtClean="0">
+                <a:solidFill>
+                  <a:srgbClr val="92D050"/>
+                </a:solidFill>
+                <a:latin typeface="Microsoft YaHei" charset="-122"/>
+                <a:ea typeface="Microsoft YaHei" charset="-122"/>
+                <a:cs typeface="Microsoft YaHei" charset="-122"/>
+              </a:rPr>
+              <a:t>Fasta </a:t>
+            </a:r>
+            <a:r>
+              <a:rPr kumimoji="1" lang="pt-BR" altLang="zh-CN" sz="3200" b="1" dirty="0" err="1" smtClean="0">
+                <a:solidFill>
+                  <a:srgbClr val="92D050"/>
+                </a:solidFill>
+                <a:latin typeface="Microsoft YaHei" charset="-122"/>
+                <a:ea typeface="Microsoft YaHei" charset="-122"/>
+                <a:cs typeface="Microsoft YaHei" charset="-122"/>
+              </a:rPr>
+              <a:t>format</a:t>
+            </a:r>
+            <a:endParaRPr kumimoji="1" lang="zh-CN" altLang="en-US" sz="3200" b="1" dirty="0">
+              <a:solidFill>
+                <a:srgbClr val="92D050"/>
+              </a:solidFill>
+              <a:latin typeface="Microsoft YaHei" charset="-122"/>
+              <a:ea typeface="Microsoft YaHei" charset="-122"/>
+              <a:cs typeface="Microsoft YaHei" charset="-122"/>
+            </a:endParaRPr>
+          </a:p>
+        </p:txBody>
+      </p:sp>
+      <p:sp>
+        <p:nvSpPr>
+          <p:cNvPr id="3" name="内容占位符 2"/>
+          <p:cNvSpPr>
+            <a:spLocks noGrp="1"/>
+          </p:cNvSpPr>
+          <p:nvPr>
+            <p:ph idx="1"/>
+          </p:nvPr>
+        </p:nvSpPr>
+        <p:spPr>
+          <a:xfrm>
+            <a:off x="628650" y="1825625"/>
+            <a:ext cx="7886700" cy="3618571"/>
+          </a:xfrm>
+        </p:spPr>
+        <p:txBody>
+          <a:bodyPr>
+            <a:normAutofit/>
+          </a:bodyPr>
+          <a:lstStyle/>
+          <a:p>
+            <a:r>
+              <a:rPr kumimoji="1" lang="en-US" altLang="zh-CN" sz="2400" dirty="0">
+                <a:ea typeface="Microsoft YaHei" charset="-122"/>
+                <a:cs typeface="Microsoft YaHei" charset="-122"/>
+              </a:rPr>
+              <a:t>The first line in a FASTA file started either with a "&gt;" (greater-than) symbol or, less frequently, a ";" (semicolon) and was taken as a comment. Subsequent lines starting with a semicolon would be ignored by </a:t>
+            </a:r>
+            <a:r>
+              <a:rPr kumimoji="1" lang="en-US" altLang="zh-CN" sz="2400" dirty="0" smtClean="0">
+                <a:ea typeface="Microsoft YaHei" charset="-122"/>
+                <a:cs typeface="Microsoft YaHei" charset="-122"/>
+              </a:rPr>
+              <a:t>software.</a:t>
+            </a:r>
+          </a:p>
+          <a:p>
+            <a:r>
+              <a:rPr kumimoji="1" lang="en-US" altLang="zh-CN" sz="2400" dirty="0" smtClean="0">
+                <a:ea typeface="Microsoft YaHei" charset="-122"/>
+                <a:cs typeface="Microsoft YaHei" charset="-122"/>
+              </a:rPr>
+              <a:t>Sequence </a:t>
+            </a:r>
+            <a:r>
+              <a:rPr kumimoji="1" lang="en-US" altLang="zh-CN" sz="2400" dirty="0" err="1" smtClean="0">
+                <a:ea typeface="Microsoft YaHei" charset="-122"/>
+                <a:cs typeface="Microsoft YaHei" charset="-122"/>
+              </a:rPr>
+              <a:t>represenation</a:t>
+            </a:r>
+            <a:r>
+              <a:rPr kumimoji="1" lang="en-US" altLang="zh-CN" sz="2400" dirty="0" smtClean="0">
+                <a:ea typeface="Microsoft YaHei" charset="-122"/>
+                <a:cs typeface="Microsoft YaHei" charset="-122"/>
+              </a:rPr>
+              <a:t>:</a:t>
+            </a:r>
+          </a:p>
+          <a:p>
+            <a:endParaRPr kumimoji="1" lang="en-US" altLang="zh-CN" sz="2400" dirty="0">
+              <a:ea typeface="Microsoft YaHei" charset="-122"/>
+              <a:cs typeface="Microsoft YaHei" charset="-122"/>
+            </a:endParaRPr>
+          </a:p>
+          <a:p>
+            <a:endParaRPr kumimoji="1" lang="en-US" altLang="zh-CN" sz="2400" dirty="0">
+              <a:ea typeface="Microsoft YaHei" charset="-122"/>
+              <a:cs typeface="Microsoft YaHei" charset="-122"/>
+            </a:endParaRPr>
+          </a:p>
+          <a:p>
+            <a:endParaRPr kumimoji="1" lang="en-US" altLang="zh-CN" sz="2400" dirty="0" smtClean="0">
+              <a:ea typeface="Microsoft YaHei" charset="-122"/>
+              <a:cs typeface="Microsoft YaHei" charset="-122"/>
+            </a:endParaRPr>
+          </a:p>
+          <a:p>
+            <a:endParaRPr kumimoji="1" lang="en-US" altLang="zh-CN" sz="2400" dirty="0">
+              <a:ea typeface="Microsoft YaHei" charset="-122"/>
+              <a:cs typeface="Microsoft YaHei" charset="-122"/>
+            </a:endParaRPr>
+          </a:p>
+          <a:p>
+            <a:endParaRPr kumimoji="1" lang="en-US" altLang="zh-CN" sz="2400" dirty="0" smtClean="0">
+              <a:ea typeface="Microsoft YaHei" charset="-122"/>
+              <a:cs typeface="Microsoft YaHei" charset="-122"/>
+            </a:endParaRPr>
+          </a:p>
+          <a:p>
+            <a:endParaRPr kumimoji="1" lang="en-US" altLang="zh-CN" sz="2400" dirty="0">
+              <a:ea typeface="Microsoft YaHei" charset="-122"/>
+              <a:cs typeface="Microsoft YaHei" charset="-122"/>
+            </a:endParaRPr>
+          </a:p>
+          <a:p>
+            <a:endParaRPr kumimoji="1" lang="en-US" altLang="zh-CN" sz="2400" dirty="0">
+              <a:ea typeface="Microsoft YaHei" charset="-122"/>
+              <a:cs typeface="Microsoft YaHei" charset="-122"/>
+            </a:endParaRPr>
+          </a:p>
+          <a:p>
+            <a:endParaRPr kumimoji="1" lang="en-US" altLang="zh-CN" sz="2400" dirty="0">
+              <a:ea typeface="Microsoft YaHei" charset="-122"/>
+              <a:cs typeface="Microsoft YaHei" charset="-122"/>
+            </a:endParaRPr>
+          </a:p>
+          <a:p>
+            <a:endParaRPr kumimoji="1" lang="en-US" altLang="zh-CN" sz="2400" dirty="0">
+              <a:ea typeface="Microsoft YaHei" charset="-122"/>
+              <a:cs typeface="Microsoft YaHei" charset="-122"/>
+            </a:endParaRPr>
+          </a:p>
+          <a:p>
+            <a:endParaRPr kumimoji="1" lang="en-US" altLang="zh-CN" sz="2400" dirty="0">
+              <a:ea typeface="Microsoft YaHei" charset="-122"/>
+              <a:cs typeface="Microsoft YaHei" charset="-122"/>
+            </a:endParaRPr>
+          </a:p>
+          <a:p>
+            <a:endParaRPr kumimoji="1" lang="en-US" altLang="zh-CN" sz="2400" dirty="0">
+              <a:ea typeface="Microsoft YaHei" charset="-122"/>
+              <a:cs typeface="Microsoft YaHei" charset="-122"/>
+            </a:endParaRPr>
+          </a:p>
+          <a:p>
+            <a:endParaRPr kumimoji="1" lang="en-US" altLang="zh-CN" sz="2400" dirty="0">
+              <a:ea typeface="Microsoft YaHei" charset="-122"/>
+              <a:cs typeface="Microsoft YaHei" charset="-122"/>
+            </a:endParaRPr>
+          </a:p>
+        </p:txBody>
+      </p:sp>
+      <p:pic>
+        <p:nvPicPr>
+          <p:cNvPr id="1026" name="Picture 2"/>
+          <p:cNvPicPr>
+            <a:picLocks noChangeAspect="1" noChangeArrowheads="1"/>
+          </p:cNvPicPr>
+          <p:nvPr/>
+        </p:nvPicPr>
+        <p:blipFill>
+          <a:blip r:embed="rId2">
+            <a:extLst>
+              <a:ext uri="{28A0092B-C50C-407E-A947-70E740481C1C}">
+                <a14:useLocalDpi xmlns:a14="http://schemas.microsoft.com/office/drawing/2010/main" val="0"/>
+              </a:ext>
+            </a:extLst>
+          </a:blip>
+          <a:srcRect/>
+          <a:stretch>
+            <a:fillRect/>
+          </a:stretch>
+        </p:blipFill>
+        <p:spPr bwMode="auto">
+          <a:xfrm>
+            <a:off x="1015998" y="3719511"/>
+            <a:ext cx="5778502" cy="2424314"/>
+          </a:xfrm>
+          <a:prstGeom prst="rect">
+            <a:avLst/>
+          </a:prstGeom>
+          <a:noFill/>
+          <a:ln>
+            <a:noFill/>
+          </a:ln>
+          <a:extLst>
+            <a:ext uri="{909E8E84-426E-40DD-AFC4-6F175D3DCCD1}">
+              <a14:hiddenFill xmlns:a14="http://schemas.microsoft.com/office/drawing/2010/main">
+                <a:solidFill>
+                  <a:schemeClr val="accent1"/>
+                </a:solidFill>
+              </a14:hiddenFill>
+            </a:ext>
+            <a:ext uri="{91240B29-F687-4F45-9708-019B960494DF}">
+              <a14:hiddenLine xmlns:a14="http://schemas.microsoft.com/office/drawing/2010/main" w="9525">
+                <a:solidFill>
+                  <a:schemeClr val="tx1"/>
+                </a:solidFill>
+                <a:miter lim="800000"/>
+                <a:headEnd/>
+                <a:tailEnd/>
+              </a14:hiddenLine>
+            </a:ext>
+          </a:extLst>
+        </p:spPr>
+      </p:pic>
+      <p:sp>
+        <p:nvSpPr>
+          <p:cNvPr id="5" name="CaixaDeTexto 4"/>
+          <p:cNvSpPr txBox="1"/>
+          <p:nvPr/>
+        </p:nvSpPr>
+        <p:spPr>
+          <a:xfrm>
+            <a:off x="1428749" y="6143825"/>
+            <a:ext cx="4953000" cy="307777"/>
+          </a:xfrm>
+          <a:prstGeom prst="rect">
+            <a:avLst/>
+          </a:prstGeom>
+          <a:noFill/>
+        </p:spPr>
+        <p:txBody>
+          <a:bodyPr wrap="square" rtlCol="0">
+            <a:spAutoFit/>
+          </a:bodyPr>
+          <a:lstStyle/>
+          <a:p>
+            <a:pPr algn="ctr"/>
+            <a:r>
+              <a:rPr lang="pt-BR" sz="1400" b="1" dirty="0" err="1" smtClean="0"/>
+              <a:t>Table</a:t>
+            </a:r>
+            <a:r>
+              <a:rPr lang="pt-BR" sz="1400" dirty="0" smtClean="0"/>
+              <a:t>: https</a:t>
+            </a:r>
+            <a:r>
+              <a:rPr lang="pt-BR" sz="1400" dirty="0"/>
+              <a:t>://en.wikipedia.org/wiki/FASTA_format</a:t>
+            </a:r>
+          </a:p>
+        </p:txBody>
+      </p:sp>
+    </p:spTree>
+    <p:extLst>
+      <p:ext uri="{BB962C8B-B14F-4D97-AF65-F5344CB8AC3E}">
+        <p14:creationId xmlns:p14="http://schemas.microsoft.com/office/powerpoint/2010/main" val="3315002922"/>
+      </p:ext>
+    </p:extLst>
+  </p:cSld>
+  <p:clrMapOvr>
+    <a:masterClrMapping/>
+  </p:clrMapOvr>
+  <p:timing>
+    <p:tnLst>
+      <p:par>
+        <p:cTn id="1" dur="indefinite" restart="never" nodeType="tmRoot"/>
+      </p:par>
+    </p:tnLst>
+  </p:timing>
 </p:sld>
 </file>
 
@@ -5596,7 +5340,7 @@
           <a:lstStyle/>
           <a:p>
             <a:r>
-              <a:rPr kumimoji="1" lang="pt-BR" altLang="zh-CN" sz="3200" b="1" dirty="0" smtClean="0">
+              <a:rPr kumimoji="1" lang="pt-BR" altLang="zh-CN" sz="3200" b="1" dirty="0" err="1" smtClean="0">
                 <a:solidFill>
                   <a:srgbClr val="92D050"/>
                 </a:solidFill>
@@ -5604,18 +5348,7 @@
                 <a:ea typeface="Microsoft YaHei" charset="-122"/>
                 <a:cs typeface="Microsoft YaHei" charset="-122"/>
               </a:rPr>
-              <a:t>Fasta </a:t>
-            </a:r>
-            <a:r>
-              <a:rPr kumimoji="1" lang="pt-BR" altLang="zh-CN" sz="3200" b="1" dirty="0" err="1" smtClean="0">
-                <a:solidFill>
-                  <a:srgbClr val="92D050"/>
-                </a:solidFill>
-                <a:latin typeface="Microsoft YaHei" charset="-122"/>
-                <a:ea typeface="Microsoft YaHei" charset="-122"/>
-                <a:cs typeface="Microsoft YaHei" charset="-122"/>
-              </a:rPr>
-              <a:t>format</a:t>
+              <a:t>ClustalW</a:t>
             </a:r>
             <a:endParaRPr kumimoji="1" lang="zh-CN" altLang="en-US" sz="3200" b="1" dirty="0">
               <a:solidFill>
@@ -5646,7 +5379,7 @@
         </p:spPr>
         <p:txBody>
           <a:bodyPr>
-            <a:normAutofit/>
+            <a:normAutofit lnSpcReduction="10000"/>
           </a:bodyPr>
           <a:lstStyle/>
           <a:p>
@@ -5671,6 +5404,8 @@
               </a:rPr>
               <a:t>.</a:t>
             </a:r>
+          </a:p>
+          <a:p>
             <a:endParaRPr kumimoji="1" lang="en-US" altLang="zh-CN" sz="2400" dirty="0">
               <a:ea typeface="Microsoft YaHei" charset="-122"/>
               <a:cs typeface="Microsoft YaHei" charset="-122"/>
@@ -5692,6 +5427,9 @@
             <a:endParaRPr lang="en-US" sz="2400" dirty="0" smtClean="0"/>
           </a:p>
           <a:p>
+            <a:endParaRPr lang="en-US" sz="2400" dirty="0" smtClean="0"/>
+          </a:p>
+          <a:p>
             <a:r>
               <a:rPr lang="en-US" sz="2400" dirty="0" smtClean="0"/>
               <a:t> Time complexity of O(N²) because of its use of the neighbor-</a:t>
@@ -5761,75 +5499,23 @@
           </a:p>
         </p:txBody>
       </p:sp>
-      <p:sp>
-        <p:nvSpPr>
-          <p:cNvPr id="4" name="CaixaDeTexto 3">
-            <a:extLst>
-              <a:ext uri="{FF2B5EF4-FFF2-40B4-BE49-F238E27FC236}">
-                <a16:creationId xmlns:a16="http://schemas.microsoft.com/office/drawing/2014/main" id="{A8A5C975-5B01-46E0-AC86-EB75EF76AB8B}"/>
-              </a:ext>
-            </a:extLst>
-          </p:cNvPr>
-          <p:cNvSpPr txBox="1"/>
-          <p:nvPr/>
-        </p:nvSpPr>
-        <p:spPr>
-          <a:xfrm>
-            <a:off x="1249826" y="5963134"/>
-            <a:ext cx="6644347" cy="646331"/>
-          </a:xfrm>
-          <a:prstGeom prst="rect">
-            <a:avLst/>
-          </a:prstGeom>
-          <a:solidFill>
-            <a:schemeClr val="accent6">
-              <a:lumMod val="20000"/>
-              <a:lumOff val="80000"/>
-            </a:schemeClr>
-          </a:solidFill>
-          <a:ln w="38100">
-            <a:solidFill>
-              <a:srgbClr val="00B050"/>
-            </a:solidFill>
-          </a:ln>
-        </p:spPr>
-        <p:txBody>
-          <a:bodyPr wrap="square" rtlCol="0">
-            <a:spAutoFit/>
-          </a:bodyPr>
-          <a:lstStyle/>
-          <a:p>
-            <a:pPr algn="just"/>
-            <a:r>
-              <a:rPr lang="en-US" b="1" dirty="0"/>
-              <a:t>[1] </a:t>
-            </a:r>
-            <a:r>
-              <a:rPr lang="en-US" dirty="0"/>
-              <a:t>Two genes are </a:t>
-            </a:r>
-            <a:r>
-              <a:rPr lang="en-US" b="1" dirty="0"/>
-              <a:t>homologous</a:t>
-            </a:r>
-            <a:r>
-              <a:rPr lang="en-US" dirty="0"/>
-              <a:t> when their DNA sequence derives from a common origin, and may or may not have the same function</a:t>
-            </a:r>
-            <a:endParaRPr lang="pt-BR" dirty="0"/>
-          </a:p>
-        </p:txBody>
-      </p:sp>
     </p:spTree>
     <p:extLst>
       <p:ext uri="{BB962C8B-B14F-4D97-AF65-F5344CB8AC3E}">
-        <p14:creationId xmlns:p14="http://schemas.microsoft.com/office/powerpoint/2010/main" val="3315002922"/>
+        <p14:creationId xmlns:p14="http://schemas.microsoft.com/office/powerpoint/2010/main" val="2634577196"/>
       </p:ext>
     </p:extLst>
   </p:cSld>
   <p:clrMapOvr>
     <a:masterClrMapping/>
   </p:clrMapOvr>
+  <p:timing>
+    <p:tnLst>
+      <p:par>
+        <p:cTn id="1" dur="indefinite" restart="never" nodeType="tmRoot"/>
+      </p:par>
+    </p:tnLst>
+  </p:timing>
 </p:sld>
 </file>
 
@@ -5868,7 +5554,7 @@
           <a:lstStyle/>
           <a:p>
             <a:r>
-              <a:rPr kumimoji="1" lang="pt-BR" altLang="zh-CN" sz="3200" b="1" dirty="0" err="1" smtClean="0">
+              <a:rPr kumimoji="1" lang="en-US" altLang="zh-CN" sz="3200" b="1" dirty="0" err="1" smtClean="0">
                 <a:solidFill>
                   <a:srgbClr val="92D050"/>
                 </a:solidFill>
@@ -5876,7 +5562,7 @@
                 <a:ea typeface="Microsoft YaHei" charset="-122"/>
                 <a:cs typeface="Microsoft YaHei" charset="-122"/>
               </a:rPr>
-              <a:t>ClustalW</a:t>
+              <a:t>Biopython</a:t>
             </a:r>
             <a:endParaRPr kumimoji="1" lang="zh-CN" altLang="en-US" sz="3200" b="1" dirty="0">
               <a:solidFill>
@@ -5899,12 +5585,7 @@
             <p:ph idx="1"/>
           </p:nvPr>
         </p:nvSpPr>
-        <p:spPr>
-          <a:xfrm>
-            <a:off x="628650" y="1825625"/>
-            <a:ext cx="7886700" cy="3618571"/>
-          </a:xfrm>
-        </p:spPr>
+        <p:spPr/>
         <p:txBody>
           <a:bodyPr>
             <a:normAutofit/>
@@ -5912,185 +5593,61 @@
           <a:lstStyle/>
           <a:p>
             <a:r>
-              <a:rPr kumimoji="1" lang="en-US" altLang="zh-CN" sz="2400" dirty="0" err="1">
-                <a:ea typeface="Microsoft YaHei" charset="-122"/>
-                <a:cs typeface="Microsoft YaHei" charset="-122"/>
-              </a:rPr>
-              <a:t>Clustal</a:t>
-            </a:r>
-            <a:r>
-              <a:rPr kumimoji="1" lang="en-US" altLang="zh-CN" sz="2400" dirty="0">
-                <a:ea typeface="Microsoft YaHei" charset="-122"/>
-                <a:cs typeface="Microsoft YaHei" charset="-122"/>
-              </a:rPr>
-              <a:t> is a series of widely used computer programs used in Bioinformatics for multiple sequence alignment</a:t>
-            </a:r>
-            <a:r>
-              <a:rPr kumimoji="1" lang="en-US" altLang="zh-CN" sz="2400" dirty="0" smtClean="0">
-                <a:ea typeface="Microsoft YaHei" charset="-122"/>
-                <a:cs typeface="Microsoft YaHei" charset="-122"/>
-              </a:rPr>
+              <a:rPr lang="en-US" altLang="zh-CN" sz="2400" dirty="0"/>
+              <a:t>There are lots of algorithms out there for aligning sequences, both pairwise alignments and multiple sequence </a:t>
+            </a:r>
+            <a:r>
+              <a:rPr lang="en-US" altLang="zh-CN" sz="2400" dirty="0" smtClean="0"/>
+              <a:t>alignments including  </a:t>
+            </a:r>
+            <a:r>
+              <a:rPr lang="en-US" altLang="zh-CN" sz="2400" dirty="0" err="1" smtClean="0"/>
+              <a:t>ClustalW</a:t>
+            </a:r>
+            <a:r>
+              <a:rPr lang="en-US" altLang="zh-CN" sz="2400" dirty="0" smtClean="0"/>
               <a:t>.</a:t>
             </a:r>
-            <a:endParaRPr kumimoji="1" lang="en-US" altLang="zh-CN" sz="2400" dirty="0">
-              <a:ea typeface="Microsoft YaHei" charset="-122"/>
-              <a:cs typeface="Microsoft YaHei" charset="-122"/>
-            </a:endParaRPr>
-          </a:p>
-          <a:p>
-            <a:r>
-              <a:rPr lang="en-US" sz="2400" dirty="0" err="1" smtClean="0"/>
-              <a:t>ClustalW</a:t>
-            </a:r>
-            <a:r>
-              <a:rPr lang="en-US" sz="2400" dirty="0" smtClean="0"/>
-              <a:t> </a:t>
-            </a:r>
-            <a:r>
-              <a:rPr lang="en-US" sz="2400" dirty="0"/>
-              <a:t>uses progressive alignment methods, which align the most similar sequences first and work their way down to the least similar sequences until a global alignment is created. </a:t>
-            </a:r>
-            <a:endParaRPr lang="en-US" sz="2400" dirty="0" smtClean="0"/>
-          </a:p>
-          <a:p>
-            <a:r>
-              <a:rPr lang="en-US" sz="2400" dirty="0" smtClean="0"/>
-              <a:t> Time complexity of O(N²) because of its use of the neighbor-</a:t>
-            </a:r>
-            <a:r>
-              <a:rPr lang="en-US" sz="2400" dirty="0" err="1" smtClean="0"/>
-              <a:t>joing</a:t>
-            </a:r>
-            <a:r>
-              <a:rPr lang="en-US" sz="2400" dirty="0" smtClean="0"/>
-              <a:t> method.</a:t>
-            </a:r>
-          </a:p>
-          <a:p>
-            <a:endParaRPr kumimoji="1" lang="en-US" altLang="zh-CN" sz="2400" dirty="0">
-              <a:ea typeface="Microsoft YaHei" charset="-122"/>
-              <a:cs typeface="Microsoft YaHei" charset="-122"/>
-            </a:endParaRPr>
-          </a:p>
-          <a:p>
-            <a:endParaRPr kumimoji="1" lang="en-US" altLang="zh-CN" sz="2400" dirty="0">
-              <a:ea typeface="Microsoft YaHei" charset="-122"/>
-              <a:cs typeface="Microsoft YaHei" charset="-122"/>
-            </a:endParaRPr>
-          </a:p>
-          <a:p>
-            <a:endParaRPr kumimoji="1" lang="en-US" altLang="zh-CN" sz="2400" dirty="0">
-              <a:ea typeface="Microsoft YaHei" charset="-122"/>
-              <a:cs typeface="Microsoft YaHei" charset="-122"/>
-            </a:endParaRPr>
-          </a:p>
-          <a:p>
-            <a:endParaRPr kumimoji="1" lang="en-US" altLang="zh-CN" sz="2400" dirty="0">
-              <a:ea typeface="Microsoft YaHei" charset="-122"/>
-              <a:cs typeface="Microsoft YaHei" charset="-122"/>
-            </a:endParaRPr>
-          </a:p>
-          <a:p>
-            <a:endParaRPr kumimoji="1" lang="en-US" altLang="zh-CN" sz="2400" dirty="0">
-              <a:ea typeface="Microsoft YaHei" charset="-122"/>
-              <a:cs typeface="Microsoft YaHei" charset="-122"/>
-            </a:endParaRPr>
-          </a:p>
-          <a:p>
-            <a:endParaRPr kumimoji="1" lang="en-US" altLang="zh-CN" sz="2400" dirty="0">
-              <a:ea typeface="Microsoft YaHei" charset="-122"/>
-              <a:cs typeface="Microsoft YaHei" charset="-122"/>
-            </a:endParaRPr>
-          </a:p>
-          <a:p>
-            <a:endParaRPr kumimoji="1" lang="en-US" altLang="zh-CN" sz="2400" dirty="0">
-              <a:ea typeface="Microsoft YaHei" charset="-122"/>
-              <a:cs typeface="Microsoft YaHei" charset="-122"/>
-            </a:endParaRPr>
-          </a:p>
-          <a:p>
-            <a:endParaRPr kumimoji="1" lang="en-US" altLang="zh-CN" sz="2400" dirty="0">
-              <a:ea typeface="Microsoft YaHei" charset="-122"/>
-              <a:cs typeface="Microsoft YaHei" charset="-122"/>
-            </a:endParaRPr>
-          </a:p>
-          <a:p>
-            <a:endParaRPr kumimoji="1" lang="en-US" altLang="zh-CN" sz="2400" dirty="0">
-              <a:ea typeface="Microsoft YaHei" charset="-122"/>
-              <a:cs typeface="Microsoft YaHei" charset="-122"/>
-            </a:endParaRPr>
-          </a:p>
-        </p:txBody>
-      </p:sp>
-      <p:sp>
-        <p:nvSpPr>
-          <p:cNvPr id="4" name="CaixaDeTexto 3">
-            <a:extLst>
-              <a:ext uri="{FF2B5EF4-FFF2-40B4-BE49-F238E27FC236}">
-                <a16:creationId xmlns:a16="http://schemas.microsoft.com/office/drawing/2014/main" id="{A8A5C975-5B01-46E0-AC86-EB75EF76AB8B}"/>
-              </a:ext>
-            </a:extLst>
-          </p:cNvPr>
-          <p:cNvSpPr txBox="1"/>
-          <p:nvPr/>
-        </p:nvSpPr>
-        <p:spPr>
-          <a:xfrm>
-            <a:off x="1249826" y="5963134"/>
-            <a:ext cx="6644347" cy="646331"/>
-          </a:xfrm>
-          <a:prstGeom prst="rect">
-            <a:avLst/>
-          </a:prstGeom>
-          <a:solidFill>
-            <a:schemeClr val="accent6">
-              <a:lumMod val="20000"/>
-              <a:lumOff val="80000"/>
-            </a:schemeClr>
-          </a:solidFill>
-          <a:ln w="38100">
-            <a:solidFill>
-              <a:srgbClr val="00B050"/>
-            </a:solidFill>
-          </a:ln>
-        </p:spPr>
-        <p:txBody>
-          <a:bodyPr wrap="square" rtlCol="0">
-            <a:spAutoFit/>
-          </a:bodyPr>
-          <a:lstStyle/>
-          <a:p>
-            <a:pPr algn="just"/>
-            <a:r>
-              <a:rPr lang="en-US" b="1" dirty="0"/>
-              <a:t>[1] </a:t>
-            </a:r>
-            <a:r>
-              <a:rPr lang="en-US" dirty="0"/>
-              <a:t>Two genes are </a:t>
-            </a:r>
-            <a:r>
-              <a:rPr lang="en-US" b="1" dirty="0"/>
-              <a:t>homologous</a:t>
-            </a:r>
-            <a:r>
-              <a:rPr lang="en-US" dirty="0"/>
-              <a:t> when their DNA sequence derives from a common origin, and may or may not have the same function</a:t>
-            </a:r>
-            <a:endParaRPr lang="pt-BR" dirty="0"/>
+          </a:p>
+          <a:p>
+            <a:endParaRPr kumimoji="1" lang="en-US" altLang="zh-CN" sz="2400" dirty="0"/>
+          </a:p>
+          <a:p>
+            <a:r>
+              <a:rPr kumimoji="1" lang="en-US" altLang="zh-CN" sz="2400" dirty="0" smtClean="0"/>
+              <a:t>Create Tree </a:t>
+            </a:r>
+            <a:r>
+              <a:rPr kumimoji="1" lang="en-US" altLang="zh-CN" sz="2400" dirty="0"/>
+              <a:t>objects. The Tree object contains global information about the tree, such as whether it’s rooted or unrooted. It has one root clade, and under that, it’s nested lists of clades all the way down to the tips.</a:t>
+            </a:r>
+            <a:endParaRPr kumimoji="1" lang="en-US" altLang="zh-CN" sz="2400" dirty="0"/>
+          </a:p>
+          <a:p>
+            <a:endParaRPr kumimoji="1" lang="en-US" altLang="zh-CN" sz="2400" dirty="0"/>
+          </a:p>
+          <a:p>
+            <a:endParaRPr kumimoji="1" lang="zh-CN" altLang="en-US" sz="2400" dirty="0"/>
           </a:p>
         </p:txBody>
       </p:sp>
     </p:spTree>
     <p:extLst>
       <p:ext uri="{BB962C8B-B14F-4D97-AF65-F5344CB8AC3E}">
-        <p14:creationId xmlns:p14="http://schemas.microsoft.com/office/powerpoint/2010/main" val="2634577196"/>
+        <p14:creationId xmlns:p14="http://schemas.microsoft.com/office/powerpoint/2010/main" val="1507181258"/>
       </p:ext>
     </p:extLst>
   </p:cSld>
   <p:clrMapOvr>
     <a:masterClrMapping/>
   </p:clrMapOvr>
+  <p:timing>
+    <p:tnLst>
+      <p:par>
+        <p:cTn id="1" dur="indefinite" restart="never" nodeType="tmRoot"/>
+      </p:par>
+    </p:tnLst>
+  </p:timing>
 </p:sld>
 </file>
 
@@ -6129,7 +5686,7 @@
           <a:lstStyle/>
           <a:p>
             <a:r>
-              <a:rPr kumimoji="1" lang="en-US" altLang="zh-CN" sz="3200" b="1" dirty="0">
+              <a:rPr kumimoji="1" lang="pt-BR" altLang="zh-CN" sz="3200" b="1" dirty="0" err="1" smtClean="0">
                 <a:solidFill>
                   <a:srgbClr val="92D050"/>
                 </a:solidFill>
@@ -6137,7 +5694,7 @@
                 <a:ea typeface="Microsoft YaHei" charset="-122"/>
                 <a:cs typeface="Microsoft YaHei" charset="-122"/>
               </a:rPr>
-              <a:t>Methodology</a:t>
+              <a:t>References</a:t>
             </a:r>
             <a:endParaRPr kumimoji="1" lang="zh-CN" altLang="en-US" sz="3200" b="1" dirty="0">
               <a:solidFill>
@@ -6160,645 +5717,177 @@
             <p:ph idx="1"/>
           </p:nvPr>
         </p:nvSpPr>
-        <p:spPr/>
+        <p:spPr>
+          <a:xfrm>
+            <a:off x="628650" y="1825625"/>
+            <a:ext cx="7886700" cy="4587875"/>
+          </a:xfrm>
+        </p:spPr>
         <p:txBody>
           <a:bodyPr>
             <a:normAutofit/>
           </a:bodyPr>
           <a:lstStyle/>
           <a:p>
-            <a:r>
-              <a:rPr lang="pt-BR" altLang="zh-CN" sz="2400" dirty="0"/>
-              <a:t>Explore</a:t>
-            </a:r>
-            <a:r>
-              <a:rPr lang="pt-BR" altLang="zh-CN" sz="2400" b="1" dirty="0"/>
+            <a:pPr algn="just"/>
+            <a:r>
+              <a:rPr lang="en-US" sz="2000" b="1" dirty="0"/>
+              <a:t>The Phylogenetic Handbook: </a:t>
+            </a:r>
+            <a:r>
+              <a:rPr lang="en-US" sz="2000" dirty="0"/>
+              <a:t>A Practical Approach to Phylogenetic Analysis and Hypothesis </a:t>
+            </a:r>
+            <a:r>
+              <a:rPr lang="en-US" sz="2000" dirty="0" smtClean="0"/>
+              <a:t>Testing</a:t>
+            </a:r>
+            <a:r>
+              <a:rPr lang="en-US" sz="2000" dirty="0" smtClean="0"/>
+              <a:t>.</a:t>
+            </a:r>
+          </a:p>
+          <a:p>
+            <a:pPr algn="just"/>
+            <a:endParaRPr lang="en-US" sz="2000" dirty="0" smtClean="0"/>
+          </a:p>
+          <a:p>
+            <a:pPr algn="just"/>
+            <a:r>
+              <a:rPr lang="pt-BR" sz="2000" b="1" dirty="0"/>
+              <a:t>Positive </a:t>
+            </a:r>
+            <a:r>
+              <a:rPr lang="pt-BR" sz="2000" b="1" dirty="0" err="1"/>
+              <a:t>selection</a:t>
+            </a:r>
+            <a:r>
+              <a:rPr lang="pt-BR" sz="2000" b="1" dirty="0"/>
               <a:t> </a:t>
             </a:r>
             <a:r>
-              <a:rPr lang="pt-BR" altLang="zh-CN" sz="2400" dirty="0" err="1"/>
-              <a:t>the</a:t>
-            </a:r>
-            <a:r>
-              <a:rPr lang="pt-BR" altLang="zh-CN" sz="2400" dirty="0"/>
+              <a:rPr lang="pt-BR" sz="2000" b="1" dirty="0" err="1"/>
+              <a:t>of</a:t>
+            </a:r>
+            <a:r>
+              <a:rPr lang="pt-BR" sz="2000" b="1" dirty="0"/>
               <a:t> </a:t>
             </a:r>
             <a:r>
-              <a:rPr lang="pt-BR" altLang="zh-CN" sz="2400" dirty="0" err="1"/>
-              <a:t>dataset</a:t>
-            </a:r>
-            <a:r>
-              <a:rPr lang="pt-BR" altLang="zh-CN" sz="2400" dirty="0"/>
+              <a:rPr lang="pt-BR" sz="2000" b="1" dirty="0" err="1"/>
+              <a:t>primate</a:t>
+            </a:r>
+            <a:r>
+              <a:rPr lang="pt-BR" sz="2000" b="1" dirty="0"/>
+              <a:t> TRIM5</a:t>
+            </a:r>
+            <a:r>
+              <a:rPr lang="el-GR" sz="2000" b="1" dirty="0"/>
+              <a:t>α </a:t>
+            </a:r>
+            <a:r>
+              <a:rPr lang="pt-BR" sz="2000" b="1" dirty="0" err="1"/>
+              <a:t>identifies</a:t>
+            </a:r>
+            <a:r>
+              <a:rPr lang="pt-BR" sz="2000" b="1" dirty="0"/>
+              <a:t> a </a:t>
+            </a:r>
+            <a:r>
+              <a:rPr lang="pt-BR" sz="2000" b="1" dirty="0" err="1"/>
+              <a:t>critical</a:t>
+            </a:r>
+            <a:r>
+              <a:rPr lang="pt-BR" sz="2000" b="1" dirty="0"/>
               <a:t> </a:t>
             </a:r>
             <a:r>
-              <a:rPr lang="pt-BR" altLang="zh-CN" sz="2400" dirty="0" err="1"/>
-              <a:t>using</a:t>
-            </a:r>
-            <a:r>
-              <a:rPr lang="pt-BR" altLang="zh-CN" sz="2400" dirty="0"/>
+              <a:rPr lang="pt-BR" sz="2000" b="1" dirty="0" err="1"/>
+              <a:t>species-specific</a:t>
+            </a:r>
+            <a:r>
+              <a:rPr lang="pt-BR" sz="2000" b="1" dirty="0"/>
+              <a:t> retroviral </a:t>
+            </a:r>
+            <a:r>
+              <a:rPr lang="pt-BR" sz="2000" b="1" dirty="0" err="1"/>
+              <a:t>restriction</a:t>
+            </a:r>
+            <a:r>
+              <a:rPr lang="pt-BR" sz="2000" b="1" dirty="0"/>
               <a:t> </a:t>
             </a:r>
             <a:r>
-              <a:rPr lang="pt-BR" altLang="zh-CN" sz="2400" dirty="0" err="1"/>
-              <a:t>the</a:t>
-            </a:r>
-            <a:r>
-              <a:rPr lang="pt-BR" altLang="zh-CN" sz="2400" dirty="0"/>
-              <a:t> </a:t>
-            </a:r>
-            <a:r>
-              <a:rPr lang="pt-BR" altLang="zh-CN" sz="2400" b="1" dirty="0"/>
-              <a:t>BIO</a:t>
-            </a:r>
-            <a:r>
-              <a:rPr lang="pt-BR" altLang="zh-CN" sz="2400" dirty="0"/>
-              <a:t> module </a:t>
-            </a:r>
-            <a:r>
-              <a:rPr lang="pt-BR" altLang="zh-CN" sz="2400" dirty="0" err="1"/>
-              <a:t>of</a:t>
-            </a:r>
-            <a:r>
-              <a:rPr lang="pt-BR" altLang="zh-CN" sz="2400" dirty="0"/>
-              <a:t> </a:t>
-            </a:r>
-            <a:r>
-              <a:rPr lang="pt-BR" altLang="zh-CN" sz="2400" dirty="0" err="1"/>
-              <a:t>python</a:t>
-            </a:r>
-            <a:r>
-              <a:rPr lang="en-US" altLang="zh-CN" sz="2400" dirty="0"/>
-              <a:t>.</a:t>
-            </a:r>
-          </a:p>
-          <a:p>
-            <a:endParaRPr kumimoji="1" lang="en-US" altLang="zh-CN" sz="2400" dirty="0"/>
-          </a:p>
-          <a:p>
-            <a:r>
-              <a:rPr kumimoji="1" lang="en-US" altLang="zh-CN" sz="2400" dirty="0"/>
-              <a:t>Various</a:t>
-            </a:r>
-            <a:r>
-              <a:rPr kumimoji="1" lang="zh-CN" altLang="en-US" sz="2400" dirty="0"/>
-              <a:t> </a:t>
-            </a:r>
-            <a:r>
-              <a:rPr kumimoji="1" lang="en-US" altLang="zh-CN" sz="2400" dirty="0"/>
-              <a:t>types</a:t>
-            </a:r>
-            <a:r>
-              <a:rPr kumimoji="1" lang="zh-CN" altLang="en-US" sz="2400" dirty="0"/>
-              <a:t> </a:t>
-            </a:r>
-            <a:r>
-              <a:rPr kumimoji="1" lang="en-US" altLang="zh-CN" sz="2400" dirty="0"/>
-              <a:t>of</a:t>
-            </a:r>
-            <a:r>
-              <a:rPr kumimoji="1" lang="zh-CN" altLang="en-US" sz="2400" dirty="0"/>
-              <a:t> </a:t>
-            </a:r>
-            <a:r>
-              <a:rPr kumimoji="1" lang="en-US" altLang="zh-CN" sz="2400" dirty="0"/>
-              <a:t>data</a:t>
-            </a:r>
-            <a:r>
-              <a:rPr kumimoji="1" lang="zh-CN" altLang="en-US" sz="2400" dirty="0"/>
-              <a:t> </a:t>
-            </a:r>
-            <a:r>
-              <a:rPr kumimoji="1" lang="en-US" altLang="zh-CN" sz="2400" dirty="0"/>
-              <a:t>visualization can</a:t>
-            </a:r>
-            <a:r>
-              <a:rPr kumimoji="1" lang="zh-CN" altLang="en-US" sz="2400" dirty="0"/>
-              <a:t> </a:t>
-            </a:r>
-            <a:r>
-              <a:rPr kumimoji="1" lang="en-US" altLang="zh-CN" sz="2400" dirty="0"/>
-              <a:t>be</a:t>
-            </a:r>
-            <a:r>
-              <a:rPr kumimoji="1" lang="zh-CN" altLang="en-US" sz="2400" dirty="0"/>
-              <a:t> </a:t>
-            </a:r>
-            <a:r>
-              <a:rPr kumimoji="1" lang="en-US" altLang="zh-CN" sz="2400" dirty="0"/>
-              <a:t>achieved</a:t>
-            </a:r>
-            <a:r>
-              <a:rPr kumimoji="1" lang="zh-CN" altLang="en-US" sz="2400" dirty="0"/>
-              <a:t> </a:t>
-            </a:r>
-            <a:r>
-              <a:rPr kumimoji="1" lang="en-US" altLang="zh-CN" sz="2400" dirty="0"/>
-              <a:t>using</a:t>
-            </a:r>
-            <a:r>
-              <a:rPr kumimoji="1" lang="zh-CN" altLang="en-US" sz="2400" dirty="0"/>
-              <a:t> </a:t>
-            </a:r>
-            <a:r>
-              <a:rPr kumimoji="1" lang="en-US" altLang="zh-CN" sz="2400" b="1" dirty="0" err="1"/>
-              <a:t>Matplotlib</a:t>
-            </a:r>
-            <a:r>
-              <a:rPr kumimoji="1" lang="zh-CN" altLang="en-US" sz="2400" dirty="0"/>
-              <a:t> </a:t>
-            </a:r>
-            <a:r>
-              <a:rPr kumimoji="1" lang="en-US" altLang="zh-CN" sz="2400" dirty="0"/>
-              <a:t>library</a:t>
-            </a:r>
-            <a:r>
-              <a:rPr kumimoji="1" lang="zh-CN" altLang="en-US" sz="2400" dirty="0"/>
-              <a:t> </a:t>
-            </a:r>
-            <a:r>
-              <a:rPr kumimoji="1" lang="en-US" altLang="zh-CN" sz="2400" dirty="0"/>
-              <a:t>in</a:t>
-            </a:r>
-            <a:r>
-              <a:rPr kumimoji="1" lang="zh-CN" altLang="en-US" sz="2400" dirty="0"/>
-              <a:t> </a:t>
-            </a:r>
-            <a:r>
-              <a:rPr kumimoji="1" lang="en-US" altLang="zh-CN" sz="2400" dirty="0"/>
-              <a:t>Python.</a:t>
-            </a:r>
-            <a:r>
-              <a:rPr kumimoji="1" lang="zh-CN" altLang="en-US" sz="2400" dirty="0"/>
-              <a:t> </a:t>
-            </a:r>
-            <a:endParaRPr kumimoji="1" lang="en-US" altLang="zh-CN" sz="2400" dirty="0"/>
-          </a:p>
-          <a:p>
-            <a:endParaRPr kumimoji="1" lang="en-US" altLang="zh-CN" sz="2400" dirty="0"/>
-          </a:p>
-          <a:p>
-            <a:r>
-              <a:rPr kumimoji="1" lang="pt-BR" altLang="zh-CN" sz="2400" dirty="0"/>
-              <a:t>Use </a:t>
-            </a:r>
-            <a:r>
-              <a:rPr kumimoji="1" lang="en-US" altLang="zh-CN" sz="2400" b="1" dirty="0"/>
-              <a:t>Pandas</a:t>
-            </a:r>
-            <a:r>
-              <a:rPr kumimoji="1" lang="zh-CN" altLang="en-US" sz="2400" dirty="0"/>
-              <a:t> </a:t>
-            </a:r>
-            <a:r>
-              <a:rPr kumimoji="1" lang="en-US" altLang="zh-CN" sz="2400" dirty="0"/>
-              <a:t>to</a:t>
-            </a:r>
-            <a:r>
-              <a:rPr kumimoji="1" lang="zh-CN" altLang="en-US" sz="2400" dirty="0"/>
-              <a:t> </a:t>
-            </a:r>
-            <a:r>
-              <a:rPr kumimoji="1" lang="en-US" altLang="zh-CN" sz="2400" dirty="0"/>
-              <a:t>collect,</a:t>
-            </a:r>
-            <a:r>
-              <a:rPr kumimoji="1" lang="zh-CN" altLang="en-US" sz="2400" dirty="0"/>
-              <a:t> </a:t>
-            </a:r>
-            <a:r>
-              <a:rPr kumimoji="1" lang="en-US" altLang="zh-CN" sz="2400" dirty="0"/>
-              <a:t>clean</a:t>
-            </a:r>
-            <a:r>
-              <a:rPr kumimoji="1" lang="zh-CN" altLang="en-US" sz="2400" dirty="0"/>
-              <a:t> </a:t>
-            </a:r>
-            <a:r>
-              <a:rPr kumimoji="1" lang="en-US" altLang="zh-CN" sz="2400" dirty="0"/>
-              <a:t>and</a:t>
-            </a:r>
-            <a:r>
-              <a:rPr kumimoji="1" lang="zh-CN" altLang="en-US" sz="2400" dirty="0"/>
-              <a:t> </a:t>
-            </a:r>
-            <a:r>
-              <a:rPr kumimoji="1" lang="en-US" altLang="zh-CN" sz="2400" dirty="0"/>
-              <a:t>transform</a:t>
-            </a:r>
-            <a:r>
-              <a:rPr kumimoji="1" lang="zh-CN" altLang="en-US" sz="2400" dirty="0"/>
-              <a:t> </a:t>
-            </a:r>
-            <a:r>
-              <a:rPr kumimoji="1" lang="en-US" altLang="zh-CN" sz="2400" dirty="0"/>
-              <a:t>raw</a:t>
-            </a:r>
-            <a:r>
-              <a:rPr kumimoji="1" lang="zh-CN" altLang="en-US" sz="2400" dirty="0"/>
-              <a:t> </a:t>
-            </a:r>
-            <a:r>
-              <a:rPr kumimoji="1" lang="en-US" altLang="zh-CN" sz="2400" dirty="0"/>
-              <a:t>data</a:t>
-            </a:r>
-            <a:r>
-              <a:rPr kumimoji="1" lang="zh-CN" altLang="en-US" sz="2400" dirty="0"/>
-              <a:t> </a:t>
-            </a:r>
-            <a:r>
-              <a:rPr kumimoji="1" lang="en-US" altLang="zh-CN" sz="2400" dirty="0"/>
-              <a:t>to</a:t>
-            </a:r>
-            <a:r>
-              <a:rPr kumimoji="1" lang="zh-CN" altLang="en-US" sz="2400" dirty="0"/>
-              <a:t> </a:t>
-            </a:r>
-            <a:r>
-              <a:rPr kumimoji="1" lang="en-US" altLang="zh-CN" sz="2400" dirty="0"/>
-              <a:t>prepare</a:t>
-            </a:r>
-            <a:r>
-              <a:rPr kumimoji="1" lang="zh-CN" altLang="en-US" sz="2400" dirty="0"/>
-              <a:t> </a:t>
-            </a:r>
-            <a:r>
-              <a:rPr kumimoji="1" lang="en-US" altLang="zh-CN" sz="2400" dirty="0"/>
-              <a:t>for</a:t>
-            </a:r>
-            <a:r>
-              <a:rPr kumimoji="1" lang="zh-CN" altLang="en-US" sz="2400" dirty="0"/>
-              <a:t> </a:t>
-            </a:r>
-            <a:r>
-              <a:rPr kumimoji="1" lang="en-US" altLang="zh-CN" sz="2400" dirty="0"/>
-              <a:t>data</a:t>
-            </a:r>
-            <a:r>
-              <a:rPr kumimoji="1" lang="zh-CN" altLang="en-US" sz="2400" dirty="0"/>
-              <a:t> </a:t>
-            </a:r>
-            <a:r>
-              <a:rPr kumimoji="1" lang="en-US" altLang="zh-CN" sz="2400" dirty="0"/>
-              <a:t>analysis.</a:t>
-            </a:r>
-          </a:p>
-          <a:p>
-            <a:endParaRPr kumimoji="1" lang="en-US" altLang="zh-CN" sz="2400" dirty="0"/>
-          </a:p>
-          <a:p>
-            <a:r>
-              <a:rPr kumimoji="1" lang="en-US" altLang="zh-CN" sz="2400" dirty="0"/>
-              <a:t>Filter raw data by using tools like NCS and </a:t>
-            </a:r>
-            <a:r>
-              <a:rPr kumimoji="1" lang="en-US" altLang="zh-CN" sz="2400" dirty="0" err="1"/>
-              <a:t>HyPhy</a:t>
-            </a:r>
-            <a:r>
-              <a:rPr kumimoji="1" lang="en-US" altLang="zh-CN" sz="2400" dirty="0"/>
-              <a:t>.</a:t>
-            </a:r>
-          </a:p>
-          <a:p>
-            <a:endParaRPr kumimoji="1" lang="en-US" altLang="zh-CN" sz="2400" dirty="0"/>
-          </a:p>
-          <a:p>
-            <a:pPr marL="0" indent="0">
-              <a:buNone/>
-            </a:pPr>
-            <a:endParaRPr kumimoji="1" lang="en-US" altLang="zh-CN" sz="2400" dirty="0"/>
-          </a:p>
-          <a:p>
-            <a:endParaRPr kumimoji="1" lang="en-US" altLang="zh-CN" sz="2400" dirty="0"/>
-          </a:p>
-          <a:p>
-            <a:endParaRPr kumimoji="1" lang="zh-CN" altLang="en-US" sz="2400" dirty="0"/>
+              <a:rPr lang="pt-BR" sz="2000" b="1" dirty="0" err="1" smtClean="0"/>
+              <a:t>domain</a:t>
+            </a:r>
+            <a:r>
+              <a:rPr lang="pt-BR" sz="2000" b="1" dirty="0" smtClean="0"/>
+              <a:t>: </a:t>
+            </a:r>
+            <a:r>
+              <a:rPr lang="pt-BR" sz="2000" dirty="0" smtClean="0"/>
+              <a:t>Sara </a:t>
+            </a:r>
+            <a:r>
+              <a:rPr lang="pt-BR" sz="2000" dirty="0"/>
+              <a:t>L. Sawyer, </a:t>
+            </a:r>
+            <a:r>
+              <a:rPr lang="pt-BR" sz="2000" dirty="0" err="1"/>
+              <a:t>Lily</a:t>
+            </a:r>
+            <a:r>
+              <a:rPr lang="pt-BR" sz="2000" dirty="0"/>
+              <a:t> I. Wu, Michael </a:t>
+            </a:r>
+            <a:r>
+              <a:rPr lang="pt-BR" sz="2000" dirty="0" err="1"/>
+              <a:t>Emerman</a:t>
+            </a:r>
+            <a:r>
+              <a:rPr lang="pt-BR" sz="2000" dirty="0"/>
+              <a:t>, </a:t>
+            </a:r>
+            <a:r>
+              <a:rPr lang="pt-BR" sz="2000" dirty="0" err="1"/>
+              <a:t>Harmit</a:t>
+            </a:r>
+            <a:r>
+              <a:rPr lang="pt-BR" sz="2000" dirty="0"/>
+              <a:t> S. </a:t>
+            </a:r>
+            <a:r>
+              <a:rPr lang="pt-BR" sz="2000" dirty="0" err="1"/>
+              <a:t>Malik</a:t>
+            </a:r>
+            <a:endParaRPr lang="en-US" dirty="0" smtClean="0"/>
+          </a:p>
+          <a:p>
+            <a:endParaRPr lang="en-US" b="1" dirty="0"/>
+          </a:p>
+          <a:p>
+            <a:endParaRPr kumimoji="1" lang="pt-BR" altLang="zh-CN" sz="2400" dirty="0"/>
           </a:p>
         </p:txBody>
       </p:sp>
     </p:spTree>
     <p:extLst>
       <p:ext uri="{BB962C8B-B14F-4D97-AF65-F5344CB8AC3E}">
-        <p14:creationId xmlns:p14="http://schemas.microsoft.com/office/powerpoint/2010/main" val="1507181258"/>
+        <p14:creationId xmlns:p14="http://schemas.microsoft.com/office/powerpoint/2010/main" val="1689992994"/>
       </p:ext>
     </p:extLst>
   </p:cSld>
   <p:clrMapOvr>
     <a:masterClrMapping/>
   </p:clrMapOvr>
-</p:sld>
-</file>
-
-<file path=ppt/slides/slide9.xml><?xml version="1.0" encoding="utf-8"?>
-<p:sld xmlns:a="http://schemas.openxmlformats.org/drawingml/2006/main" xmlns:r="http://schemas.openxmlformats.org/officeDocument/2006/relationships" xmlns:p="http://schemas.openxmlformats.org/presentationml/2006/main">
-  <p:cSld>
-    <p:spTree>
-      <p:nvGrpSpPr>
-        <p:cNvPr id="1" name=""/>
-        <p:cNvGrpSpPr/>
-        <p:nvPr/>
-      </p:nvGrpSpPr>
-      <p:grpSpPr>
-        <a:xfrm>
-          <a:off x="0" y="0"/>
-          <a:ext cx="0" cy="0"/>
-          <a:chOff x="0" y="0"/>
-          <a:chExt cx="0" cy="0"/>
-        </a:xfrm>
-      </p:grpSpPr>
-      <p:sp>
-        <p:nvSpPr>
-          <p:cNvPr id="2" name="标题 1"/>
-          <p:cNvSpPr>
-            <a:spLocks noGrp="1"/>
-          </p:cNvSpPr>
-          <p:nvPr>
-            <p:ph type="title"/>
-          </p:nvPr>
-        </p:nvSpPr>
-        <p:spPr/>
-        <p:txBody>
-          <a:bodyPr>
-            <a:normAutofit/>
-          </a:bodyPr>
-          <a:lstStyle/>
-          <a:p>
-            <a:r>
-              <a:rPr kumimoji="1" lang="pt-BR" altLang="zh-CN" sz="3200" b="1" dirty="0" err="1" smtClean="0">
-                <a:solidFill>
-                  <a:srgbClr val="92D050"/>
-                </a:solidFill>
-                <a:latin typeface="Microsoft YaHei" charset="-122"/>
-                <a:ea typeface="Microsoft YaHei" charset="-122"/>
-                <a:cs typeface="Microsoft YaHei" charset="-122"/>
-              </a:rPr>
-              <a:t>First</a:t>
-            </a:r>
-            <a:r>
-              <a:rPr kumimoji="1" lang="pt-BR" altLang="zh-CN" sz="3200" b="1" dirty="0" smtClean="0">
-                <a:solidFill>
-                  <a:srgbClr val="92D050"/>
-                </a:solidFill>
-                <a:latin typeface="Microsoft YaHei" charset="-122"/>
-                <a:ea typeface="Microsoft YaHei" charset="-122"/>
-                <a:cs typeface="Microsoft YaHei" charset="-122"/>
-              </a:rPr>
-              <a:t> </a:t>
-            </a:r>
-            <a:r>
-              <a:rPr kumimoji="1" lang="pt-BR" altLang="zh-CN" sz="3200" b="1" dirty="0" err="1" smtClean="0">
-                <a:solidFill>
-                  <a:srgbClr val="92D050"/>
-                </a:solidFill>
-                <a:latin typeface="Microsoft YaHei" charset="-122"/>
-                <a:ea typeface="Microsoft YaHei" charset="-122"/>
-                <a:cs typeface="Microsoft YaHei" charset="-122"/>
-              </a:rPr>
-              <a:t>plots</a:t>
-            </a:r>
-            <a:endParaRPr kumimoji="1" lang="zh-CN" altLang="en-US" sz="3200" b="1" dirty="0">
-              <a:solidFill>
-                <a:srgbClr val="92D050"/>
-              </a:solidFill>
-              <a:latin typeface="Microsoft YaHei" charset="-122"/>
-              <a:ea typeface="Microsoft YaHei" charset="-122"/>
-              <a:cs typeface="Microsoft YaHei" charset="-122"/>
-            </a:endParaRPr>
-          </a:p>
-        </p:txBody>
-      </p:sp>
-      <p:sp>
-        <p:nvSpPr>
-          <p:cNvPr id="9" name="内容占位符 2"/>
-          <p:cNvSpPr>
-            <a:spLocks noGrp="1"/>
-          </p:cNvSpPr>
-          <p:nvPr>
-            <p:ph idx="1"/>
-          </p:nvPr>
-        </p:nvSpPr>
-        <p:spPr>
-          <a:xfrm>
-            <a:off x="4317166" y="1690688"/>
-            <a:ext cx="4198183" cy="4065861"/>
-          </a:xfrm>
-        </p:spPr>
-        <p:txBody>
-          <a:bodyPr>
-            <a:normAutofit/>
-          </a:bodyPr>
-          <a:lstStyle/>
-          <a:p>
-            <a:r>
-              <a:rPr kumimoji="1" lang="en-US" altLang="zh-CN" sz="2400" dirty="0">
-                <a:ea typeface="Microsoft YaHei" charset="-122"/>
-                <a:cs typeface="Microsoft YaHei" charset="-122"/>
-              </a:rPr>
-              <a:t>Describe evolutionary approximations of organisms, creating a phylogenetic tree</a:t>
-            </a:r>
-            <a:r>
-              <a:rPr lang="en-US" altLang="zh-CN" sz="2400" dirty="0"/>
-              <a:t>.</a:t>
-            </a:r>
-          </a:p>
-          <a:p>
-            <a:endParaRPr lang="en-US" altLang="zh-CN" sz="2400" dirty="0"/>
-          </a:p>
-          <a:p>
-            <a:r>
-              <a:rPr lang="en-US" altLang="zh-CN" sz="2400" dirty="0"/>
-              <a:t>Find Amino Acids conserved in the evolution process.</a:t>
-            </a:r>
-          </a:p>
-          <a:p>
-            <a:endParaRPr kumimoji="1" lang="en-US" altLang="zh-CN" sz="2400" dirty="0"/>
-          </a:p>
-          <a:p>
-            <a:endParaRPr kumimoji="1" lang="zh-CN" altLang="en-US" sz="2400" dirty="0"/>
-          </a:p>
-        </p:txBody>
-      </p:sp>
-      <p:pic>
-        <p:nvPicPr>
-          <p:cNvPr id="7" name="Imagem 6">
-            <a:extLst>
-              <a:ext uri="{FF2B5EF4-FFF2-40B4-BE49-F238E27FC236}">
-                <a16:creationId xmlns:a16="http://schemas.microsoft.com/office/drawing/2014/main" id="{59007301-A600-4D47-98EB-289F1EAE754C}"/>
-              </a:ext>
-            </a:extLst>
-          </p:cNvPr>
-          <p:cNvPicPr>
-            <a:picLocks noChangeAspect="1"/>
-          </p:cNvPicPr>
-          <p:nvPr/>
-        </p:nvPicPr>
-        <p:blipFill>
-          <a:blip r:embed="rId2"/>
-          <a:stretch>
-            <a:fillRect/>
-          </a:stretch>
-        </p:blipFill>
-        <p:spPr>
-          <a:xfrm>
-            <a:off x="3525642" y="4708359"/>
-            <a:ext cx="5179446" cy="1784515"/>
-          </a:xfrm>
-          <a:prstGeom prst="rect">
-            <a:avLst/>
-          </a:prstGeom>
-        </p:spPr>
-      </p:pic>
-      <p:pic>
-        <p:nvPicPr>
-          <p:cNvPr id="12" name="Imagem 11" descr="Uma imagem contendo texto&#10;&#10;Descrição gerada com alta confiança">
-            <a:extLst>
-              <a:ext uri="{FF2B5EF4-FFF2-40B4-BE49-F238E27FC236}">
-                <a16:creationId xmlns:a16="http://schemas.microsoft.com/office/drawing/2014/main" id="{FCB3480D-0A19-4C31-A533-2E7FCCE235E8}"/>
-              </a:ext>
-            </a:extLst>
-          </p:cNvPr>
-          <p:cNvPicPr>
-            <a:picLocks noChangeAspect="1"/>
-          </p:cNvPicPr>
-          <p:nvPr/>
-        </p:nvPicPr>
-        <p:blipFill rotWithShape="1">
-          <a:blip r:embed="rId3"/>
-          <a:srcRect t="-1796" b="19803"/>
-          <a:stretch/>
-        </p:blipFill>
-        <p:spPr>
-          <a:xfrm>
-            <a:off x="122333" y="1199455"/>
-            <a:ext cx="3448675" cy="5293419"/>
-          </a:xfrm>
-          <a:prstGeom prst="rect">
-            <a:avLst/>
-          </a:prstGeom>
-        </p:spPr>
-      </p:pic>
-      <p:sp>
-        <p:nvSpPr>
-          <p:cNvPr id="13" name="CaixaDeTexto 12">
-            <a:extLst>
-              <a:ext uri="{FF2B5EF4-FFF2-40B4-BE49-F238E27FC236}">
-                <a16:creationId xmlns:a16="http://schemas.microsoft.com/office/drawing/2014/main" id="{4BF675A7-CCCB-47CA-9A17-D534B563D013}"/>
-              </a:ext>
-            </a:extLst>
-          </p:cNvPr>
-          <p:cNvSpPr txBox="1"/>
-          <p:nvPr/>
-        </p:nvSpPr>
-        <p:spPr>
-          <a:xfrm>
-            <a:off x="748766" y="6436692"/>
-            <a:ext cx="3448675" cy="338554"/>
-          </a:xfrm>
-          <a:prstGeom prst="rect">
-            <a:avLst/>
-          </a:prstGeom>
-          <a:noFill/>
-        </p:spPr>
-        <p:txBody>
-          <a:bodyPr wrap="square" rtlCol="0">
-            <a:spAutoFit/>
-          </a:bodyPr>
-          <a:lstStyle/>
-          <a:p>
-            <a:r>
-              <a:rPr lang="pt-BR" sz="1600" b="1" dirty="0" err="1"/>
-              <a:t>Image</a:t>
-            </a:r>
-            <a:r>
-              <a:rPr lang="pt-BR" sz="1600" b="1" dirty="0"/>
-              <a:t> 2</a:t>
-            </a:r>
-            <a:r>
-              <a:rPr lang="pt-BR" sz="1600" dirty="0"/>
-              <a:t>: </a:t>
-            </a:r>
-            <a:r>
-              <a:rPr lang="pt-BR" sz="1600" dirty="0" err="1"/>
-              <a:t>Phylogenetic</a:t>
-            </a:r>
-            <a:r>
-              <a:rPr lang="pt-BR" sz="1600" dirty="0"/>
-              <a:t> </a:t>
-            </a:r>
-            <a:r>
-              <a:rPr lang="pt-BR" sz="1600" dirty="0" err="1"/>
-              <a:t>tree</a:t>
-            </a:r>
-            <a:r>
-              <a:rPr lang="pt-BR" sz="1600" dirty="0"/>
-              <a:t>                                                          </a:t>
-            </a:r>
-          </a:p>
-        </p:txBody>
-      </p:sp>
-      <p:sp>
-        <p:nvSpPr>
-          <p:cNvPr id="14" name="CaixaDeTexto 13">
-            <a:extLst>
-              <a:ext uri="{FF2B5EF4-FFF2-40B4-BE49-F238E27FC236}">
-                <a16:creationId xmlns:a16="http://schemas.microsoft.com/office/drawing/2014/main" id="{5D36A942-6A65-4942-82FF-DDFDF5D5C097}"/>
-              </a:ext>
-            </a:extLst>
-          </p:cNvPr>
-          <p:cNvSpPr txBox="1"/>
-          <p:nvPr/>
-        </p:nvSpPr>
-        <p:spPr>
-          <a:xfrm>
-            <a:off x="4317166" y="6436692"/>
-            <a:ext cx="4387922" cy="369332"/>
-          </a:xfrm>
-          <a:prstGeom prst="rect">
-            <a:avLst/>
-          </a:prstGeom>
-          <a:noFill/>
-        </p:spPr>
-        <p:txBody>
-          <a:bodyPr wrap="square" rtlCol="0">
-            <a:spAutoFit/>
-          </a:bodyPr>
-          <a:lstStyle/>
-          <a:p>
-            <a:r>
-              <a:rPr lang="pt-BR" b="1" dirty="0" err="1"/>
-              <a:t>Image</a:t>
-            </a:r>
-            <a:r>
-              <a:rPr lang="pt-BR" b="1" dirty="0"/>
-              <a:t> 3: </a:t>
-            </a:r>
-            <a:r>
-              <a:rPr lang="pt-BR" dirty="0" err="1"/>
-              <a:t>Comparing</a:t>
-            </a:r>
-            <a:r>
-              <a:rPr lang="pt-BR" dirty="0"/>
-              <a:t> AA </a:t>
-            </a:r>
-            <a:r>
-              <a:rPr lang="pt-BR" dirty="0" err="1"/>
-              <a:t>conserved</a:t>
-            </a:r>
-            <a:endParaRPr lang="pt-BR" dirty="0"/>
-          </a:p>
-        </p:txBody>
-      </p:sp>
-    </p:spTree>
-    <p:extLst>
-      <p:ext uri="{BB962C8B-B14F-4D97-AF65-F5344CB8AC3E}">
-        <p14:creationId xmlns:p14="http://schemas.microsoft.com/office/powerpoint/2010/main" val="910736488"/>
-      </p:ext>
-    </p:extLst>
-  </p:cSld>
-  <p:clrMapOvr>
-    <a:masterClrMapping/>
-  </p:clrMapOvr>
+  <p:timing>
+    <p:tnLst>
+      <p:par>
+        <p:cTn id="1" dur="indefinite" restart="never" nodeType="tmRoot"/>
+      </p:par>
+    </p:tnLst>
+  </p:timing>
 </p:sld>
 </file>
 
@@ -7057,7 +6146,7 @@
   <a:extraClrSchemeLst/>
   <a:extLst>
     <a:ext uri="{05A4C25C-085E-4340-85A3-A5531E510DB2}">
-      <thm15:themeFamily xmlns:thm15="http://schemas.microsoft.com/office/thememl/2012/main" name="Office Theme" id="{62F939B6-93AF-4DB8-9C6B-D6C7DFDC589F}" vid="{4A3C46E8-61CC-4603-A589-7422A47A8E4A}"/>
+      <thm15:themeFamily xmlns:thm15="http://schemas.microsoft.com/office/thememl/2012/main" xmlns="" name="Office Theme" id="{62F939B6-93AF-4DB8-9C6B-D6C7DFDC589F}" vid="{4A3C46E8-61CC-4603-A589-7422A47A8E4A}"/>
     </a:ext>
   </a:extLst>
 </a:theme>
@@ -7318,7 +6407,7 @@
   <a:extraClrSchemeLst/>
   <a:extLst>
     <a:ext uri="{05A4C25C-085E-4340-85A3-A5531E510DB2}">
-      <thm15:themeFamily xmlns:thm15="http://schemas.microsoft.com/office/thememl/2012/main" name="Office Theme" id="{62F939B6-93AF-4DB8-9C6B-D6C7DFDC589F}" vid="{4A3C46E8-61CC-4603-A589-7422A47A8E4A}"/>
+      <thm15:themeFamily xmlns:thm15="http://schemas.microsoft.com/office/thememl/2012/main" xmlns="" name="Office Theme" id="{62F939B6-93AF-4DB8-9C6B-D6C7DFDC589F}" vid="{4A3C46E8-61CC-4603-A589-7422A47A8E4A}"/>
     </a:ext>
   </a:extLst>
 </a:theme>
